--- a/doc/4.4진행상황발표.pptx
+++ b/doc/4.4진행상황발표.pptx
@@ -5,14 +5,15 @@
     <p:sldMasterId id="2147483792" r:id="rId1"/>
   </p:sldMasterIdLst>
   <p:notesMasterIdLst>
-    <p:notesMasterId r:id="rId7"/>
+    <p:notesMasterId r:id="rId8"/>
   </p:notesMasterIdLst>
   <p:sldIdLst>
     <p:sldId id="256" r:id="rId2"/>
     <p:sldId id="259" r:id="rId3"/>
-    <p:sldId id="262" r:id="rId4"/>
-    <p:sldId id="263" r:id="rId5"/>
-    <p:sldId id="265" r:id="rId6"/>
+    <p:sldId id="266" r:id="rId4"/>
+    <p:sldId id="262" r:id="rId5"/>
+    <p:sldId id="263" r:id="rId6"/>
+    <p:sldId id="265" r:id="rId7"/>
   </p:sldIdLst>
   <p:sldSz cx="9144000" cy="6858000" type="screen4x3"/>
   <p:notesSz cx="6858000" cy="9144000"/>
@@ -197,7 +198,7 @@
             <a:fld id="{F691A432-E9BC-495B-9031-8FAC2536ACE4}" type="datetimeFigureOut">
               <a:rPr lang="ko-KR" altLang="en-US" smtClean="0"/>
               <a:pPr/>
-              <a:t>2013-04-04</a:t>
+              <a:t>2013-04-05</a:t>
             </a:fld>
             <a:endParaRPr lang="ko-KR" altLang="en-US"/>
           </a:p>
@@ -366,7 +367,7 @@
     </p:spTree>
     <p:extLst>
       <p:ext uri="{BB962C8B-B14F-4D97-AF65-F5344CB8AC3E}">
-        <p14:creationId xmlns:p14="http://schemas.microsoft.com/office/powerpoint/2010/main" xmlns="" val="1467647970"/>
+        <p14:creationId xmlns="" xmlns:p14="http://schemas.microsoft.com/office/powerpoint/2010/main" val="1467647970"/>
       </p:ext>
     </p:extLst>
   </p:cSld>
@@ -637,7 +638,7 @@
     </p:spTree>
     <p:extLst>
       <p:ext uri="{BB962C8B-B14F-4D97-AF65-F5344CB8AC3E}">
-        <p14:creationId xmlns:p14="http://schemas.microsoft.com/office/powerpoint/2010/main" xmlns="" val="3298718504"/>
+        <p14:creationId xmlns="" xmlns:p14="http://schemas.microsoft.com/office/powerpoint/2010/main" val="3298718504"/>
       </p:ext>
     </p:extLst>
   </p:cSld>
@@ -739,7 +740,7 @@
     </p:spTree>
     <p:extLst>
       <p:ext uri="{BB962C8B-B14F-4D97-AF65-F5344CB8AC3E}">
-        <p14:creationId xmlns:p14="http://schemas.microsoft.com/office/powerpoint/2010/main" xmlns="" val="649765892"/>
+        <p14:creationId xmlns="" xmlns:p14="http://schemas.microsoft.com/office/powerpoint/2010/main" val="649765892"/>
       </p:ext>
     </p:extLst>
   </p:cSld>
@@ -832,7 +833,7 @@
             <a:fld id="{A1D6A000-E7F9-4C12-BE07-97209BF2411E}" type="slidenum">
               <a:rPr lang="ko-KR" altLang="en-US" smtClean="0"/>
               <a:pPr/>
-              <a:t>3</a:t>
+              <a:t>4</a:t>
             </a:fld>
             <a:endParaRPr lang="ko-KR" altLang="en-US"/>
           </a:p>
@@ -841,7 +842,7 @@
     </p:spTree>
     <p:extLst>
       <p:ext uri="{BB962C8B-B14F-4D97-AF65-F5344CB8AC3E}">
-        <p14:creationId xmlns:p14="http://schemas.microsoft.com/office/powerpoint/2010/main" xmlns="" val="649765892"/>
+        <p14:creationId xmlns="" xmlns:p14="http://schemas.microsoft.com/office/powerpoint/2010/main" val="649765892"/>
       </p:ext>
     </p:extLst>
   </p:cSld>
@@ -934,7 +935,7 @@
             <a:fld id="{A1D6A000-E7F9-4C12-BE07-97209BF2411E}" type="slidenum">
               <a:rPr lang="ko-KR" altLang="en-US" smtClean="0"/>
               <a:pPr/>
-              <a:t>4</a:t>
+              <a:t>5</a:t>
             </a:fld>
             <a:endParaRPr lang="ko-KR" altLang="en-US"/>
           </a:p>
@@ -943,7 +944,7 @@
     </p:spTree>
     <p:extLst>
       <p:ext uri="{BB962C8B-B14F-4D97-AF65-F5344CB8AC3E}">
-        <p14:creationId xmlns:p14="http://schemas.microsoft.com/office/powerpoint/2010/main" xmlns="" val="649765892"/>
+        <p14:creationId xmlns="" xmlns:p14="http://schemas.microsoft.com/office/powerpoint/2010/main" val="649765892"/>
       </p:ext>
     </p:extLst>
   </p:cSld>
@@ -1036,7 +1037,7 @@
             <a:fld id="{A1D6A000-E7F9-4C12-BE07-97209BF2411E}" type="slidenum">
               <a:rPr lang="ko-KR" altLang="en-US" smtClean="0"/>
               <a:pPr/>
-              <a:t>5</a:t>
+              <a:t>6</a:t>
             </a:fld>
             <a:endParaRPr lang="ko-KR" altLang="en-US"/>
           </a:p>
@@ -1045,7 +1046,7 @@
     </p:spTree>
     <p:extLst>
       <p:ext uri="{BB962C8B-B14F-4D97-AF65-F5344CB8AC3E}">
-        <p14:creationId xmlns:p14="http://schemas.microsoft.com/office/powerpoint/2010/main" xmlns="" val="649765892"/>
+        <p14:creationId xmlns="" xmlns:p14="http://schemas.microsoft.com/office/powerpoint/2010/main" val="649765892"/>
       </p:ext>
     </p:extLst>
   </p:cSld>
@@ -1193,7 +1194,7 @@
             <a:fld id="{D698ECF3-E86C-4529-9833-4A4DF0A41B5F}" type="datetimeFigureOut">
               <a:rPr lang="ko-KR" altLang="en-US" smtClean="0"/>
               <a:pPr/>
-              <a:t>2013-04-04</a:t>
+              <a:t>2013-04-05</a:t>
             </a:fld>
             <a:endParaRPr lang="ko-KR" altLang="en-US"/>
           </a:p>
@@ -2064,7 +2065,7 @@
             <a:fld id="{D698ECF3-E86C-4529-9833-4A4DF0A41B5F}" type="datetimeFigureOut">
               <a:rPr lang="ko-KR" altLang="en-US" smtClean="0"/>
               <a:pPr/>
-              <a:t>2013-04-04</a:t>
+              <a:t>2013-04-05</a:t>
             </a:fld>
             <a:endParaRPr lang="ko-KR" altLang="en-US"/>
           </a:p>
@@ -2241,7 +2242,7 @@
             <a:fld id="{D698ECF3-E86C-4529-9833-4A4DF0A41B5F}" type="datetimeFigureOut">
               <a:rPr lang="ko-KR" altLang="en-US" smtClean="0"/>
               <a:pPr/>
-              <a:t>2013-04-04</a:t>
+              <a:t>2013-04-05</a:t>
             </a:fld>
             <a:endParaRPr lang="ko-KR" altLang="en-US"/>
           </a:p>
@@ -2413,7 +2414,7 @@
             <a:fld id="{D698ECF3-E86C-4529-9833-4A4DF0A41B5F}" type="datetimeFigureOut">
               <a:rPr lang="ko-KR" altLang="en-US" smtClean="0"/>
               <a:pPr/>
-              <a:t>2013-04-04</a:t>
+              <a:t>2013-04-05</a:t>
             </a:fld>
             <a:endParaRPr lang="ko-KR" altLang="en-US"/>
           </a:p>
@@ -2625,7 +2626,7 @@
             <a:fld id="{D698ECF3-E86C-4529-9833-4A4DF0A41B5F}" type="datetimeFigureOut">
               <a:rPr lang="ko-KR" altLang="en-US" smtClean="0"/>
               <a:pPr/>
-              <a:t>2013-04-04</a:t>
+              <a:t>2013-04-05</a:t>
             </a:fld>
             <a:endParaRPr lang="ko-KR" altLang="en-US"/>
           </a:p>
@@ -3441,7 +3442,7 @@
             <a:fld id="{D698ECF3-E86C-4529-9833-4A4DF0A41B5F}" type="datetimeFigureOut">
               <a:rPr lang="ko-KR" altLang="en-US" smtClean="0"/>
               <a:pPr/>
-              <a:t>2013-04-04</a:t>
+              <a:t>2013-04-05</a:t>
             </a:fld>
             <a:endParaRPr lang="ko-KR" altLang="en-US"/>
           </a:p>
@@ -3679,7 +3680,7 @@
             <a:fld id="{D698ECF3-E86C-4529-9833-4A4DF0A41B5F}" type="datetimeFigureOut">
               <a:rPr lang="ko-KR" altLang="en-US" smtClean="0"/>
               <a:pPr/>
-              <a:t>2013-04-04</a:t>
+              <a:t>2013-04-05</a:t>
             </a:fld>
             <a:endParaRPr lang="ko-KR" altLang="en-US"/>
           </a:p>
@@ -4004,7 +4005,7 @@
             <a:fld id="{D698ECF3-E86C-4529-9833-4A4DF0A41B5F}" type="datetimeFigureOut">
               <a:rPr lang="ko-KR" altLang="en-US" smtClean="0"/>
               <a:pPr/>
-              <a:t>2013-04-04</a:t>
+              <a:t>2013-04-05</a:t>
             </a:fld>
             <a:endParaRPr lang="ko-KR" altLang="en-US"/>
           </a:p>
@@ -4096,7 +4097,7 @@
             <a:fld id="{D698ECF3-E86C-4529-9833-4A4DF0A41B5F}" type="datetimeFigureOut">
               <a:rPr lang="ko-KR" altLang="en-US" smtClean="0"/>
               <a:pPr/>
-              <a:t>2013-04-04</a:t>
+              <a:t>2013-04-05</a:t>
             </a:fld>
             <a:endParaRPr lang="ko-KR" altLang="en-US"/>
           </a:p>
@@ -4615,7 +4616,7 @@
             <a:fld id="{D698ECF3-E86C-4529-9833-4A4DF0A41B5F}" type="datetimeFigureOut">
               <a:rPr lang="ko-KR" altLang="en-US" smtClean="0"/>
               <a:pPr/>
-              <a:t>2013-04-04</a:t>
+              <a:t>2013-04-05</a:t>
             </a:fld>
             <a:endParaRPr lang="ko-KR" altLang="en-US"/>
           </a:p>
@@ -5128,7 +5129,7 @@
             <a:fld id="{D698ECF3-E86C-4529-9833-4A4DF0A41B5F}" type="datetimeFigureOut">
               <a:rPr lang="ko-KR" altLang="en-US" smtClean="0"/>
               <a:pPr/>
-              <a:t>2013-04-04</a:t>
+              <a:t>2013-04-05</a:t>
             </a:fld>
             <a:endParaRPr lang="ko-KR" altLang="en-US"/>
           </a:p>
@@ -5375,7 +5376,7 @@
             <a:fld id="{D698ECF3-E86C-4529-9833-4A4DF0A41B5F}" type="datetimeFigureOut">
               <a:rPr lang="ko-KR" altLang="en-US" smtClean="0"/>
               <a:pPr/>
-              <a:t>2013-04-04</a:t>
+              <a:t>2013-04-05</a:t>
             </a:fld>
             <a:endParaRPr lang="ko-KR" altLang="en-US"/>
           </a:p>
@@ -6294,7 +6295,7 @@
     </p:spTree>
     <p:extLst>
       <p:ext uri="{BB962C8B-B14F-4D97-AF65-F5344CB8AC3E}">
-        <p14:creationId xmlns:p14="http://schemas.microsoft.com/office/powerpoint/2010/main" xmlns="" val="4291446898"/>
+        <p14:creationId xmlns="" xmlns:p14="http://schemas.microsoft.com/office/powerpoint/2010/main" val="4291446898"/>
       </p:ext>
     </p:extLst>
   </p:cSld>
@@ -6451,14 +6452,14 @@
           <a:effectLst/>
           <a:extLst>
             <a:ext uri="{909E8E84-426E-40DD-AFC4-6F175D3DCCD1}">
-              <a14:hiddenFill xmlns:a14="http://schemas.microsoft.com/office/drawing/2010/main" xmlns="">
+              <a14:hiddenFill xmlns="" xmlns:a14="http://schemas.microsoft.com/office/drawing/2010/main">
                 <a:solidFill>
                   <a:schemeClr val="accent1"/>
                 </a:solidFill>
               </a14:hiddenFill>
             </a:ext>
             <a:ext uri="{91240B29-F687-4F45-9708-019B960494DF}">
-              <a14:hiddenLine xmlns:a14="http://schemas.microsoft.com/office/drawing/2010/main" xmlns="" w="9525">
+              <a14:hiddenLine xmlns="" xmlns:a14="http://schemas.microsoft.com/office/drawing/2010/main" w="9525">
                 <a:solidFill>
                   <a:schemeClr val="tx1"/>
                 </a:solidFill>
@@ -6468,7 +6469,7 @@
               </a14:hiddenLine>
             </a:ext>
             <a:ext uri="{AF507438-7753-43E0-B8FC-AC1667EBCBE1}">
-              <a14:hiddenEffects xmlns:a14="http://schemas.microsoft.com/office/drawing/2010/main" xmlns="">
+              <a14:hiddenEffects xmlns="" xmlns:a14="http://schemas.microsoft.com/office/drawing/2010/main">
                 <a:effectLst>
                   <a:outerShdw dist="35921" dir="2700000" algn="ctr" rotWithShape="0">
                     <a:schemeClr val="bg2"/>
@@ -6596,7 +6597,7 @@
           <a:blip r:embed="rId3">
             <a:extLst>
               <a:ext uri="{28A0092B-C50C-407E-A947-70E740481C1C}">
-                <a14:useLocalDpi xmlns:a14="http://schemas.microsoft.com/office/drawing/2010/main" xmlns="" val="0"/>
+                <a14:useLocalDpi xmlns="" xmlns:a14="http://schemas.microsoft.com/office/drawing/2010/main" val="0"/>
               </a:ext>
             </a:extLst>
           </a:blip>
@@ -6619,14 +6620,14 @@
           </a:ln>
           <a:extLst>
             <a:ext uri="{909E8E84-426E-40DD-AFC4-6F175D3DCCD1}">
-              <a14:hiddenFill xmlns:a14="http://schemas.microsoft.com/office/drawing/2010/main" xmlns="">
+              <a14:hiddenFill xmlns="" xmlns:a14="http://schemas.microsoft.com/office/drawing/2010/main">
                 <a:solidFill>
                   <a:schemeClr val="accent1"/>
                 </a:solidFill>
               </a14:hiddenFill>
             </a:ext>
             <a:ext uri="{91240B29-F687-4F45-9708-019B960494DF}">
-              <a14:hiddenLine xmlns:a14="http://schemas.microsoft.com/office/drawing/2010/main" xmlns="" w="9525">
+              <a14:hiddenLine xmlns="" xmlns:a14="http://schemas.microsoft.com/office/drawing/2010/main" w="9525">
                 <a:solidFill>
                   <a:schemeClr val="tx1"/>
                 </a:solidFill>
@@ -6909,10 +6910,74 @@
           </a:p>
         </p:txBody>
       </p:sp>
+      <p:sp>
+        <p:nvSpPr>
+          <p:cNvPr id="15" name="TextBox 14"/>
+          <p:cNvSpPr txBox="1"/>
+          <p:nvPr/>
+        </p:nvSpPr>
+        <p:spPr>
+          <a:xfrm>
+            <a:off x="5072066" y="2571744"/>
+            <a:ext cx="571504" cy="369332"/>
+          </a:xfrm>
+          <a:prstGeom prst="rect">
+            <a:avLst/>
+          </a:prstGeom>
+          <a:noFill/>
+        </p:spPr>
+        <p:txBody>
+          <a:bodyPr wrap="square" rtlCol="0">
+            <a:spAutoFit/>
+          </a:bodyPr>
+          <a:lstStyle/>
+          <a:p>
+            <a:r>
+              <a:rPr lang="ko-KR" altLang="en-US" dirty="0" smtClean="0"/>
+              <a:t>학습</a:t>
+            </a:r>
+            <a:endParaRPr lang="en-US" altLang="ko-KR" dirty="0" smtClean="0"/>
+          </a:p>
+        </p:txBody>
+      </p:sp>
+      <p:sp>
+        <p:nvSpPr>
+          <p:cNvPr id="18" name="TextBox 17"/>
+          <p:cNvSpPr txBox="1"/>
+          <p:nvPr/>
+        </p:nvSpPr>
+        <p:spPr>
+          <a:xfrm>
+            <a:off x="5143504" y="4071942"/>
+            <a:ext cx="571504" cy="369332"/>
+          </a:xfrm>
+          <a:prstGeom prst="rect">
+            <a:avLst/>
+          </a:prstGeom>
+          <a:noFill/>
+        </p:spPr>
+        <p:txBody>
+          <a:bodyPr wrap="square" rtlCol="0">
+            <a:spAutoFit/>
+          </a:bodyPr>
+          <a:lstStyle/>
+          <a:p>
+            <a:r>
+              <a:rPr lang="ko-KR" altLang="en-US" smtClean="0"/>
+              <a:t>번</a:t>
+            </a:r>
+            <a:r>
+              <a:rPr lang="ko-KR" altLang="en-US" smtClean="0"/>
+              <a:t>역</a:t>
+            </a:r>
+            <a:endParaRPr lang="en-US" altLang="ko-KR" dirty="0" smtClean="0"/>
+          </a:p>
+        </p:txBody>
+      </p:sp>
     </p:spTree>
     <p:extLst>
       <p:ext uri="{BB962C8B-B14F-4D97-AF65-F5344CB8AC3E}">
-        <p14:creationId xmlns:p14="http://schemas.microsoft.com/office/powerpoint/2010/main" xmlns="" val="4267675200"/>
+        <p14:creationId xmlns="" xmlns:p14="http://schemas.microsoft.com/office/powerpoint/2010/main" val="4267675200"/>
       </p:ext>
     </p:extLst>
   </p:cSld>
@@ -6956,6 +7021,8348 @@
             <p:ph type="title"/>
           </p:nvPr>
         </p:nvSpPr>
+        <p:spPr>
+          <a:xfrm>
+            <a:off x="467544" y="116632"/>
+            <a:ext cx="7467600" cy="1143000"/>
+          </a:xfrm>
+        </p:spPr>
+        <p:txBody>
+          <a:bodyPr>
+            <a:normAutofit/>
+          </a:bodyPr>
+          <a:lstStyle/>
+          <a:p>
+            <a:r>
+              <a:rPr lang="ko-KR" altLang="en-US" sz="4000" b="1" dirty="0" smtClean="0">
+                <a:solidFill>
+                  <a:schemeClr val="tx1"/>
+                </a:solidFill>
+                <a:latin typeface="+mn-ea"/>
+                <a:ea typeface="+mn-ea"/>
+              </a:rPr>
+              <a:t>현재 진행 상황</a:t>
+            </a:r>
+            <a:endParaRPr lang="ko-KR" altLang="en-US" sz="4000" b="1" dirty="0">
+              <a:solidFill>
+                <a:schemeClr val="tx1"/>
+              </a:solidFill>
+              <a:latin typeface="+mn-ea"/>
+              <a:ea typeface="+mn-ea"/>
+            </a:endParaRPr>
+          </a:p>
+        </p:txBody>
+      </p:sp>
+      <p:cxnSp>
+        <p:nvCxnSpPr>
+          <p:cNvPr id="4" name="직선 연결선 3"/>
+          <p:cNvCxnSpPr/>
+          <p:nvPr/>
+        </p:nvCxnSpPr>
+        <p:spPr>
+          <a:xfrm>
+            <a:off x="503548" y="1268760"/>
+            <a:ext cx="8136904" cy="0"/>
+          </a:xfrm>
+          <a:prstGeom prst="line">
+            <a:avLst/>
+          </a:prstGeom>
+        </p:spPr>
+        <p:style>
+          <a:lnRef idx="3">
+            <a:schemeClr val="accent1"/>
+          </a:lnRef>
+          <a:fillRef idx="0">
+            <a:schemeClr val="accent1"/>
+          </a:fillRef>
+          <a:effectRef idx="2">
+            <a:schemeClr val="accent1"/>
+          </a:effectRef>
+          <a:fontRef idx="minor">
+            <a:schemeClr val="tx1"/>
+          </a:fontRef>
+        </p:style>
+      </p:cxnSp>
+      <p:graphicFrame>
+        <p:nvGraphicFramePr>
+          <p:cNvPr id="8" name="표 7"/>
+          <p:cNvGraphicFramePr>
+            <a:graphicFrameLocks noGrp="1"/>
+          </p:cNvGraphicFramePr>
+          <p:nvPr>
+            <p:extLst>
+              <p:ext uri="{D42A27DB-BD31-4B8C-83A1-F6EECF244321}">
+                <p14:modId xmlns:p14="http://schemas.microsoft.com/office/powerpoint/2010/main" xmlns="" val="4076005201"/>
+              </p:ext>
+            </p:extLst>
+          </p:nvPr>
+        </p:nvGraphicFramePr>
+        <p:xfrm>
+          <a:off x="755576" y="1529073"/>
+          <a:ext cx="7560840" cy="5088793"/>
+        </p:xfrm>
+        <a:graphic>
+          <a:graphicData uri="http://schemas.openxmlformats.org/drawingml/2006/table">
+            <a:tbl>
+              <a:tblPr/>
+              <a:tblGrid>
+                <a:gridCol w="484102"/>
+                <a:gridCol w="1660719"/>
+                <a:gridCol w="300821"/>
+                <a:gridCol w="300991"/>
+                <a:gridCol w="300821"/>
+                <a:gridCol w="300991"/>
+                <a:gridCol w="300821"/>
+                <a:gridCol w="300991"/>
+                <a:gridCol w="300821"/>
+                <a:gridCol w="310586"/>
+                <a:gridCol w="361631"/>
+                <a:gridCol w="300991"/>
+                <a:gridCol w="300821"/>
+                <a:gridCol w="300991"/>
+                <a:gridCol w="1734742"/>
+              </a:tblGrid>
+              <a:tr h="282440">
+                <a:tc rowSpan="2">
+                  <a:txBody>
+                    <a:bodyPr/>
+                    <a:lstStyle/>
+                    <a:p>
+                      <a:pPr marL="0" marR="0" algn="ctr">
+                        <a:lnSpc>
+                          <a:spcPct val="120000"/>
+                        </a:lnSpc>
+                        <a:spcBef>
+                          <a:spcPts val="0"/>
+                        </a:spcBef>
+                        <a:spcAft>
+                          <a:spcPts val="0"/>
+                        </a:spcAft>
+                      </a:pPr>
+                      <a:r>
+                        <a:rPr lang="ko-KR" altLang="en-US" sz="1200" b="1" dirty="0">
+                          <a:solidFill>
+                            <a:srgbClr val="000000"/>
+                          </a:solidFill>
+                          <a:latin typeface="+mn-ea"/>
+                          <a:ea typeface="+mn-ea"/>
+                        </a:rPr>
+                        <a:t>일련</a:t>
+                      </a:r>
+                      <a:endParaRPr lang="ko-KR" altLang="en-US" sz="1200" dirty="0">
+                        <a:solidFill>
+                          <a:srgbClr val="000000"/>
+                        </a:solidFill>
+                        <a:latin typeface="+mn-ea"/>
+                        <a:ea typeface="+mn-ea"/>
+                      </a:endParaRPr>
+                    </a:p>
+                    <a:p>
+                      <a:pPr marL="0" marR="0" algn="ctr">
+                        <a:lnSpc>
+                          <a:spcPct val="120000"/>
+                        </a:lnSpc>
+                        <a:spcBef>
+                          <a:spcPts val="0"/>
+                        </a:spcBef>
+                        <a:spcAft>
+                          <a:spcPts val="0"/>
+                        </a:spcAft>
+                      </a:pPr>
+                      <a:r>
+                        <a:rPr lang="ko-KR" altLang="en-US" sz="1200" b="1" dirty="0">
+                          <a:solidFill>
+                            <a:srgbClr val="000000"/>
+                          </a:solidFill>
+                          <a:latin typeface="+mn-ea"/>
+                          <a:ea typeface="+mn-ea"/>
+                        </a:rPr>
+                        <a:t>번호</a:t>
+                      </a:r>
+                      <a:endParaRPr lang="ko-KR" altLang="en-US" sz="1200" dirty="0">
+                        <a:solidFill>
+                          <a:srgbClr val="000000"/>
+                        </a:solidFill>
+                        <a:latin typeface="+mn-ea"/>
+                        <a:ea typeface="+mn-ea"/>
+                      </a:endParaRPr>
+                    </a:p>
+                  </a:txBody>
+                  <a:tcPr marL="66261" marR="66261" marT="33130" marB="33130" anchor="ctr">
+                    <a:lnL w="21590" cap="flat" cmpd="sng" algn="ctr">
+                      <a:solidFill>
+                        <a:srgbClr val="000000"/>
+                      </a:solidFill>
+                      <a:prstDash val="solid"/>
+                      <a:round/>
+                      <a:headEnd type="none" w="med" len="med"/>
+                      <a:tailEnd type="none" w="med" len="med"/>
+                    </a:lnL>
+                    <a:lnR w="3556" cap="flat" cmpd="sng" algn="ctr">
+                      <a:solidFill>
+                        <a:srgbClr val="000000"/>
+                      </a:solidFill>
+                      <a:prstDash val="solid"/>
+                      <a:round/>
+                      <a:headEnd type="none" w="med" len="med"/>
+                      <a:tailEnd type="none" w="med" len="med"/>
+                    </a:lnR>
+                    <a:lnT w="21590" cap="flat" cmpd="sng" algn="ctr">
+                      <a:solidFill>
+                        <a:srgbClr val="000000"/>
+                      </a:solidFill>
+                      <a:prstDash val="solid"/>
+                      <a:round/>
+                      <a:headEnd type="none" w="med" len="med"/>
+                      <a:tailEnd type="none" w="med" len="med"/>
+                    </a:lnT>
+                    <a:lnB w="21590" cap="flat" cmpd="sng" algn="ctr">
+                      <a:solidFill>
+                        <a:srgbClr val="000000"/>
+                      </a:solidFill>
+                      <a:prstDash val="solid"/>
+                      <a:round/>
+                      <a:headEnd type="none" w="med" len="med"/>
+                      <a:tailEnd type="none" w="med" len="med"/>
+                    </a:lnB>
+                    <a:solidFill>
+                      <a:srgbClr val="F1F1F1"/>
+                    </a:solidFill>
+                  </a:tcPr>
+                </a:tc>
+                <a:tc rowSpan="2">
+                  <a:txBody>
+                    <a:bodyPr/>
+                    <a:lstStyle/>
+                    <a:p>
+                      <a:pPr marL="0" marR="0" algn="ctr">
+                        <a:lnSpc>
+                          <a:spcPct val="160000"/>
+                        </a:lnSpc>
+                        <a:spcBef>
+                          <a:spcPts val="0"/>
+                        </a:spcBef>
+                        <a:spcAft>
+                          <a:spcPts val="0"/>
+                        </a:spcAft>
+                      </a:pPr>
+                      <a:r>
+                        <a:rPr lang="ko-KR" altLang="en-US" sz="1200" b="1" dirty="0">
+                          <a:solidFill>
+                            <a:srgbClr val="000000"/>
+                          </a:solidFill>
+                          <a:latin typeface="+mn-ea"/>
+                          <a:ea typeface="+mn-ea"/>
+                        </a:rPr>
+                        <a:t>내 용</a:t>
+                      </a:r>
+                      <a:endParaRPr lang="ko-KR" altLang="en-US" sz="1200" dirty="0">
+                        <a:solidFill>
+                          <a:srgbClr val="000000"/>
+                        </a:solidFill>
+                        <a:latin typeface="+mn-ea"/>
+                        <a:ea typeface="+mn-ea"/>
+                      </a:endParaRPr>
+                    </a:p>
+                  </a:txBody>
+                  <a:tcPr marL="66261" marR="66261" marT="33130" marB="33130" anchor="ctr">
+                    <a:lnL w="3556" cap="flat" cmpd="sng" algn="ctr">
+                      <a:solidFill>
+                        <a:srgbClr val="000000"/>
+                      </a:solidFill>
+                      <a:prstDash val="solid"/>
+                      <a:round/>
+                      <a:headEnd type="none" w="med" len="med"/>
+                      <a:tailEnd type="none" w="med" len="med"/>
+                    </a:lnL>
+                    <a:lnR w="3556" cap="flat" cmpd="sng" algn="ctr">
+                      <a:solidFill>
+                        <a:srgbClr val="000000"/>
+                      </a:solidFill>
+                      <a:prstDash val="solid"/>
+                      <a:round/>
+                      <a:headEnd type="none" w="med" len="med"/>
+                      <a:tailEnd type="none" w="med" len="med"/>
+                    </a:lnR>
+                    <a:lnT w="21590" cap="flat" cmpd="sng" algn="ctr">
+                      <a:solidFill>
+                        <a:srgbClr val="000000"/>
+                      </a:solidFill>
+                      <a:prstDash val="solid"/>
+                      <a:round/>
+                      <a:headEnd type="none" w="med" len="med"/>
+                      <a:tailEnd type="none" w="med" len="med"/>
+                    </a:lnT>
+                    <a:lnB w="21590" cap="flat" cmpd="sng" algn="ctr">
+                      <a:solidFill>
+                        <a:srgbClr val="000000"/>
+                      </a:solidFill>
+                      <a:prstDash val="solid"/>
+                      <a:round/>
+                      <a:headEnd type="none" w="med" len="med"/>
+                      <a:tailEnd type="none" w="med" len="med"/>
+                    </a:lnB>
+                    <a:solidFill>
+                      <a:srgbClr val="F1F1F1"/>
+                    </a:solidFill>
+                  </a:tcPr>
+                </a:tc>
+                <a:tc gridSpan="12">
+                  <a:txBody>
+                    <a:bodyPr/>
+                    <a:lstStyle/>
+                    <a:p>
+                      <a:pPr marL="0" marR="0" algn="ctr">
+                        <a:lnSpc>
+                          <a:spcPct val="160000"/>
+                        </a:lnSpc>
+                        <a:spcBef>
+                          <a:spcPts val="0"/>
+                        </a:spcBef>
+                        <a:spcAft>
+                          <a:spcPts val="0"/>
+                        </a:spcAft>
+                      </a:pPr>
+                      <a:r>
+                        <a:rPr lang="ko-KR" altLang="en-US" sz="1200" b="1" dirty="0">
+                          <a:solidFill>
+                            <a:srgbClr val="000000"/>
+                          </a:solidFill>
+                          <a:latin typeface="+mn-ea"/>
+                          <a:ea typeface="+mn-ea"/>
+                        </a:rPr>
+                        <a:t>세부 추진 일정 </a:t>
+                      </a:r>
+                      <a:r>
+                        <a:rPr lang="en-US" altLang="ko-KR" sz="1200" dirty="0">
+                          <a:solidFill>
+                            <a:srgbClr val="000000"/>
+                          </a:solidFill>
+                          <a:latin typeface="+mn-ea"/>
+                          <a:ea typeface="+mn-ea"/>
+                        </a:rPr>
+                        <a:t>(</a:t>
+                      </a:r>
+                      <a:r>
+                        <a:rPr lang="ko-KR" altLang="en-US" sz="1200" dirty="0">
+                          <a:solidFill>
+                            <a:srgbClr val="000000"/>
+                          </a:solidFill>
+                          <a:latin typeface="+mn-ea"/>
+                          <a:ea typeface="+mn-ea"/>
+                        </a:rPr>
+                        <a:t>월</a:t>
+                      </a:r>
+                      <a:r>
+                        <a:rPr lang="en-US" altLang="ko-KR" sz="1200" dirty="0">
+                          <a:solidFill>
+                            <a:srgbClr val="000000"/>
+                          </a:solidFill>
+                          <a:latin typeface="+mn-ea"/>
+                          <a:ea typeface="+mn-ea"/>
+                        </a:rPr>
+                        <a:t>)</a:t>
+                      </a:r>
+                      <a:endParaRPr lang="ko-KR" altLang="en-US" sz="1200" dirty="0">
+                        <a:solidFill>
+                          <a:srgbClr val="000000"/>
+                        </a:solidFill>
+                        <a:latin typeface="+mn-ea"/>
+                        <a:ea typeface="+mn-ea"/>
+                      </a:endParaRPr>
+                    </a:p>
+                  </a:txBody>
+                  <a:tcPr marL="66261" marR="66261" marT="33130" marB="33130" anchor="ctr">
+                    <a:lnL w="3556" cap="flat" cmpd="sng" algn="ctr">
+                      <a:solidFill>
+                        <a:srgbClr val="000000"/>
+                      </a:solidFill>
+                      <a:prstDash val="solid"/>
+                      <a:round/>
+                      <a:headEnd type="none" w="med" len="med"/>
+                      <a:tailEnd type="none" w="med" len="med"/>
+                    </a:lnL>
+                    <a:lnR w="3556" cap="flat" cmpd="sng" algn="ctr">
+                      <a:solidFill>
+                        <a:srgbClr val="000000"/>
+                      </a:solidFill>
+                      <a:prstDash val="solid"/>
+                      <a:round/>
+                      <a:headEnd type="none" w="med" len="med"/>
+                      <a:tailEnd type="none" w="med" len="med"/>
+                    </a:lnR>
+                    <a:lnT w="21590" cap="flat" cmpd="sng" algn="ctr">
+                      <a:solidFill>
+                        <a:srgbClr val="000000"/>
+                      </a:solidFill>
+                      <a:prstDash val="solid"/>
+                      <a:round/>
+                      <a:headEnd type="none" w="med" len="med"/>
+                      <a:tailEnd type="none" w="med" len="med"/>
+                    </a:lnT>
+                    <a:lnB w="3556" cap="flat" cmpd="sng" algn="ctr">
+                      <a:solidFill>
+                        <a:srgbClr val="000000"/>
+                      </a:solidFill>
+                      <a:prstDash val="solid"/>
+                      <a:round/>
+                      <a:headEnd type="none" w="med" len="med"/>
+                      <a:tailEnd type="none" w="med" len="med"/>
+                    </a:lnB>
+                    <a:solidFill>
+                      <a:srgbClr val="F1F1F1"/>
+                    </a:solidFill>
+                  </a:tcPr>
+                </a:tc>
+                <a:tc hMerge="1">
+                  <a:txBody>
+                    <a:bodyPr/>
+                    <a:lstStyle/>
+                    <a:p>
+                      <a:pPr latinLnBrk="1"/>
+                      <a:endParaRPr lang="ko-KR" altLang="en-US"/>
+                    </a:p>
+                  </a:txBody>
+                  <a:tcPr/>
+                </a:tc>
+                <a:tc hMerge="1">
+                  <a:txBody>
+                    <a:bodyPr/>
+                    <a:lstStyle/>
+                    <a:p>
+                      <a:pPr latinLnBrk="1"/>
+                      <a:endParaRPr lang="ko-KR" altLang="en-US"/>
+                    </a:p>
+                  </a:txBody>
+                  <a:tcPr/>
+                </a:tc>
+                <a:tc hMerge="1">
+                  <a:txBody>
+                    <a:bodyPr/>
+                    <a:lstStyle/>
+                    <a:p>
+                      <a:pPr latinLnBrk="1"/>
+                      <a:endParaRPr lang="ko-KR" altLang="en-US"/>
+                    </a:p>
+                  </a:txBody>
+                  <a:tcPr/>
+                </a:tc>
+                <a:tc hMerge="1">
+                  <a:txBody>
+                    <a:bodyPr/>
+                    <a:lstStyle/>
+                    <a:p>
+                      <a:pPr latinLnBrk="1"/>
+                      <a:endParaRPr lang="ko-KR" altLang="en-US"/>
+                    </a:p>
+                  </a:txBody>
+                  <a:tcPr/>
+                </a:tc>
+                <a:tc hMerge="1">
+                  <a:txBody>
+                    <a:bodyPr/>
+                    <a:lstStyle/>
+                    <a:p>
+                      <a:pPr latinLnBrk="1"/>
+                      <a:endParaRPr lang="ko-KR" altLang="en-US"/>
+                    </a:p>
+                  </a:txBody>
+                  <a:tcPr/>
+                </a:tc>
+                <a:tc hMerge="1">
+                  <a:txBody>
+                    <a:bodyPr/>
+                    <a:lstStyle/>
+                    <a:p>
+                      <a:pPr latinLnBrk="1"/>
+                      <a:endParaRPr lang="ko-KR" altLang="en-US"/>
+                    </a:p>
+                  </a:txBody>
+                  <a:tcPr/>
+                </a:tc>
+                <a:tc hMerge="1">
+                  <a:txBody>
+                    <a:bodyPr/>
+                    <a:lstStyle/>
+                    <a:p>
+                      <a:pPr latinLnBrk="1"/>
+                      <a:endParaRPr lang="ko-KR" altLang="en-US"/>
+                    </a:p>
+                  </a:txBody>
+                  <a:tcPr/>
+                </a:tc>
+                <a:tc hMerge="1">
+                  <a:txBody>
+                    <a:bodyPr/>
+                    <a:lstStyle/>
+                    <a:p>
+                      <a:pPr latinLnBrk="1"/>
+                      <a:endParaRPr lang="ko-KR" altLang="en-US"/>
+                    </a:p>
+                  </a:txBody>
+                  <a:tcPr/>
+                </a:tc>
+                <a:tc hMerge="1">
+                  <a:txBody>
+                    <a:bodyPr/>
+                    <a:lstStyle/>
+                    <a:p>
+                      <a:pPr latinLnBrk="1"/>
+                      <a:endParaRPr lang="ko-KR" altLang="en-US"/>
+                    </a:p>
+                  </a:txBody>
+                  <a:tcPr/>
+                </a:tc>
+                <a:tc hMerge="1">
+                  <a:txBody>
+                    <a:bodyPr/>
+                    <a:lstStyle/>
+                    <a:p>
+                      <a:pPr latinLnBrk="1"/>
+                      <a:endParaRPr lang="ko-KR" altLang="en-US"/>
+                    </a:p>
+                  </a:txBody>
+                  <a:tcPr/>
+                </a:tc>
+                <a:tc hMerge="1">
+                  <a:txBody>
+                    <a:bodyPr/>
+                    <a:lstStyle/>
+                    <a:p>
+                      <a:pPr latinLnBrk="1"/>
+                      <a:endParaRPr lang="ko-KR" altLang="en-US"/>
+                    </a:p>
+                  </a:txBody>
+                  <a:tcPr/>
+                </a:tc>
+                <a:tc rowSpan="2">
+                  <a:txBody>
+                    <a:bodyPr/>
+                    <a:lstStyle/>
+                    <a:p>
+                      <a:pPr marL="0" marR="0" algn="ctr">
+                        <a:lnSpc>
+                          <a:spcPct val="160000"/>
+                        </a:lnSpc>
+                        <a:spcBef>
+                          <a:spcPts val="0"/>
+                        </a:spcBef>
+                        <a:spcAft>
+                          <a:spcPts val="0"/>
+                        </a:spcAft>
+                      </a:pPr>
+                      <a:r>
+                        <a:rPr lang="ko-KR" altLang="en-US" sz="1200" b="1">
+                          <a:solidFill>
+                            <a:srgbClr val="000000"/>
+                          </a:solidFill>
+                          <a:latin typeface="+mn-ea"/>
+                          <a:ea typeface="+mn-ea"/>
+                        </a:rPr>
+                        <a:t>상 세</a:t>
+                      </a:r>
+                      <a:endParaRPr lang="ko-KR" altLang="en-US" sz="1200">
+                        <a:solidFill>
+                          <a:srgbClr val="000000"/>
+                        </a:solidFill>
+                        <a:latin typeface="+mn-ea"/>
+                        <a:ea typeface="+mn-ea"/>
+                      </a:endParaRPr>
+                    </a:p>
+                  </a:txBody>
+                  <a:tcPr marL="66261" marR="66261" marT="33130" marB="33130" anchor="ctr">
+                    <a:lnL w="3556" cap="flat" cmpd="sng" algn="ctr">
+                      <a:solidFill>
+                        <a:srgbClr val="000000"/>
+                      </a:solidFill>
+                      <a:prstDash val="solid"/>
+                      <a:round/>
+                      <a:headEnd type="none" w="med" len="med"/>
+                      <a:tailEnd type="none" w="med" len="med"/>
+                    </a:lnL>
+                    <a:lnR w="21590" cap="flat" cmpd="sng" algn="ctr">
+                      <a:solidFill>
+                        <a:srgbClr val="000000"/>
+                      </a:solidFill>
+                      <a:prstDash val="solid"/>
+                      <a:round/>
+                      <a:headEnd type="none" w="med" len="med"/>
+                      <a:tailEnd type="none" w="med" len="med"/>
+                    </a:lnR>
+                    <a:lnT w="21590" cap="flat" cmpd="sng" algn="ctr">
+                      <a:solidFill>
+                        <a:srgbClr val="000000"/>
+                      </a:solidFill>
+                      <a:prstDash val="solid"/>
+                      <a:round/>
+                      <a:headEnd type="none" w="med" len="med"/>
+                      <a:tailEnd type="none" w="med" len="med"/>
+                    </a:lnT>
+                    <a:lnB w="21590" cap="flat" cmpd="sng" algn="ctr">
+                      <a:solidFill>
+                        <a:srgbClr val="000000"/>
+                      </a:solidFill>
+                      <a:prstDash val="solid"/>
+                      <a:round/>
+                      <a:headEnd type="none" w="med" len="med"/>
+                      <a:tailEnd type="none" w="med" len="med"/>
+                    </a:lnB>
+                    <a:solidFill>
+                      <a:srgbClr val="F1F1F1"/>
+                    </a:solidFill>
+                  </a:tcPr>
+                </a:tc>
+              </a:tr>
+              <a:tr h="442463">
+                <a:tc vMerge="1">
+                  <a:txBody>
+                    <a:bodyPr/>
+                    <a:lstStyle/>
+                    <a:p>
+                      <a:pPr latinLnBrk="1"/>
+                      <a:endParaRPr lang="ko-KR" altLang="en-US"/>
+                    </a:p>
+                  </a:txBody>
+                  <a:tcPr/>
+                </a:tc>
+                <a:tc vMerge="1">
+                  <a:txBody>
+                    <a:bodyPr/>
+                    <a:lstStyle/>
+                    <a:p>
+                      <a:pPr latinLnBrk="1"/>
+                      <a:endParaRPr lang="ko-KR" altLang="en-US"/>
+                    </a:p>
+                  </a:txBody>
+                  <a:tcPr/>
+                </a:tc>
+                <a:tc gridSpan="4">
+                  <a:txBody>
+                    <a:bodyPr/>
+                    <a:lstStyle/>
+                    <a:p>
+                      <a:pPr marL="0" marR="0" algn="ctr">
+                        <a:lnSpc>
+                          <a:spcPct val="160000"/>
+                        </a:lnSpc>
+                        <a:spcBef>
+                          <a:spcPts val="0"/>
+                        </a:spcBef>
+                        <a:spcAft>
+                          <a:spcPts val="0"/>
+                        </a:spcAft>
+                      </a:pPr>
+                      <a:r>
+                        <a:rPr lang="en-US" sz="1200" b="1" dirty="0">
+                          <a:solidFill>
+                            <a:srgbClr val="000000"/>
+                          </a:solidFill>
+                          <a:latin typeface="+mn-ea"/>
+                          <a:ea typeface="+mn-ea"/>
+                        </a:rPr>
+                        <a:t>3</a:t>
+                      </a:r>
+                      <a:endParaRPr lang="en-US" sz="1200" dirty="0">
+                        <a:solidFill>
+                          <a:srgbClr val="000000"/>
+                        </a:solidFill>
+                        <a:latin typeface="+mn-ea"/>
+                        <a:ea typeface="+mn-ea"/>
+                      </a:endParaRPr>
+                    </a:p>
+                  </a:txBody>
+                  <a:tcPr marL="66261" marR="66261" marT="33130" marB="33130" anchor="ctr">
+                    <a:lnL w="3556" cap="flat" cmpd="sng" algn="ctr">
+                      <a:solidFill>
+                        <a:srgbClr val="000000"/>
+                      </a:solidFill>
+                      <a:prstDash val="solid"/>
+                      <a:round/>
+                      <a:headEnd type="none" w="med" len="med"/>
+                      <a:tailEnd type="none" w="med" len="med"/>
+                    </a:lnL>
+                    <a:lnR w="3556" cap="flat" cmpd="sng" algn="ctr">
+                      <a:solidFill>
+                        <a:srgbClr val="000000"/>
+                      </a:solidFill>
+                      <a:prstDash val="solid"/>
+                      <a:round/>
+                      <a:headEnd type="none" w="med" len="med"/>
+                      <a:tailEnd type="none" w="med" len="med"/>
+                    </a:lnR>
+                    <a:lnT w="3556" cap="flat" cmpd="sng" algn="ctr">
+                      <a:solidFill>
+                        <a:srgbClr val="000000"/>
+                      </a:solidFill>
+                      <a:prstDash val="solid"/>
+                      <a:round/>
+                      <a:headEnd type="none" w="med" len="med"/>
+                      <a:tailEnd type="none" w="med" len="med"/>
+                    </a:lnT>
+                    <a:lnB w="21590" cap="flat" cmpd="sng" algn="ctr">
+                      <a:solidFill>
+                        <a:srgbClr val="000000"/>
+                      </a:solidFill>
+                      <a:prstDash val="solid"/>
+                      <a:round/>
+                      <a:headEnd type="none" w="med" len="med"/>
+                      <a:tailEnd type="none" w="med" len="med"/>
+                    </a:lnB>
+                    <a:solidFill>
+                      <a:srgbClr val="F1F1F1"/>
+                    </a:solidFill>
+                  </a:tcPr>
+                </a:tc>
+                <a:tc hMerge="1">
+                  <a:txBody>
+                    <a:bodyPr/>
+                    <a:lstStyle/>
+                    <a:p>
+                      <a:pPr latinLnBrk="1"/>
+                      <a:endParaRPr lang="ko-KR" altLang="en-US"/>
+                    </a:p>
+                  </a:txBody>
+                  <a:tcPr/>
+                </a:tc>
+                <a:tc hMerge="1">
+                  <a:txBody>
+                    <a:bodyPr/>
+                    <a:lstStyle/>
+                    <a:p>
+                      <a:pPr latinLnBrk="1"/>
+                      <a:endParaRPr lang="ko-KR" altLang="en-US"/>
+                    </a:p>
+                  </a:txBody>
+                  <a:tcPr/>
+                </a:tc>
+                <a:tc hMerge="1">
+                  <a:txBody>
+                    <a:bodyPr/>
+                    <a:lstStyle/>
+                    <a:p>
+                      <a:pPr latinLnBrk="1"/>
+                      <a:endParaRPr lang="ko-KR" altLang="en-US"/>
+                    </a:p>
+                  </a:txBody>
+                  <a:tcPr/>
+                </a:tc>
+                <a:tc gridSpan="4">
+                  <a:txBody>
+                    <a:bodyPr/>
+                    <a:lstStyle/>
+                    <a:p>
+                      <a:pPr marL="0" marR="0" algn="ctr">
+                        <a:lnSpc>
+                          <a:spcPct val="160000"/>
+                        </a:lnSpc>
+                        <a:spcBef>
+                          <a:spcPts val="0"/>
+                        </a:spcBef>
+                        <a:spcAft>
+                          <a:spcPts val="0"/>
+                        </a:spcAft>
+                      </a:pPr>
+                      <a:r>
+                        <a:rPr lang="en-US" sz="1200" b="1" dirty="0">
+                          <a:solidFill>
+                            <a:srgbClr val="000000"/>
+                          </a:solidFill>
+                          <a:latin typeface="+mn-ea"/>
+                          <a:ea typeface="+mn-ea"/>
+                        </a:rPr>
+                        <a:t>4</a:t>
+                      </a:r>
+                      <a:endParaRPr lang="en-US" sz="1200" dirty="0">
+                        <a:solidFill>
+                          <a:srgbClr val="000000"/>
+                        </a:solidFill>
+                        <a:latin typeface="+mn-ea"/>
+                        <a:ea typeface="+mn-ea"/>
+                      </a:endParaRPr>
+                    </a:p>
+                  </a:txBody>
+                  <a:tcPr marL="66261" marR="66261" marT="33130" marB="33130" anchor="ctr">
+                    <a:lnL w="3556" cap="flat" cmpd="sng" algn="ctr">
+                      <a:solidFill>
+                        <a:srgbClr val="000000"/>
+                      </a:solidFill>
+                      <a:prstDash val="solid"/>
+                      <a:round/>
+                      <a:headEnd type="none" w="med" len="med"/>
+                      <a:tailEnd type="none" w="med" len="med"/>
+                    </a:lnL>
+                    <a:lnR w="3556" cap="flat" cmpd="sng" algn="ctr">
+                      <a:solidFill>
+                        <a:srgbClr val="000000"/>
+                      </a:solidFill>
+                      <a:prstDash val="solid"/>
+                      <a:round/>
+                      <a:headEnd type="none" w="med" len="med"/>
+                      <a:tailEnd type="none" w="med" len="med"/>
+                    </a:lnR>
+                    <a:lnT w="3556" cap="flat" cmpd="sng" algn="ctr">
+                      <a:solidFill>
+                        <a:srgbClr val="000000"/>
+                      </a:solidFill>
+                      <a:prstDash val="solid"/>
+                      <a:round/>
+                      <a:headEnd type="none" w="med" len="med"/>
+                      <a:tailEnd type="none" w="med" len="med"/>
+                    </a:lnT>
+                    <a:lnB w="21590" cap="flat" cmpd="sng" algn="ctr">
+                      <a:solidFill>
+                        <a:srgbClr val="000000"/>
+                      </a:solidFill>
+                      <a:prstDash val="solid"/>
+                      <a:round/>
+                      <a:headEnd type="none" w="med" len="med"/>
+                      <a:tailEnd type="none" w="med" len="med"/>
+                    </a:lnB>
+                    <a:solidFill>
+                      <a:srgbClr val="F1F1F1"/>
+                    </a:solidFill>
+                  </a:tcPr>
+                </a:tc>
+                <a:tc hMerge="1">
+                  <a:txBody>
+                    <a:bodyPr/>
+                    <a:lstStyle/>
+                    <a:p>
+                      <a:pPr latinLnBrk="1"/>
+                      <a:endParaRPr lang="ko-KR" altLang="en-US"/>
+                    </a:p>
+                  </a:txBody>
+                  <a:tcPr/>
+                </a:tc>
+                <a:tc hMerge="1">
+                  <a:txBody>
+                    <a:bodyPr/>
+                    <a:lstStyle/>
+                    <a:p>
+                      <a:pPr latinLnBrk="1"/>
+                      <a:endParaRPr lang="ko-KR" altLang="en-US"/>
+                    </a:p>
+                  </a:txBody>
+                  <a:tcPr/>
+                </a:tc>
+                <a:tc hMerge="1">
+                  <a:txBody>
+                    <a:bodyPr/>
+                    <a:lstStyle/>
+                    <a:p>
+                      <a:pPr latinLnBrk="1"/>
+                      <a:endParaRPr lang="ko-KR" altLang="en-US"/>
+                    </a:p>
+                  </a:txBody>
+                  <a:tcPr/>
+                </a:tc>
+                <a:tc gridSpan="4">
+                  <a:txBody>
+                    <a:bodyPr/>
+                    <a:lstStyle/>
+                    <a:p>
+                      <a:pPr marL="0" marR="0" algn="ctr">
+                        <a:lnSpc>
+                          <a:spcPct val="160000"/>
+                        </a:lnSpc>
+                        <a:spcBef>
+                          <a:spcPts val="0"/>
+                        </a:spcBef>
+                        <a:spcAft>
+                          <a:spcPts val="0"/>
+                        </a:spcAft>
+                      </a:pPr>
+                      <a:r>
+                        <a:rPr lang="en-US" sz="1200" b="1" dirty="0">
+                          <a:solidFill>
+                            <a:srgbClr val="000000"/>
+                          </a:solidFill>
+                          <a:latin typeface="+mn-ea"/>
+                          <a:ea typeface="+mn-ea"/>
+                        </a:rPr>
+                        <a:t>5</a:t>
+                      </a:r>
+                      <a:endParaRPr lang="en-US" sz="1200" dirty="0">
+                        <a:solidFill>
+                          <a:srgbClr val="000000"/>
+                        </a:solidFill>
+                        <a:latin typeface="+mn-ea"/>
+                        <a:ea typeface="+mn-ea"/>
+                      </a:endParaRPr>
+                    </a:p>
+                  </a:txBody>
+                  <a:tcPr marL="66261" marR="66261" marT="33130" marB="33130" anchor="ctr">
+                    <a:lnL w="3556" cap="flat" cmpd="sng" algn="ctr">
+                      <a:solidFill>
+                        <a:srgbClr val="000000"/>
+                      </a:solidFill>
+                      <a:prstDash val="solid"/>
+                      <a:round/>
+                      <a:headEnd type="none" w="med" len="med"/>
+                      <a:tailEnd type="none" w="med" len="med"/>
+                    </a:lnL>
+                    <a:lnR w="3556" cap="flat" cmpd="sng" algn="ctr">
+                      <a:solidFill>
+                        <a:srgbClr val="000000"/>
+                      </a:solidFill>
+                      <a:prstDash val="solid"/>
+                      <a:round/>
+                      <a:headEnd type="none" w="med" len="med"/>
+                      <a:tailEnd type="none" w="med" len="med"/>
+                    </a:lnR>
+                    <a:lnT w="3556" cap="flat" cmpd="sng" algn="ctr">
+                      <a:solidFill>
+                        <a:srgbClr val="000000"/>
+                      </a:solidFill>
+                      <a:prstDash val="solid"/>
+                      <a:round/>
+                      <a:headEnd type="none" w="med" len="med"/>
+                      <a:tailEnd type="none" w="med" len="med"/>
+                    </a:lnT>
+                    <a:lnB w="21590" cap="flat" cmpd="sng" algn="ctr">
+                      <a:solidFill>
+                        <a:srgbClr val="000000"/>
+                      </a:solidFill>
+                      <a:prstDash val="solid"/>
+                      <a:round/>
+                      <a:headEnd type="none" w="med" len="med"/>
+                      <a:tailEnd type="none" w="med" len="med"/>
+                    </a:lnB>
+                    <a:solidFill>
+                      <a:srgbClr val="F1F1F1"/>
+                    </a:solidFill>
+                  </a:tcPr>
+                </a:tc>
+                <a:tc hMerge="1">
+                  <a:txBody>
+                    <a:bodyPr/>
+                    <a:lstStyle/>
+                    <a:p>
+                      <a:pPr latinLnBrk="1"/>
+                      <a:endParaRPr lang="ko-KR" altLang="en-US"/>
+                    </a:p>
+                  </a:txBody>
+                  <a:tcPr/>
+                </a:tc>
+                <a:tc hMerge="1">
+                  <a:txBody>
+                    <a:bodyPr/>
+                    <a:lstStyle/>
+                    <a:p>
+                      <a:pPr latinLnBrk="1"/>
+                      <a:endParaRPr lang="ko-KR" altLang="en-US"/>
+                    </a:p>
+                  </a:txBody>
+                  <a:tcPr/>
+                </a:tc>
+                <a:tc hMerge="1">
+                  <a:txBody>
+                    <a:bodyPr/>
+                    <a:lstStyle/>
+                    <a:p>
+                      <a:pPr latinLnBrk="1"/>
+                      <a:endParaRPr lang="ko-KR" altLang="en-US"/>
+                    </a:p>
+                  </a:txBody>
+                  <a:tcPr/>
+                </a:tc>
+                <a:tc vMerge="1">
+                  <a:txBody>
+                    <a:bodyPr/>
+                    <a:lstStyle/>
+                    <a:p>
+                      <a:pPr latinLnBrk="1"/>
+                      <a:endParaRPr lang="ko-KR" altLang="en-US"/>
+                    </a:p>
+                  </a:txBody>
+                  <a:tcPr/>
+                </a:tc>
+              </a:tr>
+              <a:tr h="854448">
+                <a:tc>
+                  <a:txBody>
+                    <a:bodyPr/>
+                    <a:lstStyle/>
+                    <a:p>
+                      <a:pPr marL="0" marR="0" algn="ctr">
+                        <a:lnSpc>
+                          <a:spcPct val="160000"/>
+                        </a:lnSpc>
+                        <a:spcBef>
+                          <a:spcPts val="0"/>
+                        </a:spcBef>
+                        <a:spcAft>
+                          <a:spcPts val="0"/>
+                        </a:spcAft>
+                      </a:pPr>
+                      <a:r>
+                        <a:rPr lang="en-US" sz="1200" b="1" dirty="0">
+                          <a:solidFill>
+                            <a:schemeClr val="tx1"/>
+                          </a:solidFill>
+                          <a:latin typeface="+mn-ea"/>
+                          <a:ea typeface="+mn-ea"/>
+                        </a:rPr>
+                        <a:t>1</a:t>
+                      </a:r>
+                      <a:endParaRPr lang="en-US" sz="1200" dirty="0">
+                        <a:solidFill>
+                          <a:schemeClr val="tx1"/>
+                        </a:solidFill>
+                        <a:latin typeface="+mn-ea"/>
+                        <a:ea typeface="+mn-ea"/>
+                      </a:endParaRPr>
+                    </a:p>
+                  </a:txBody>
+                  <a:tcPr marL="66261" marR="66261" marT="33130" marB="33130" anchor="ctr">
+                    <a:lnL w="21590" cap="flat" cmpd="sng" algn="ctr">
+                      <a:solidFill>
+                        <a:srgbClr val="000000"/>
+                      </a:solidFill>
+                      <a:prstDash val="solid"/>
+                      <a:round/>
+                      <a:headEnd type="none" w="med" len="med"/>
+                      <a:tailEnd type="none" w="med" len="med"/>
+                    </a:lnL>
+                    <a:lnR w="3556" cap="flat" cmpd="sng" algn="ctr">
+                      <a:solidFill>
+                        <a:srgbClr val="000000"/>
+                      </a:solidFill>
+                      <a:prstDash val="solid"/>
+                      <a:round/>
+                      <a:headEnd type="none" w="med" len="med"/>
+                      <a:tailEnd type="none" w="med" len="med"/>
+                    </a:lnR>
+                    <a:lnT w="21590" cap="flat" cmpd="sng" algn="ctr">
+                      <a:solidFill>
+                        <a:srgbClr val="000000"/>
+                      </a:solidFill>
+                      <a:prstDash val="solid"/>
+                      <a:round/>
+                      <a:headEnd type="none" w="med" len="med"/>
+                      <a:tailEnd type="none" w="med" len="med"/>
+                    </a:lnT>
+                    <a:lnB w="3556" cap="flat" cmpd="sng" algn="ctr">
+                      <a:solidFill>
+                        <a:srgbClr val="000000"/>
+                      </a:solidFill>
+                      <a:prstDash val="solid"/>
+                      <a:round/>
+                      <a:headEnd type="none" w="med" len="med"/>
+                      <a:tailEnd type="none" w="med" len="med"/>
+                    </a:lnB>
+                  </a:tcPr>
+                </a:tc>
+                <a:tc>
+                  <a:txBody>
+                    <a:bodyPr/>
+                    <a:lstStyle/>
+                    <a:p>
+                      <a:pPr marL="0" marR="0" algn="ctr">
+                        <a:lnSpc>
+                          <a:spcPct val="160000"/>
+                        </a:lnSpc>
+                        <a:spcBef>
+                          <a:spcPts val="0"/>
+                        </a:spcBef>
+                        <a:spcAft>
+                          <a:spcPts val="0"/>
+                        </a:spcAft>
+                      </a:pPr>
+                      <a:r>
+                        <a:rPr lang="ko-KR" altLang="en-US" sz="1200" b="1" dirty="0">
+                          <a:solidFill>
+                            <a:schemeClr val="tx1"/>
+                          </a:solidFill>
+                          <a:latin typeface="+mn-ea"/>
+                          <a:ea typeface="+mn-ea"/>
+                        </a:rPr>
+                        <a:t>자료수집 </a:t>
+                      </a:r>
+                      <a:r>
+                        <a:rPr lang="en-US" altLang="ko-KR" sz="1200" b="1" dirty="0">
+                          <a:solidFill>
+                            <a:schemeClr val="tx1"/>
+                          </a:solidFill>
+                          <a:latin typeface="+mn-ea"/>
+                          <a:ea typeface="+mn-ea"/>
+                        </a:rPr>
+                        <a:t>&amp;</a:t>
+                      </a:r>
+                      <a:endParaRPr lang="ko-KR" altLang="en-US" sz="1200" dirty="0">
+                        <a:solidFill>
+                          <a:schemeClr val="tx1"/>
+                        </a:solidFill>
+                        <a:latin typeface="+mn-ea"/>
+                        <a:ea typeface="+mn-ea"/>
+                      </a:endParaRPr>
+                    </a:p>
+                    <a:p>
+                      <a:pPr marL="0" marR="0" algn="ctr">
+                        <a:lnSpc>
+                          <a:spcPct val="160000"/>
+                        </a:lnSpc>
+                        <a:spcBef>
+                          <a:spcPts val="0"/>
+                        </a:spcBef>
+                        <a:spcAft>
+                          <a:spcPts val="0"/>
+                        </a:spcAft>
+                      </a:pPr>
+                      <a:r>
+                        <a:rPr lang="en-US" sz="1200" b="1" dirty="0">
+                          <a:solidFill>
+                            <a:schemeClr val="tx1"/>
+                          </a:solidFill>
+                          <a:latin typeface="+mn-ea"/>
+                          <a:ea typeface="+mn-ea"/>
+                        </a:rPr>
+                        <a:t>Study</a:t>
+                      </a:r>
+                      <a:endParaRPr lang="en-US" sz="1200" dirty="0">
+                        <a:solidFill>
+                          <a:schemeClr val="tx1"/>
+                        </a:solidFill>
+                        <a:latin typeface="+mn-ea"/>
+                        <a:ea typeface="+mn-ea"/>
+                      </a:endParaRPr>
+                    </a:p>
+                  </a:txBody>
+                  <a:tcPr marL="66261" marR="66261" marT="33130" marB="33130" anchor="ctr">
+                    <a:lnL w="3556" cap="flat" cmpd="sng" algn="ctr">
+                      <a:solidFill>
+                        <a:srgbClr val="000000"/>
+                      </a:solidFill>
+                      <a:prstDash val="solid"/>
+                      <a:round/>
+                      <a:headEnd type="none" w="med" len="med"/>
+                      <a:tailEnd type="none" w="med" len="med"/>
+                    </a:lnL>
+                    <a:lnR w="3556" cap="flat" cmpd="sng" algn="ctr">
+                      <a:solidFill>
+                        <a:srgbClr val="000000"/>
+                      </a:solidFill>
+                      <a:prstDash val="solid"/>
+                      <a:round/>
+                      <a:headEnd type="none" w="med" len="med"/>
+                      <a:tailEnd type="none" w="med" len="med"/>
+                    </a:lnR>
+                    <a:lnT w="21590" cap="flat" cmpd="sng" algn="ctr">
+                      <a:solidFill>
+                        <a:srgbClr val="000000"/>
+                      </a:solidFill>
+                      <a:prstDash val="solid"/>
+                      <a:round/>
+                      <a:headEnd type="none" w="med" len="med"/>
+                      <a:tailEnd type="none" w="med" len="med"/>
+                    </a:lnT>
+                    <a:lnB w="3556" cap="flat" cmpd="sng" algn="ctr">
+                      <a:solidFill>
+                        <a:srgbClr val="000000"/>
+                      </a:solidFill>
+                      <a:prstDash val="solid"/>
+                      <a:round/>
+                      <a:headEnd type="none" w="med" len="med"/>
+                      <a:tailEnd type="none" w="med" len="med"/>
+                    </a:lnB>
+                  </a:tcPr>
+                </a:tc>
+                <a:tc>
+                  <a:txBody>
+                    <a:bodyPr/>
+                    <a:lstStyle/>
+                    <a:p>
+                      <a:pPr marL="0" marR="0" algn="ctr">
+                        <a:lnSpc>
+                          <a:spcPct val="160000"/>
+                        </a:lnSpc>
+                        <a:spcBef>
+                          <a:spcPts val="0"/>
+                        </a:spcBef>
+                        <a:spcAft>
+                          <a:spcPts val="0"/>
+                        </a:spcAft>
+                      </a:pPr>
+                      <a:endParaRPr lang="ko-KR" altLang="en-US" sz="1200" dirty="0">
+                        <a:solidFill>
+                          <a:schemeClr val="tx1"/>
+                        </a:solidFill>
+                        <a:latin typeface="+mn-ea"/>
+                        <a:ea typeface="+mn-ea"/>
+                      </a:endParaRPr>
+                    </a:p>
+                  </a:txBody>
+                  <a:tcPr marL="66261" marR="66261" marT="33130" marB="33130" anchor="ctr">
+                    <a:lnL w="3556" cap="flat" cmpd="sng" algn="ctr">
+                      <a:solidFill>
+                        <a:srgbClr val="000000"/>
+                      </a:solidFill>
+                      <a:prstDash val="solid"/>
+                      <a:round/>
+                      <a:headEnd type="none" w="med" len="med"/>
+                      <a:tailEnd type="none" w="med" len="med"/>
+                    </a:lnL>
+                    <a:lnR w="3556" cap="flat" cmpd="sng" algn="ctr">
+                      <a:solidFill>
+                        <a:srgbClr val="000000"/>
+                      </a:solidFill>
+                      <a:prstDash val="solid"/>
+                      <a:round/>
+                      <a:headEnd type="none" w="med" len="med"/>
+                      <a:tailEnd type="none" w="med" len="med"/>
+                    </a:lnR>
+                    <a:lnT w="21590" cap="flat" cmpd="sng" algn="ctr">
+                      <a:solidFill>
+                        <a:srgbClr val="000000"/>
+                      </a:solidFill>
+                      <a:prstDash val="solid"/>
+                      <a:round/>
+                      <a:headEnd type="none" w="med" len="med"/>
+                      <a:tailEnd type="none" w="med" len="med"/>
+                    </a:lnT>
+                    <a:lnB w="3556" cap="flat" cmpd="sng" algn="ctr">
+                      <a:solidFill>
+                        <a:srgbClr val="000000"/>
+                      </a:solidFill>
+                      <a:prstDash val="solid"/>
+                      <a:round/>
+                      <a:headEnd type="none" w="med" len="med"/>
+                      <a:tailEnd type="none" w="med" len="med"/>
+                    </a:lnB>
+                    <a:solidFill>
+                      <a:srgbClr val="CCCCCC"/>
+                    </a:solidFill>
+                  </a:tcPr>
+                </a:tc>
+                <a:tc>
+                  <a:txBody>
+                    <a:bodyPr/>
+                    <a:lstStyle/>
+                    <a:p>
+                      <a:pPr marL="0" marR="0" algn="ctr">
+                        <a:lnSpc>
+                          <a:spcPct val="160000"/>
+                        </a:lnSpc>
+                        <a:spcBef>
+                          <a:spcPts val="0"/>
+                        </a:spcBef>
+                        <a:spcAft>
+                          <a:spcPts val="0"/>
+                        </a:spcAft>
+                      </a:pPr>
+                      <a:endParaRPr lang="ko-KR" altLang="en-US" sz="1200" dirty="0">
+                        <a:solidFill>
+                          <a:schemeClr val="tx1"/>
+                        </a:solidFill>
+                        <a:latin typeface="+mn-ea"/>
+                        <a:ea typeface="+mn-ea"/>
+                      </a:endParaRPr>
+                    </a:p>
+                  </a:txBody>
+                  <a:tcPr marL="66261" marR="66261" marT="33130" marB="33130" anchor="ctr">
+                    <a:lnL w="3556" cap="flat" cmpd="sng" algn="ctr">
+                      <a:solidFill>
+                        <a:srgbClr val="000000"/>
+                      </a:solidFill>
+                      <a:prstDash val="solid"/>
+                      <a:round/>
+                      <a:headEnd type="none" w="med" len="med"/>
+                      <a:tailEnd type="none" w="med" len="med"/>
+                    </a:lnL>
+                    <a:lnR w="3556" cap="flat" cmpd="sng" algn="ctr">
+                      <a:solidFill>
+                        <a:srgbClr val="000000"/>
+                      </a:solidFill>
+                      <a:prstDash val="solid"/>
+                      <a:round/>
+                      <a:headEnd type="none" w="med" len="med"/>
+                      <a:tailEnd type="none" w="med" len="med"/>
+                    </a:lnR>
+                    <a:lnT w="21590" cap="flat" cmpd="sng" algn="ctr">
+                      <a:solidFill>
+                        <a:srgbClr val="000000"/>
+                      </a:solidFill>
+                      <a:prstDash val="solid"/>
+                      <a:round/>
+                      <a:headEnd type="none" w="med" len="med"/>
+                      <a:tailEnd type="none" w="med" len="med"/>
+                    </a:lnT>
+                    <a:lnB w="3556" cap="flat" cmpd="sng" algn="ctr">
+                      <a:solidFill>
+                        <a:srgbClr val="000000"/>
+                      </a:solidFill>
+                      <a:prstDash val="solid"/>
+                      <a:round/>
+                      <a:headEnd type="none" w="med" len="med"/>
+                      <a:tailEnd type="none" w="med" len="med"/>
+                    </a:lnB>
+                    <a:solidFill>
+                      <a:srgbClr val="CCCCCC"/>
+                    </a:solidFill>
+                  </a:tcPr>
+                </a:tc>
+                <a:tc>
+                  <a:txBody>
+                    <a:bodyPr/>
+                    <a:lstStyle/>
+                    <a:p>
+                      <a:pPr marL="0" marR="0" algn="ctr">
+                        <a:lnSpc>
+                          <a:spcPct val="160000"/>
+                        </a:lnSpc>
+                        <a:spcBef>
+                          <a:spcPts val="0"/>
+                        </a:spcBef>
+                        <a:spcAft>
+                          <a:spcPts val="0"/>
+                        </a:spcAft>
+                      </a:pPr>
+                      <a:endParaRPr lang="ko-KR" altLang="en-US" sz="1200" dirty="0">
+                        <a:solidFill>
+                          <a:schemeClr val="tx1"/>
+                        </a:solidFill>
+                        <a:latin typeface="+mn-ea"/>
+                        <a:ea typeface="+mn-ea"/>
+                      </a:endParaRPr>
+                    </a:p>
+                  </a:txBody>
+                  <a:tcPr marL="66261" marR="66261" marT="33130" marB="33130" anchor="ctr">
+                    <a:lnL w="3556" cap="flat" cmpd="sng" algn="ctr">
+                      <a:solidFill>
+                        <a:srgbClr val="000000"/>
+                      </a:solidFill>
+                      <a:prstDash val="solid"/>
+                      <a:round/>
+                      <a:headEnd type="none" w="med" len="med"/>
+                      <a:tailEnd type="none" w="med" len="med"/>
+                    </a:lnL>
+                    <a:lnR w="3556" cap="flat" cmpd="sng" algn="ctr">
+                      <a:solidFill>
+                        <a:srgbClr val="000000"/>
+                      </a:solidFill>
+                      <a:prstDash val="solid"/>
+                      <a:round/>
+                      <a:headEnd type="none" w="med" len="med"/>
+                      <a:tailEnd type="none" w="med" len="med"/>
+                    </a:lnR>
+                    <a:lnT w="21590" cap="flat" cmpd="sng" algn="ctr">
+                      <a:solidFill>
+                        <a:srgbClr val="000000"/>
+                      </a:solidFill>
+                      <a:prstDash val="solid"/>
+                      <a:round/>
+                      <a:headEnd type="none" w="med" len="med"/>
+                      <a:tailEnd type="none" w="med" len="med"/>
+                    </a:lnT>
+                    <a:lnB w="3556" cap="flat" cmpd="sng" algn="ctr">
+                      <a:solidFill>
+                        <a:srgbClr val="000000"/>
+                      </a:solidFill>
+                      <a:prstDash val="solid"/>
+                      <a:round/>
+                      <a:headEnd type="none" w="med" len="med"/>
+                      <a:tailEnd type="none" w="med" len="med"/>
+                    </a:lnB>
+                    <a:solidFill>
+                      <a:srgbClr val="CCCCCC"/>
+                    </a:solidFill>
+                  </a:tcPr>
+                </a:tc>
+                <a:tc>
+                  <a:txBody>
+                    <a:bodyPr/>
+                    <a:lstStyle/>
+                    <a:p>
+                      <a:pPr marL="0" marR="0" algn="ctr">
+                        <a:lnSpc>
+                          <a:spcPct val="160000"/>
+                        </a:lnSpc>
+                        <a:spcBef>
+                          <a:spcPts val="0"/>
+                        </a:spcBef>
+                        <a:spcAft>
+                          <a:spcPts val="0"/>
+                        </a:spcAft>
+                      </a:pPr>
+                      <a:endParaRPr lang="ko-KR" altLang="en-US" sz="1200" dirty="0">
+                        <a:solidFill>
+                          <a:schemeClr val="tx1"/>
+                        </a:solidFill>
+                        <a:latin typeface="+mn-ea"/>
+                        <a:ea typeface="+mn-ea"/>
+                      </a:endParaRPr>
+                    </a:p>
+                  </a:txBody>
+                  <a:tcPr marL="66261" marR="66261" marT="33130" marB="33130" anchor="ctr">
+                    <a:lnL w="3556" cap="flat" cmpd="sng" algn="ctr">
+                      <a:solidFill>
+                        <a:srgbClr val="000000"/>
+                      </a:solidFill>
+                      <a:prstDash val="solid"/>
+                      <a:round/>
+                      <a:headEnd type="none" w="med" len="med"/>
+                      <a:tailEnd type="none" w="med" len="med"/>
+                    </a:lnL>
+                    <a:lnR w="3556" cap="flat" cmpd="sng" algn="ctr">
+                      <a:solidFill>
+                        <a:srgbClr val="000000"/>
+                      </a:solidFill>
+                      <a:prstDash val="solid"/>
+                      <a:round/>
+                      <a:headEnd type="none" w="med" len="med"/>
+                      <a:tailEnd type="none" w="med" len="med"/>
+                    </a:lnR>
+                    <a:lnT w="21590" cap="flat" cmpd="sng" algn="ctr">
+                      <a:solidFill>
+                        <a:srgbClr val="000000"/>
+                      </a:solidFill>
+                      <a:prstDash val="solid"/>
+                      <a:round/>
+                      <a:headEnd type="none" w="med" len="med"/>
+                      <a:tailEnd type="none" w="med" len="med"/>
+                    </a:lnT>
+                    <a:lnB w="3556" cap="flat" cmpd="sng" algn="ctr">
+                      <a:solidFill>
+                        <a:srgbClr val="000000"/>
+                      </a:solidFill>
+                      <a:prstDash val="solid"/>
+                      <a:round/>
+                      <a:headEnd type="none" w="med" len="med"/>
+                      <a:tailEnd type="none" w="med" len="med"/>
+                    </a:lnB>
+                    <a:solidFill>
+                      <a:srgbClr val="CCCCCC"/>
+                    </a:solidFill>
+                  </a:tcPr>
+                </a:tc>
+                <a:tc>
+                  <a:txBody>
+                    <a:bodyPr/>
+                    <a:lstStyle/>
+                    <a:p>
+                      <a:pPr marL="0" marR="0" algn="ctr">
+                        <a:lnSpc>
+                          <a:spcPct val="160000"/>
+                        </a:lnSpc>
+                        <a:spcBef>
+                          <a:spcPts val="0"/>
+                        </a:spcBef>
+                        <a:spcAft>
+                          <a:spcPts val="0"/>
+                        </a:spcAft>
+                      </a:pPr>
+                      <a:endParaRPr lang="ko-KR" altLang="en-US" sz="1200" dirty="0">
+                        <a:solidFill>
+                          <a:schemeClr val="tx1"/>
+                        </a:solidFill>
+                        <a:latin typeface="+mn-ea"/>
+                        <a:ea typeface="+mn-ea"/>
+                      </a:endParaRPr>
+                    </a:p>
+                  </a:txBody>
+                  <a:tcPr marL="66261" marR="66261" marT="33130" marB="33130" anchor="ctr">
+                    <a:lnL w="3556" cap="flat" cmpd="sng" algn="ctr">
+                      <a:solidFill>
+                        <a:srgbClr val="000000"/>
+                      </a:solidFill>
+                      <a:prstDash val="solid"/>
+                      <a:round/>
+                      <a:headEnd type="none" w="med" len="med"/>
+                      <a:tailEnd type="none" w="med" len="med"/>
+                    </a:lnL>
+                    <a:lnR w="3556" cap="flat" cmpd="sng" algn="ctr">
+                      <a:solidFill>
+                        <a:srgbClr val="000000"/>
+                      </a:solidFill>
+                      <a:prstDash val="solid"/>
+                      <a:round/>
+                      <a:headEnd type="none" w="med" len="med"/>
+                      <a:tailEnd type="none" w="med" len="med"/>
+                    </a:lnR>
+                    <a:lnT w="21590" cap="flat" cmpd="sng" algn="ctr">
+                      <a:solidFill>
+                        <a:srgbClr val="000000"/>
+                      </a:solidFill>
+                      <a:prstDash val="solid"/>
+                      <a:round/>
+                      <a:headEnd type="none" w="med" len="med"/>
+                      <a:tailEnd type="none" w="med" len="med"/>
+                    </a:lnT>
+                    <a:lnB w="3556" cap="flat" cmpd="sng" algn="ctr">
+                      <a:solidFill>
+                        <a:srgbClr val="000000"/>
+                      </a:solidFill>
+                      <a:prstDash val="solid"/>
+                      <a:round/>
+                      <a:headEnd type="none" w="med" len="med"/>
+                      <a:tailEnd type="none" w="med" len="med"/>
+                    </a:lnB>
+                    <a:solidFill>
+                      <a:schemeClr val="accent6">
+                        <a:lumMod val="75000"/>
+                      </a:schemeClr>
+                    </a:solidFill>
+                  </a:tcPr>
+                </a:tc>
+                <a:tc>
+                  <a:txBody>
+                    <a:bodyPr/>
+                    <a:lstStyle/>
+                    <a:p>
+                      <a:pPr marL="0" marR="0" algn="ctr">
+                        <a:lnSpc>
+                          <a:spcPct val="160000"/>
+                        </a:lnSpc>
+                        <a:spcBef>
+                          <a:spcPts val="0"/>
+                        </a:spcBef>
+                        <a:spcAft>
+                          <a:spcPts val="0"/>
+                        </a:spcAft>
+                      </a:pPr>
+                      <a:endParaRPr lang="ko-KR" altLang="en-US" sz="1200" dirty="0">
+                        <a:solidFill>
+                          <a:schemeClr val="tx1"/>
+                        </a:solidFill>
+                        <a:latin typeface="+mn-ea"/>
+                        <a:ea typeface="+mn-ea"/>
+                      </a:endParaRPr>
+                    </a:p>
+                  </a:txBody>
+                  <a:tcPr marL="66261" marR="66261" marT="33130" marB="33130" anchor="ctr">
+                    <a:lnL w="3556" cap="flat" cmpd="sng" algn="ctr">
+                      <a:solidFill>
+                        <a:srgbClr val="000000"/>
+                      </a:solidFill>
+                      <a:prstDash val="solid"/>
+                      <a:round/>
+                      <a:headEnd type="none" w="med" len="med"/>
+                      <a:tailEnd type="none" w="med" len="med"/>
+                    </a:lnL>
+                    <a:lnR w="3556" cap="flat" cmpd="sng" algn="ctr">
+                      <a:solidFill>
+                        <a:srgbClr val="000000"/>
+                      </a:solidFill>
+                      <a:prstDash val="solid"/>
+                      <a:round/>
+                      <a:headEnd type="none" w="med" len="med"/>
+                      <a:tailEnd type="none" w="med" len="med"/>
+                    </a:lnR>
+                    <a:lnT w="21590" cap="flat" cmpd="sng" algn="ctr">
+                      <a:solidFill>
+                        <a:srgbClr val="000000"/>
+                      </a:solidFill>
+                      <a:prstDash val="solid"/>
+                      <a:round/>
+                      <a:headEnd type="none" w="med" len="med"/>
+                      <a:tailEnd type="none" w="med" len="med"/>
+                    </a:lnT>
+                    <a:lnB w="3556" cap="flat" cmpd="sng" algn="ctr">
+                      <a:solidFill>
+                        <a:srgbClr val="000000"/>
+                      </a:solidFill>
+                      <a:prstDash val="solid"/>
+                      <a:round/>
+                      <a:headEnd type="none" w="med" len="med"/>
+                      <a:tailEnd type="none" w="med" len="med"/>
+                    </a:lnB>
+                    <a:solidFill>
+                      <a:schemeClr val="accent6">
+                        <a:lumMod val="75000"/>
+                      </a:schemeClr>
+                    </a:solidFill>
+                  </a:tcPr>
+                </a:tc>
+                <a:tc>
+                  <a:txBody>
+                    <a:bodyPr/>
+                    <a:lstStyle/>
+                    <a:p>
+                      <a:pPr marL="0" marR="0" algn="ctr">
+                        <a:lnSpc>
+                          <a:spcPct val="160000"/>
+                        </a:lnSpc>
+                        <a:spcBef>
+                          <a:spcPts val="0"/>
+                        </a:spcBef>
+                        <a:spcAft>
+                          <a:spcPts val="0"/>
+                        </a:spcAft>
+                      </a:pPr>
+                      <a:endParaRPr lang="ko-KR" altLang="en-US" sz="1200" dirty="0">
+                        <a:solidFill>
+                          <a:schemeClr val="tx1"/>
+                        </a:solidFill>
+                        <a:latin typeface="+mn-ea"/>
+                        <a:ea typeface="+mn-ea"/>
+                      </a:endParaRPr>
+                    </a:p>
+                  </a:txBody>
+                  <a:tcPr marL="66261" marR="66261" marT="33130" marB="33130" anchor="ctr">
+                    <a:lnL w="3556" cap="flat" cmpd="sng" algn="ctr">
+                      <a:solidFill>
+                        <a:srgbClr val="000000"/>
+                      </a:solidFill>
+                      <a:prstDash val="solid"/>
+                      <a:round/>
+                      <a:headEnd type="none" w="med" len="med"/>
+                      <a:tailEnd type="none" w="med" len="med"/>
+                    </a:lnL>
+                    <a:lnR w="3556" cap="flat" cmpd="sng" algn="ctr">
+                      <a:solidFill>
+                        <a:srgbClr val="000000"/>
+                      </a:solidFill>
+                      <a:prstDash val="solid"/>
+                      <a:round/>
+                      <a:headEnd type="none" w="med" len="med"/>
+                      <a:tailEnd type="none" w="med" len="med"/>
+                    </a:lnR>
+                    <a:lnT w="21590" cap="flat" cmpd="sng" algn="ctr">
+                      <a:solidFill>
+                        <a:srgbClr val="000000"/>
+                      </a:solidFill>
+                      <a:prstDash val="solid"/>
+                      <a:round/>
+                      <a:headEnd type="none" w="med" len="med"/>
+                      <a:tailEnd type="none" w="med" len="med"/>
+                    </a:lnT>
+                    <a:lnB w="3556" cap="flat" cmpd="sng" algn="ctr">
+                      <a:solidFill>
+                        <a:srgbClr val="000000"/>
+                      </a:solidFill>
+                      <a:prstDash val="solid"/>
+                      <a:round/>
+                      <a:headEnd type="none" w="med" len="med"/>
+                      <a:tailEnd type="none" w="med" len="med"/>
+                    </a:lnB>
+                    <a:solidFill>
+                      <a:schemeClr val="accent6">
+                        <a:lumMod val="75000"/>
+                      </a:schemeClr>
+                    </a:solidFill>
+                  </a:tcPr>
+                </a:tc>
+                <a:tc>
+                  <a:txBody>
+                    <a:bodyPr/>
+                    <a:lstStyle/>
+                    <a:p>
+                      <a:pPr marL="0" marR="0" algn="ctr">
+                        <a:lnSpc>
+                          <a:spcPct val="160000"/>
+                        </a:lnSpc>
+                        <a:spcBef>
+                          <a:spcPts val="0"/>
+                        </a:spcBef>
+                        <a:spcAft>
+                          <a:spcPts val="0"/>
+                        </a:spcAft>
+                      </a:pPr>
+                      <a:endParaRPr lang="ko-KR" altLang="en-US" sz="1200" dirty="0">
+                        <a:solidFill>
+                          <a:schemeClr val="tx1"/>
+                        </a:solidFill>
+                        <a:latin typeface="+mn-ea"/>
+                        <a:ea typeface="+mn-ea"/>
+                      </a:endParaRPr>
+                    </a:p>
+                  </a:txBody>
+                  <a:tcPr marL="66261" marR="66261" marT="33130" marB="33130" anchor="ctr">
+                    <a:lnL w="3556" cap="flat" cmpd="sng" algn="ctr">
+                      <a:solidFill>
+                        <a:srgbClr val="000000"/>
+                      </a:solidFill>
+                      <a:prstDash val="solid"/>
+                      <a:round/>
+                      <a:headEnd type="none" w="med" len="med"/>
+                      <a:tailEnd type="none" w="med" len="med"/>
+                    </a:lnL>
+                    <a:lnR w="3556" cap="flat" cmpd="sng" algn="ctr">
+                      <a:solidFill>
+                        <a:srgbClr val="000000"/>
+                      </a:solidFill>
+                      <a:prstDash val="solid"/>
+                      <a:round/>
+                      <a:headEnd type="none" w="med" len="med"/>
+                      <a:tailEnd type="none" w="med" len="med"/>
+                    </a:lnR>
+                    <a:lnT w="21590" cap="flat" cmpd="sng" algn="ctr">
+                      <a:solidFill>
+                        <a:srgbClr val="000000"/>
+                      </a:solidFill>
+                      <a:prstDash val="solid"/>
+                      <a:round/>
+                      <a:headEnd type="none" w="med" len="med"/>
+                      <a:tailEnd type="none" w="med" len="med"/>
+                    </a:lnT>
+                    <a:lnB w="3556" cap="flat" cmpd="sng" algn="ctr">
+                      <a:solidFill>
+                        <a:srgbClr val="000000"/>
+                      </a:solidFill>
+                      <a:prstDash val="solid"/>
+                      <a:round/>
+                      <a:headEnd type="none" w="med" len="med"/>
+                      <a:tailEnd type="none" w="med" len="med"/>
+                    </a:lnB>
+                    <a:solidFill>
+                      <a:schemeClr val="accent6">
+                        <a:lumMod val="75000"/>
+                      </a:schemeClr>
+                    </a:solidFill>
+                  </a:tcPr>
+                </a:tc>
+                <a:tc>
+                  <a:txBody>
+                    <a:bodyPr/>
+                    <a:lstStyle/>
+                    <a:p>
+                      <a:pPr marL="0" marR="0" algn="ctr">
+                        <a:lnSpc>
+                          <a:spcPct val="160000"/>
+                        </a:lnSpc>
+                        <a:spcBef>
+                          <a:spcPts val="0"/>
+                        </a:spcBef>
+                        <a:spcAft>
+                          <a:spcPts val="0"/>
+                        </a:spcAft>
+                      </a:pPr>
+                      <a:endParaRPr lang="ko-KR" altLang="en-US" sz="1200" dirty="0">
+                        <a:solidFill>
+                          <a:schemeClr val="tx1"/>
+                        </a:solidFill>
+                        <a:latin typeface="+mn-ea"/>
+                        <a:ea typeface="+mn-ea"/>
+                      </a:endParaRPr>
+                    </a:p>
+                  </a:txBody>
+                  <a:tcPr marL="66261" marR="66261" marT="33130" marB="33130" anchor="ctr">
+                    <a:lnL w="3556" cap="flat" cmpd="sng" algn="ctr">
+                      <a:solidFill>
+                        <a:srgbClr val="000000"/>
+                      </a:solidFill>
+                      <a:prstDash val="solid"/>
+                      <a:round/>
+                      <a:headEnd type="none" w="med" len="med"/>
+                      <a:tailEnd type="none" w="med" len="med"/>
+                    </a:lnL>
+                    <a:lnR w="3556" cap="flat" cmpd="sng" algn="ctr">
+                      <a:solidFill>
+                        <a:srgbClr val="000000"/>
+                      </a:solidFill>
+                      <a:prstDash val="solid"/>
+                      <a:round/>
+                      <a:headEnd type="none" w="med" len="med"/>
+                      <a:tailEnd type="none" w="med" len="med"/>
+                    </a:lnR>
+                    <a:lnT w="21590" cap="flat" cmpd="sng" algn="ctr">
+                      <a:solidFill>
+                        <a:srgbClr val="000000"/>
+                      </a:solidFill>
+                      <a:prstDash val="solid"/>
+                      <a:round/>
+                      <a:headEnd type="none" w="med" len="med"/>
+                      <a:tailEnd type="none" w="med" len="med"/>
+                    </a:lnT>
+                    <a:lnB w="3556" cap="flat" cmpd="sng" algn="ctr">
+                      <a:solidFill>
+                        <a:srgbClr val="000000"/>
+                      </a:solidFill>
+                      <a:prstDash val="solid"/>
+                      <a:round/>
+                      <a:headEnd type="none" w="med" len="med"/>
+                      <a:tailEnd type="none" w="med" len="med"/>
+                    </a:lnB>
+                  </a:tcPr>
+                </a:tc>
+                <a:tc>
+                  <a:txBody>
+                    <a:bodyPr/>
+                    <a:lstStyle/>
+                    <a:p>
+                      <a:pPr marL="0" marR="0" algn="ctr">
+                        <a:lnSpc>
+                          <a:spcPct val="160000"/>
+                        </a:lnSpc>
+                        <a:spcBef>
+                          <a:spcPts val="0"/>
+                        </a:spcBef>
+                        <a:spcAft>
+                          <a:spcPts val="0"/>
+                        </a:spcAft>
+                      </a:pPr>
+                      <a:endParaRPr lang="ko-KR" altLang="en-US" sz="1200" dirty="0">
+                        <a:solidFill>
+                          <a:schemeClr val="tx1"/>
+                        </a:solidFill>
+                        <a:latin typeface="+mn-ea"/>
+                        <a:ea typeface="+mn-ea"/>
+                      </a:endParaRPr>
+                    </a:p>
+                  </a:txBody>
+                  <a:tcPr marL="66261" marR="66261" marT="33130" marB="33130" anchor="ctr">
+                    <a:lnL w="3556" cap="flat" cmpd="sng" algn="ctr">
+                      <a:solidFill>
+                        <a:srgbClr val="000000"/>
+                      </a:solidFill>
+                      <a:prstDash val="solid"/>
+                      <a:round/>
+                      <a:headEnd type="none" w="med" len="med"/>
+                      <a:tailEnd type="none" w="med" len="med"/>
+                    </a:lnL>
+                    <a:lnR w="3556" cap="flat" cmpd="sng" algn="ctr">
+                      <a:solidFill>
+                        <a:srgbClr val="000000"/>
+                      </a:solidFill>
+                      <a:prstDash val="solid"/>
+                      <a:round/>
+                      <a:headEnd type="none" w="med" len="med"/>
+                      <a:tailEnd type="none" w="med" len="med"/>
+                    </a:lnR>
+                    <a:lnT w="21590" cap="flat" cmpd="sng" algn="ctr">
+                      <a:solidFill>
+                        <a:srgbClr val="000000"/>
+                      </a:solidFill>
+                      <a:prstDash val="solid"/>
+                      <a:round/>
+                      <a:headEnd type="none" w="med" len="med"/>
+                      <a:tailEnd type="none" w="med" len="med"/>
+                    </a:lnT>
+                    <a:lnB w="3556" cap="flat" cmpd="sng" algn="ctr">
+                      <a:solidFill>
+                        <a:srgbClr val="000000"/>
+                      </a:solidFill>
+                      <a:prstDash val="solid"/>
+                      <a:round/>
+                      <a:headEnd type="none" w="med" len="med"/>
+                      <a:tailEnd type="none" w="med" len="med"/>
+                    </a:lnB>
+                  </a:tcPr>
+                </a:tc>
+                <a:tc>
+                  <a:txBody>
+                    <a:bodyPr/>
+                    <a:lstStyle/>
+                    <a:p>
+                      <a:pPr marL="0" marR="0" algn="ctr">
+                        <a:lnSpc>
+                          <a:spcPct val="160000"/>
+                        </a:lnSpc>
+                        <a:spcBef>
+                          <a:spcPts val="0"/>
+                        </a:spcBef>
+                        <a:spcAft>
+                          <a:spcPts val="0"/>
+                        </a:spcAft>
+                      </a:pPr>
+                      <a:endParaRPr lang="ko-KR" altLang="en-US" sz="1200" dirty="0">
+                        <a:solidFill>
+                          <a:schemeClr val="tx1"/>
+                        </a:solidFill>
+                        <a:latin typeface="+mn-ea"/>
+                        <a:ea typeface="+mn-ea"/>
+                      </a:endParaRPr>
+                    </a:p>
+                  </a:txBody>
+                  <a:tcPr marL="66261" marR="66261" marT="33130" marB="33130" anchor="ctr">
+                    <a:lnL w="3556" cap="flat" cmpd="sng" algn="ctr">
+                      <a:solidFill>
+                        <a:srgbClr val="000000"/>
+                      </a:solidFill>
+                      <a:prstDash val="solid"/>
+                      <a:round/>
+                      <a:headEnd type="none" w="med" len="med"/>
+                      <a:tailEnd type="none" w="med" len="med"/>
+                    </a:lnL>
+                    <a:lnR w="3556" cap="flat" cmpd="sng" algn="ctr">
+                      <a:solidFill>
+                        <a:srgbClr val="000000"/>
+                      </a:solidFill>
+                      <a:prstDash val="solid"/>
+                      <a:round/>
+                      <a:headEnd type="none" w="med" len="med"/>
+                      <a:tailEnd type="none" w="med" len="med"/>
+                    </a:lnR>
+                    <a:lnT w="21590" cap="flat" cmpd="sng" algn="ctr">
+                      <a:solidFill>
+                        <a:srgbClr val="000000"/>
+                      </a:solidFill>
+                      <a:prstDash val="solid"/>
+                      <a:round/>
+                      <a:headEnd type="none" w="med" len="med"/>
+                      <a:tailEnd type="none" w="med" len="med"/>
+                    </a:lnT>
+                    <a:lnB w="3556" cap="flat" cmpd="sng" algn="ctr">
+                      <a:solidFill>
+                        <a:srgbClr val="000000"/>
+                      </a:solidFill>
+                      <a:prstDash val="solid"/>
+                      <a:round/>
+                      <a:headEnd type="none" w="med" len="med"/>
+                      <a:tailEnd type="none" w="med" len="med"/>
+                    </a:lnB>
+                  </a:tcPr>
+                </a:tc>
+                <a:tc>
+                  <a:txBody>
+                    <a:bodyPr/>
+                    <a:lstStyle/>
+                    <a:p>
+                      <a:pPr marL="0" marR="0" algn="ctr">
+                        <a:lnSpc>
+                          <a:spcPct val="160000"/>
+                        </a:lnSpc>
+                        <a:spcBef>
+                          <a:spcPts val="0"/>
+                        </a:spcBef>
+                        <a:spcAft>
+                          <a:spcPts val="0"/>
+                        </a:spcAft>
+                      </a:pPr>
+                      <a:endParaRPr lang="ko-KR" altLang="en-US" sz="1200" dirty="0">
+                        <a:solidFill>
+                          <a:schemeClr val="tx1"/>
+                        </a:solidFill>
+                        <a:latin typeface="+mn-ea"/>
+                        <a:ea typeface="+mn-ea"/>
+                      </a:endParaRPr>
+                    </a:p>
+                  </a:txBody>
+                  <a:tcPr marL="66261" marR="66261" marT="33130" marB="33130" anchor="ctr">
+                    <a:lnL w="3556" cap="flat" cmpd="sng" algn="ctr">
+                      <a:solidFill>
+                        <a:srgbClr val="000000"/>
+                      </a:solidFill>
+                      <a:prstDash val="solid"/>
+                      <a:round/>
+                      <a:headEnd type="none" w="med" len="med"/>
+                      <a:tailEnd type="none" w="med" len="med"/>
+                    </a:lnL>
+                    <a:lnR w="3556" cap="flat" cmpd="sng" algn="ctr">
+                      <a:solidFill>
+                        <a:srgbClr val="000000"/>
+                      </a:solidFill>
+                      <a:prstDash val="solid"/>
+                      <a:round/>
+                      <a:headEnd type="none" w="med" len="med"/>
+                      <a:tailEnd type="none" w="med" len="med"/>
+                    </a:lnR>
+                    <a:lnT w="21590" cap="flat" cmpd="sng" algn="ctr">
+                      <a:solidFill>
+                        <a:srgbClr val="000000"/>
+                      </a:solidFill>
+                      <a:prstDash val="solid"/>
+                      <a:round/>
+                      <a:headEnd type="none" w="med" len="med"/>
+                      <a:tailEnd type="none" w="med" len="med"/>
+                    </a:lnT>
+                    <a:lnB w="3556" cap="flat" cmpd="sng" algn="ctr">
+                      <a:solidFill>
+                        <a:srgbClr val="000000"/>
+                      </a:solidFill>
+                      <a:prstDash val="solid"/>
+                      <a:round/>
+                      <a:headEnd type="none" w="med" len="med"/>
+                      <a:tailEnd type="none" w="med" len="med"/>
+                    </a:lnB>
+                  </a:tcPr>
+                </a:tc>
+                <a:tc>
+                  <a:txBody>
+                    <a:bodyPr/>
+                    <a:lstStyle/>
+                    <a:p>
+                      <a:pPr marL="0" marR="0" algn="ctr">
+                        <a:lnSpc>
+                          <a:spcPct val="160000"/>
+                        </a:lnSpc>
+                        <a:spcBef>
+                          <a:spcPts val="0"/>
+                        </a:spcBef>
+                        <a:spcAft>
+                          <a:spcPts val="0"/>
+                        </a:spcAft>
+                      </a:pPr>
+                      <a:r>
+                        <a:rPr lang="en-US" altLang="ko-KR" sz="1200" dirty="0">
+                          <a:solidFill>
+                            <a:schemeClr val="tx1"/>
+                          </a:solidFill>
+                          <a:latin typeface="+mn-ea"/>
+                          <a:ea typeface="+mn-ea"/>
+                        </a:rPr>
+                        <a:t>KINCET </a:t>
+                      </a:r>
+                      <a:r>
+                        <a:rPr lang="ko-KR" altLang="en-US" sz="1200" dirty="0">
+                          <a:solidFill>
+                            <a:schemeClr val="tx1"/>
+                          </a:solidFill>
+                          <a:latin typeface="+mn-ea"/>
+                          <a:ea typeface="+mn-ea"/>
+                        </a:rPr>
+                        <a:t>관련 </a:t>
+                      </a:r>
+                      <a:r>
+                        <a:rPr lang="en-US" altLang="ko-KR" sz="1200" dirty="0">
+                          <a:solidFill>
+                            <a:schemeClr val="tx1"/>
+                          </a:solidFill>
+                          <a:latin typeface="+mn-ea"/>
+                          <a:ea typeface="+mn-ea"/>
+                        </a:rPr>
+                        <a:t>API Study </a:t>
+                      </a:r>
+                      <a:r>
+                        <a:rPr lang="ko-KR" altLang="en-US" sz="1200" dirty="0">
+                          <a:solidFill>
+                            <a:schemeClr val="tx1"/>
+                          </a:solidFill>
+                          <a:latin typeface="+mn-ea"/>
+                          <a:ea typeface="+mn-ea"/>
+                        </a:rPr>
+                        <a:t>및 관련 논문 검색</a:t>
+                      </a:r>
+                    </a:p>
+                  </a:txBody>
+                  <a:tcPr marL="66261" marR="66261" marT="33130" marB="33130" anchor="ctr">
+                    <a:lnL w="3556" cap="flat" cmpd="sng" algn="ctr">
+                      <a:solidFill>
+                        <a:srgbClr val="000000"/>
+                      </a:solidFill>
+                      <a:prstDash val="solid"/>
+                      <a:round/>
+                      <a:headEnd type="none" w="med" len="med"/>
+                      <a:tailEnd type="none" w="med" len="med"/>
+                    </a:lnL>
+                    <a:lnR w="21590" cap="flat" cmpd="sng" algn="ctr">
+                      <a:solidFill>
+                        <a:srgbClr val="000000"/>
+                      </a:solidFill>
+                      <a:prstDash val="solid"/>
+                      <a:round/>
+                      <a:headEnd type="none" w="med" len="med"/>
+                      <a:tailEnd type="none" w="med" len="med"/>
+                    </a:lnR>
+                    <a:lnT w="21590" cap="flat" cmpd="sng" algn="ctr">
+                      <a:solidFill>
+                        <a:srgbClr val="000000"/>
+                      </a:solidFill>
+                      <a:prstDash val="solid"/>
+                      <a:round/>
+                      <a:headEnd type="none" w="med" len="med"/>
+                      <a:tailEnd type="none" w="med" len="med"/>
+                    </a:lnT>
+                    <a:lnB w="3556" cap="flat" cmpd="sng" algn="ctr">
+                      <a:solidFill>
+                        <a:srgbClr val="000000"/>
+                      </a:solidFill>
+                      <a:prstDash val="solid"/>
+                      <a:round/>
+                      <a:headEnd type="none" w="med" len="med"/>
+                      <a:tailEnd type="none" w="med" len="med"/>
+                    </a:lnB>
+                  </a:tcPr>
+                </a:tc>
+              </a:tr>
+              <a:tr h="589622">
+                <a:tc>
+                  <a:txBody>
+                    <a:bodyPr/>
+                    <a:lstStyle/>
+                    <a:p>
+                      <a:pPr marL="0" marR="0" algn="ctr">
+                        <a:lnSpc>
+                          <a:spcPct val="160000"/>
+                        </a:lnSpc>
+                        <a:spcBef>
+                          <a:spcPts val="0"/>
+                        </a:spcBef>
+                        <a:spcAft>
+                          <a:spcPts val="0"/>
+                        </a:spcAft>
+                      </a:pPr>
+                      <a:r>
+                        <a:rPr lang="en-US" sz="1200" b="1" dirty="0">
+                          <a:solidFill>
+                            <a:schemeClr val="tx1"/>
+                          </a:solidFill>
+                          <a:latin typeface="+mn-ea"/>
+                          <a:ea typeface="+mn-ea"/>
+                        </a:rPr>
+                        <a:t>2</a:t>
+                      </a:r>
+                      <a:endParaRPr lang="en-US" sz="1200" dirty="0">
+                        <a:solidFill>
+                          <a:schemeClr val="tx1"/>
+                        </a:solidFill>
+                        <a:latin typeface="+mn-ea"/>
+                        <a:ea typeface="+mn-ea"/>
+                      </a:endParaRPr>
+                    </a:p>
+                  </a:txBody>
+                  <a:tcPr marL="66261" marR="66261" marT="33130" marB="33130" anchor="ctr">
+                    <a:lnL w="21590" cap="flat" cmpd="sng" algn="ctr">
+                      <a:solidFill>
+                        <a:srgbClr val="000000"/>
+                      </a:solidFill>
+                      <a:prstDash val="solid"/>
+                      <a:round/>
+                      <a:headEnd type="none" w="med" len="med"/>
+                      <a:tailEnd type="none" w="med" len="med"/>
+                    </a:lnL>
+                    <a:lnR w="3556" cap="flat" cmpd="sng" algn="ctr">
+                      <a:solidFill>
+                        <a:srgbClr val="000000"/>
+                      </a:solidFill>
+                      <a:prstDash val="solid"/>
+                      <a:round/>
+                      <a:headEnd type="none" w="med" len="med"/>
+                      <a:tailEnd type="none" w="med" len="med"/>
+                    </a:lnR>
+                    <a:lnT w="3556" cap="flat" cmpd="sng" algn="ctr">
+                      <a:solidFill>
+                        <a:srgbClr val="000000"/>
+                      </a:solidFill>
+                      <a:prstDash val="solid"/>
+                      <a:round/>
+                      <a:headEnd type="none" w="med" len="med"/>
+                      <a:tailEnd type="none" w="med" len="med"/>
+                    </a:lnT>
+                    <a:lnB w="3556" cap="flat" cmpd="sng" algn="ctr">
+                      <a:solidFill>
+                        <a:srgbClr val="000000"/>
+                      </a:solidFill>
+                      <a:prstDash val="solid"/>
+                      <a:round/>
+                      <a:headEnd type="none" w="med" len="med"/>
+                      <a:tailEnd type="none" w="med" len="med"/>
+                    </a:lnB>
+                  </a:tcPr>
+                </a:tc>
+                <a:tc>
+                  <a:txBody>
+                    <a:bodyPr/>
+                    <a:lstStyle/>
+                    <a:p>
+                      <a:pPr marL="0" marR="0" algn="ctr">
+                        <a:lnSpc>
+                          <a:spcPct val="160000"/>
+                        </a:lnSpc>
+                        <a:spcBef>
+                          <a:spcPts val="0"/>
+                        </a:spcBef>
+                        <a:spcAft>
+                          <a:spcPts val="0"/>
+                        </a:spcAft>
+                      </a:pPr>
+                      <a:r>
+                        <a:rPr lang="en-US" sz="1200" b="1">
+                          <a:solidFill>
+                            <a:schemeClr val="tx1"/>
+                          </a:solidFill>
+                          <a:latin typeface="+mn-ea"/>
+                          <a:ea typeface="+mn-ea"/>
+                        </a:rPr>
+                        <a:t>Demo(ver.1.0)</a:t>
+                      </a:r>
+                      <a:endParaRPr lang="en-US" sz="1200">
+                        <a:solidFill>
+                          <a:schemeClr val="tx1"/>
+                        </a:solidFill>
+                        <a:latin typeface="+mn-ea"/>
+                        <a:ea typeface="+mn-ea"/>
+                      </a:endParaRPr>
+                    </a:p>
+                  </a:txBody>
+                  <a:tcPr marL="66261" marR="66261" marT="33130" marB="33130" anchor="ctr">
+                    <a:lnL w="3556" cap="flat" cmpd="sng" algn="ctr">
+                      <a:solidFill>
+                        <a:srgbClr val="000000"/>
+                      </a:solidFill>
+                      <a:prstDash val="solid"/>
+                      <a:round/>
+                      <a:headEnd type="none" w="med" len="med"/>
+                      <a:tailEnd type="none" w="med" len="med"/>
+                    </a:lnL>
+                    <a:lnR w="3556" cap="flat" cmpd="sng" algn="ctr">
+                      <a:solidFill>
+                        <a:srgbClr val="000000"/>
+                      </a:solidFill>
+                      <a:prstDash val="solid"/>
+                      <a:round/>
+                      <a:headEnd type="none" w="med" len="med"/>
+                      <a:tailEnd type="none" w="med" len="med"/>
+                    </a:lnR>
+                    <a:lnT w="3556" cap="flat" cmpd="sng" algn="ctr">
+                      <a:solidFill>
+                        <a:srgbClr val="000000"/>
+                      </a:solidFill>
+                      <a:prstDash val="solid"/>
+                      <a:round/>
+                      <a:headEnd type="none" w="med" len="med"/>
+                      <a:tailEnd type="none" w="med" len="med"/>
+                    </a:lnT>
+                    <a:lnB w="3556" cap="flat" cmpd="sng" algn="ctr">
+                      <a:solidFill>
+                        <a:srgbClr val="000000"/>
+                      </a:solidFill>
+                      <a:prstDash val="solid"/>
+                      <a:round/>
+                      <a:headEnd type="none" w="med" len="med"/>
+                      <a:tailEnd type="none" w="med" len="med"/>
+                    </a:lnB>
+                  </a:tcPr>
+                </a:tc>
+                <a:tc>
+                  <a:txBody>
+                    <a:bodyPr/>
+                    <a:lstStyle/>
+                    <a:p>
+                      <a:pPr marL="0" marR="0" algn="ctr">
+                        <a:lnSpc>
+                          <a:spcPct val="160000"/>
+                        </a:lnSpc>
+                        <a:spcBef>
+                          <a:spcPts val="0"/>
+                        </a:spcBef>
+                        <a:spcAft>
+                          <a:spcPts val="0"/>
+                        </a:spcAft>
+                      </a:pPr>
+                      <a:endParaRPr lang="ko-KR" altLang="en-US" sz="1200">
+                        <a:solidFill>
+                          <a:schemeClr val="tx1"/>
+                        </a:solidFill>
+                        <a:latin typeface="+mn-ea"/>
+                        <a:ea typeface="+mn-ea"/>
+                      </a:endParaRPr>
+                    </a:p>
+                  </a:txBody>
+                  <a:tcPr marL="66261" marR="66261" marT="33130" marB="33130" anchor="ctr">
+                    <a:lnL w="3556" cap="flat" cmpd="sng" algn="ctr">
+                      <a:solidFill>
+                        <a:srgbClr val="000000"/>
+                      </a:solidFill>
+                      <a:prstDash val="solid"/>
+                      <a:round/>
+                      <a:headEnd type="none" w="med" len="med"/>
+                      <a:tailEnd type="none" w="med" len="med"/>
+                    </a:lnL>
+                    <a:lnR w="3556" cap="flat" cmpd="sng" algn="ctr">
+                      <a:solidFill>
+                        <a:srgbClr val="000000"/>
+                      </a:solidFill>
+                      <a:prstDash val="solid"/>
+                      <a:round/>
+                      <a:headEnd type="none" w="med" len="med"/>
+                      <a:tailEnd type="none" w="med" len="med"/>
+                    </a:lnR>
+                    <a:lnT w="3556" cap="flat" cmpd="sng" algn="ctr">
+                      <a:solidFill>
+                        <a:srgbClr val="000000"/>
+                      </a:solidFill>
+                      <a:prstDash val="solid"/>
+                      <a:round/>
+                      <a:headEnd type="none" w="med" len="med"/>
+                      <a:tailEnd type="none" w="med" len="med"/>
+                    </a:lnT>
+                    <a:lnB w="3556" cap="flat" cmpd="sng" algn="ctr">
+                      <a:solidFill>
+                        <a:srgbClr val="000000"/>
+                      </a:solidFill>
+                      <a:prstDash val="solid"/>
+                      <a:round/>
+                      <a:headEnd type="none" w="med" len="med"/>
+                      <a:tailEnd type="none" w="med" len="med"/>
+                    </a:lnB>
+                  </a:tcPr>
+                </a:tc>
+                <a:tc>
+                  <a:txBody>
+                    <a:bodyPr/>
+                    <a:lstStyle/>
+                    <a:p>
+                      <a:pPr marL="0" marR="0" algn="ctr">
+                        <a:lnSpc>
+                          <a:spcPct val="160000"/>
+                        </a:lnSpc>
+                        <a:spcBef>
+                          <a:spcPts val="0"/>
+                        </a:spcBef>
+                        <a:spcAft>
+                          <a:spcPts val="0"/>
+                        </a:spcAft>
+                      </a:pPr>
+                      <a:endParaRPr lang="ko-KR" altLang="en-US" sz="1200" dirty="0">
+                        <a:solidFill>
+                          <a:schemeClr val="tx1"/>
+                        </a:solidFill>
+                        <a:latin typeface="+mn-ea"/>
+                        <a:ea typeface="+mn-ea"/>
+                      </a:endParaRPr>
+                    </a:p>
+                  </a:txBody>
+                  <a:tcPr marL="66261" marR="66261" marT="33130" marB="33130" anchor="ctr">
+                    <a:lnL w="3556" cap="flat" cmpd="sng" algn="ctr">
+                      <a:solidFill>
+                        <a:srgbClr val="000000"/>
+                      </a:solidFill>
+                      <a:prstDash val="solid"/>
+                      <a:round/>
+                      <a:headEnd type="none" w="med" len="med"/>
+                      <a:tailEnd type="none" w="med" len="med"/>
+                    </a:lnL>
+                    <a:lnR w="3556" cap="flat" cmpd="sng" algn="ctr">
+                      <a:solidFill>
+                        <a:srgbClr val="000000"/>
+                      </a:solidFill>
+                      <a:prstDash val="solid"/>
+                      <a:round/>
+                      <a:headEnd type="none" w="med" len="med"/>
+                      <a:tailEnd type="none" w="med" len="med"/>
+                    </a:lnR>
+                    <a:lnT w="3556" cap="flat" cmpd="sng" algn="ctr">
+                      <a:solidFill>
+                        <a:srgbClr val="000000"/>
+                      </a:solidFill>
+                      <a:prstDash val="solid"/>
+                      <a:round/>
+                      <a:headEnd type="none" w="med" len="med"/>
+                      <a:tailEnd type="none" w="med" len="med"/>
+                    </a:lnT>
+                    <a:lnB w="3556" cap="flat" cmpd="sng" algn="ctr">
+                      <a:solidFill>
+                        <a:srgbClr val="000000"/>
+                      </a:solidFill>
+                      <a:prstDash val="solid"/>
+                      <a:round/>
+                      <a:headEnd type="none" w="med" len="med"/>
+                      <a:tailEnd type="none" w="med" len="med"/>
+                    </a:lnB>
+                    <a:solidFill>
+                      <a:schemeClr val="accent6">
+                        <a:lumMod val="40000"/>
+                        <a:lumOff val="60000"/>
+                      </a:schemeClr>
+                    </a:solidFill>
+                  </a:tcPr>
+                </a:tc>
+                <a:tc>
+                  <a:txBody>
+                    <a:bodyPr/>
+                    <a:lstStyle/>
+                    <a:p>
+                      <a:pPr marL="0" marR="0" algn="ctr">
+                        <a:lnSpc>
+                          <a:spcPct val="160000"/>
+                        </a:lnSpc>
+                        <a:spcBef>
+                          <a:spcPts val="0"/>
+                        </a:spcBef>
+                        <a:spcAft>
+                          <a:spcPts val="0"/>
+                        </a:spcAft>
+                      </a:pPr>
+                      <a:endParaRPr lang="ko-KR" altLang="en-US" sz="1200" dirty="0">
+                        <a:solidFill>
+                          <a:schemeClr val="tx1"/>
+                        </a:solidFill>
+                        <a:latin typeface="+mn-ea"/>
+                        <a:ea typeface="+mn-ea"/>
+                      </a:endParaRPr>
+                    </a:p>
+                  </a:txBody>
+                  <a:tcPr marL="66261" marR="66261" marT="33130" marB="33130" anchor="ctr">
+                    <a:lnL w="3556" cap="flat" cmpd="sng" algn="ctr">
+                      <a:solidFill>
+                        <a:srgbClr val="000000"/>
+                      </a:solidFill>
+                      <a:prstDash val="solid"/>
+                      <a:round/>
+                      <a:headEnd type="none" w="med" len="med"/>
+                      <a:tailEnd type="none" w="med" len="med"/>
+                    </a:lnL>
+                    <a:lnR w="3556" cap="flat" cmpd="sng" algn="ctr">
+                      <a:solidFill>
+                        <a:srgbClr val="000000"/>
+                      </a:solidFill>
+                      <a:prstDash val="solid"/>
+                      <a:round/>
+                      <a:headEnd type="none" w="med" len="med"/>
+                      <a:tailEnd type="none" w="med" len="med"/>
+                    </a:lnR>
+                    <a:lnT w="3556" cap="flat" cmpd="sng" algn="ctr">
+                      <a:solidFill>
+                        <a:srgbClr val="000000"/>
+                      </a:solidFill>
+                      <a:prstDash val="solid"/>
+                      <a:round/>
+                      <a:headEnd type="none" w="med" len="med"/>
+                      <a:tailEnd type="none" w="med" len="med"/>
+                    </a:lnT>
+                    <a:lnB w="3556" cap="flat" cmpd="sng" algn="ctr">
+                      <a:solidFill>
+                        <a:srgbClr val="000000"/>
+                      </a:solidFill>
+                      <a:prstDash val="solid"/>
+                      <a:round/>
+                      <a:headEnd type="none" w="med" len="med"/>
+                      <a:tailEnd type="none" w="med" len="med"/>
+                    </a:lnB>
+                  </a:tcPr>
+                </a:tc>
+                <a:tc>
+                  <a:txBody>
+                    <a:bodyPr/>
+                    <a:lstStyle/>
+                    <a:p>
+                      <a:pPr marL="0" marR="0" algn="ctr">
+                        <a:lnSpc>
+                          <a:spcPct val="160000"/>
+                        </a:lnSpc>
+                        <a:spcBef>
+                          <a:spcPts val="0"/>
+                        </a:spcBef>
+                        <a:spcAft>
+                          <a:spcPts val="0"/>
+                        </a:spcAft>
+                      </a:pPr>
+                      <a:endParaRPr lang="ko-KR" altLang="en-US" sz="1200" dirty="0">
+                        <a:solidFill>
+                          <a:schemeClr val="tx1"/>
+                        </a:solidFill>
+                        <a:latin typeface="+mn-ea"/>
+                        <a:ea typeface="+mn-ea"/>
+                      </a:endParaRPr>
+                    </a:p>
+                  </a:txBody>
+                  <a:tcPr marL="66261" marR="66261" marT="33130" marB="33130" anchor="ctr">
+                    <a:lnL w="3556" cap="flat" cmpd="sng" algn="ctr">
+                      <a:solidFill>
+                        <a:srgbClr val="000000"/>
+                      </a:solidFill>
+                      <a:prstDash val="solid"/>
+                      <a:round/>
+                      <a:headEnd type="none" w="med" len="med"/>
+                      <a:tailEnd type="none" w="med" len="med"/>
+                    </a:lnL>
+                    <a:lnR w="3556" cap="flat" cmpd="sng" algn="ctr">
+                      <a:solidFill>
+                        <a:srgbClr val="000000"/>
+                      </a:solidFill>
+                      <a:prstDash val="solid"/>
+                      <a:round/>
+                      <a:headEnd type="none" w="med" len="med"/>
+                      <a:tailEnd type="none" w="med" len="med"/>
+                    </a:lnR>
+                    <a:lnT w="3556" cap="flat" cmpd="sng" algn="ctr">
+                      <a:solidFill>
+                        <a:srgbClr val="000000"/>
+                      </a:solidFill>
+                      <a:prstDash val="solid"/>
+                      <a:round/>
+                      <a:headEnd type="none" w="med" len="med"/>
+                      <a:tailEnd type="none" w="med" len="med"/>
+                    </a:lnT>
+                    <a:lnB w="3556" cap="flat" cmpd="sng" algn="ctr">
+                      <a:solidFill>
+                        <a:srgbClr val="000000"/>
+                      </a:solidFill>
+                      <a:prstDash val="solid"/>
+                      <a:round/>
+                      <a:headEnd type="none" w="med" len="med"/>
+                      <a:tailEnd type="none" w="med" len="med"/>
+                    </a:lnB>
+                  </a:tcPr>
+                </a:tc>
+                <a:tc>
+                  <a:txBody>
+                    <a:bodyPr/>
+                    <a:lstStyle/>
+                    <a:p>
+                      <a:pPr marL="0" marR="0" algn="ctr">
+                        <a:lnSpc>
+                          <a:spcPct val="160000"/>
+                        </a:lnSpc>
+                        <a:spcBef>
+                          <a:spcPts val="0"/>
+                        </a:spcBef>
+                        <a:spcAft>
+                          <a:spcPts val="0"/>
+                        </a:spcAft>
+                      </a:pPr>
+                      <a:endParaRPr lang="ko-KR" altLang="en-US" sz="1200" dirty="0">
+                        <a:solidFill>
+                          <a:schemeClr val="tx1"/>
+                        </a:solidFill>
+                        <a:latin typeface="+mn-ea"/>
+                        <a:ea typeface="+mn-ea"/>
+                      </a:endParaRPr>
+                    </a:p>
+                  </a:txBody>
+                  <a:tcPr marL="66261" marR="66261" marT="33130" marB="33130" anchor="ctr">
+                    <a:lnL w="3556" cap="flat" cmpd="sng" algn="ctr">
+                      <a:solidFill>
+                        <a:srgbClr val="000000"/>
+                      </a:solidFill>
+                      <a:prstDash val="solid"/>
+                      <a:round/>
+                      <a:headEnd type="none" w="med" len="med"/>
+                      <a:tailEnd type="none" w="med" len="med"/>
+                    </a:lnL>
+                    <a:lnR w="3556" cap="flat" cmpd="sng" algn="ctr">
+                      <a:solidFill>
+                        <a:srgbClr val="000000"/>
+                      </a:solidFill>
+                      <a:prstDash val="solid"/>
+                      <a:round/>
+                      <a:headEnd type="none" w="med" len="med"/>
+                      <a:tailEnd type="none" w="med" len="med"/>
+                    </a:lnR>
+                    <a:lnT w="3556" cap="flat" cmpd="sng" algn="ctr">
+                      <a:solidFill>
+                        <a:srgbClr val="000000"/>
+                      </a:solidFill>
+                      <a:prstDash val="solid"/>
+                      <a:round/>
+                      <a:headEnd type="none" w="med" len="med"/>
+                      <a:tailEnd type="none" w="med" len="med"/>
+                    </a:lnT>
+                    <a:lnB w="3556" cap="flat" cmpd="sng" algn="ctr">
+                      <a:solidFill>
+                        <a:srgbClr val="000000"/>
+                      </a:solidFill>
+                      <a:prstDash val="solid"/>
+                      <a:round/>
+                      <a:headEnd type="none" w="med" len="med"/>
+                      <a:tailEnd type="none" w="med" len="med"/>
+                    </a:lnB>
+                    <a:solidFill>
+                      <a:schemeClr val="accent6">
+                        <a:lumMod val="75000"/>
+                      </a:schemeClr>
+                    </a:solidFill>
+                  </a:tcPr>
+                </a:tc>
+                <a:tc>
+                  <a:txBody>
+                    <a:bodyPr/>
+                    <a:lstStyle/>
+                    <a:p>
+                      <a:pPr marL="0" marR="0" algn="ctr">
+                        <a:lnSpc>
+                          <a:spcPct val="160000"/>
+                        </a:lnSpc>
+                        <a:spcBef>
+                          <a:spcPts val="0"/>
+                        </a:spcBef>
+                        <a:spcAft>
+                          <a:spcPts val="0"/>
+                        </a:spcAft>
+                      </a:pPr>
+                      <a:endParaRPr lang="ko-KR" altLang="en-US" sz="1200" dirty="0">
+                        <a:solidFill>
+                          <a:schemeClr val="tx1"/>
+                        </a:solidFill>
+                        <a:latin typeface="+mn-ea"/>
+                        <a:ea typeface="+mn-ea"/>
+                      </a:endParaRPr>
+                    </a:p>
+                  </a:txBody>
+                  <a:tcPr marL="66261" marR="66261" marT="33130" marB="33130" anchor="ctr">
+                    <a:lnL w="3556" cap="flat" cmpd="sng" algn="ctr">
+                      <a:solidFill>
+                        <a:srgbClr val="000000"/>
+                      </a:solidFill>
+                      <a:prstDash val="solid"/>
+                      <a:round/>
+                      <a:headEnd type="none" w="med" len="med"/>
+                      <a:tailEnd type="none" w="med" len="med"/>
+                    </a:lnL>
+                    <a:lnR w="3556" cap="flat" cmpd="sng" algn="ctr">
+                      <a:solidFill>
+                        <a:srgbClr val="000000"/>
+                      </a:solidFill>
+                      <a:prstDash val="solid"/>
+                      <a:round/>
+                      <a:headEnd type="none" w="med" len="med"/>
+                      <a:tailEnd type="none" w="med" len="med"/>
+                    </a:lnR>
+                    <a:lnT w="3556" cap="flat" cmpd="sng" algn="ctr">
+                      <a:solidFill>
+                        <a:srgbClr val="000000"/>
+                      </a:solidFill>
+                      <a:prstDash val="solid"/>
+                      <a:round/>
+                      <a:headEnd type="none" w="med" len="med"/>
+                      <a:tailEnd type="none" w="med" len="med"/>
+                    </a:lnT>
+                    <a:lnB w="3556" cap="flat" cmpd="sng" algn="ctr">
+                      <a:solidFill>
+                        <a:srgbClr val="000000"/>
+                      </a:solidFill>
+                      <a:prstDash val="solid"/>
+                      <a:round/>
+                      <a:headEnd type="none" w="med" len="med"/>
+                      <a:tailEnd type="none" w="med" len="med"/>
+                    </a:lnB>
+                    <a:solidFill>
+                      <a:schemeClr val="accent6">
+                        <a:lumMod val="75000"/>
+                      </a:schemeClr>
+                    </a:solidFill>
+                  </a:tcPr>
+                </a:tc>
+                <a:tc>
+                  <a:txBody>
+                    <a:bodyPr/>
+                    <a:lstStyle/>
+                    <a:p>
+                      <a:pPr marL="0" marR="0" algn="ctr">
+                        <a:lnSpc>
+                          <a:spcPct val="160000"/>
+                        </a:lnSpc>
+                        <a:spcBef>
+                          <a:spcPts val="0"/>
+                        </a:spcBef>
+                        <a:spcAft>
+                          <a:spcPts val="0"/>
+                        </a:spcAft>
+                      </a:pPr>
+                      <a:endParaRPr lang="ko-KR" altLang="en-US" sz="1200" dirty="0">
+                        <a:solidFill>
+                          <a:schemeClr val="tx1"/>
+                        </a:solidFill>
+                        <a:latin typeface="+mn-ea"/>
+                        <a:ea typeface="+mn-ea"/>
+                      </a:endParaRPr>
+                    </a:p>
+                  </a:txBody>
+                  <a:tcPr marL="66261" marR="66261" marT="33130" marB="33130" anchor="ctr">
+                    <a:lnL w="3556" cap="flat" cmpd="sng" algn="ctr">
+                      <a:solidFill>
+                        <a:srgbClr val="000000"/>
+                      </a:solidFill>
+                      <a:prstDash val="solid"/>
+                      <a:round/>
+                      <a:headEnd type="none" w="med" len="med"/>
+                      <a:tailEnd type="none" w="med" len="med"/>
+                    </a:lnL>
+                    <a:lnR w="3556" cap="flat" cmpd="sng" algn="ctr">
+                      <a:solidFill>
+                        <a:srgbClr val="000000"/>
+                      </a:solidFill>
+                      <a:prstDash val="solid"/>
+                      <a:round/>
+                      <a:headEnd type="none" w="med" len="med"/>
+                      <a:tailEnd type="none" w="med" len="med"/>
+                    </a:lnR>
+                    <a:lnT w="3556" cap="flat" cmpd="sng" algn="ctr">
+                      <a:solidFill>
+                        <a:srgbClr val="000000"/>
+                      </a:solidFill>
+                      <a:prstDash val="solid"/>
+                      <a:round/>
+                      <a:headEnd type="none" w="med" len="med"/>
+                      <a:tailEnd type="none" w="med" len="med"/>
+                    </a:lnT>
+                    <a:lnB w="3556" cap="flat" cmpd="sng" algn="ctr">
+                      <a:solidFill>
+                        <a:srgbClr val="000000"/>
+                      </a:solidFill>
+                      <a:prstDash val="solid"/>
+                      <a:round/>
+                      <a:headEnd type="none" w="med" len="med"/>
+                      <a:tailEnd type="none" w="med" len="med"/>
+                    </a:lnB>
+                  </a:tcPr>
+                </a:tc>
+                <a:tc>
+                  <a:txBody>
+                    <a:bodyPr/>
+                    <a:lstStyle/>
+                    <a:p>
+                      <a:pPr marL="0" marR="0" algn="ctr">
+                        <a:lnSpc>
+                          <a:spcPct val="160000"/>
+                        </a:lnSpc>
+                        <a:spcBef>
+                          <a:spcPts val="0"/>
+                        </a:spcBef>
+                        <a:spcAft>
+                          <a:spcPts val="0"/>
+                        </a:spcAft>
+                      </a:pPr>
+                      <a:endParaRPr lang="ko-KR" altLang="en-US" sz="1200" dirty="0">
+                        <a:solidFill>
+                          <a:schemeClr val="tx1"/>
+                        </a:solidFill>
+                        <a:latin typeface="+mn-ea"/>
+                        <a:ea typeface="+mn-ea"/>
+                      </a:endParaRPr>
+                    </a:p>
+                  </a:txBody>
+                  <a:tcPr marL="66261" marR="66261" marT="33130" marB="33130" anchor="ctr">
+                    <a:lnL w="3556" cap="flat" cmpd="sng" algn="ctr">
+                      <a:solidFill>
+                        <a:srgbClr val="000000"/>
+                      </a:solidFill>
+                      <a:prstDash val="solid"/>
+                      <a:round/>
+                      <a:headEnd type="none" w="med" len="med"/>
+                      <a:tailEnd type="none" w="med" len="med"/>
+                    </a:lnL>
+                    <a:lnR w="3556" cap="flat" cmpd="sng" algn="ctr">
+                      <a:solidFill>
+                        <a:srgbClr val="000000"/>
+                      </a:solidFill>
+                      <a:prstDash val="solid"/>
+                      <a:round/>
+                      <a:headEnd type="none" w="med" len="med"/>
+                      <a:tailEnd type="none" w="med" len="med"/>
+                    </a:lnR>
+                    <a:lnT w="3556" cap="flat" cmpd="sng" algn="ctr">
+                      <a:solidFill>
+                        <a:srgbClr val="000000"/>
+                      </a:solidFill>
+                      <a:prstDash val="solid"/>
+                      <a:round/>
+                      <a:headEnd type="none" w="med" len="med"/>
+                      <a:tailEnd type="none" w="med" len="med"/>
+                    </a:lnT>
+                    <a:lnB w="3556" cap="flat" cmpd="sng" algn="ctr">
+                      <a:solidFill>
+                        <a:srgbClr val="000000"/>
+                      </a:solidFill>
+                      <a:prstDash val="solid"/>
+                      <a:round/>
+                      <a:headEnd type="none" w="med" len="med"/>
+                      <a:tailEnd type="none" w="med" len="med"/>
+                    </a:lnB>
+                  </a:tcPr>
+                </a:tc>
+                <a:tc>
+                  <a:txBody>
+                    <a:bodyPr/>
+                    <a:lstStyle/>
+                    <a:p>
+                      <a:pPr marL="0" marR="0" algn="ctr">
+                        <a:lnSpc>
+                          <a:spcPct val="160000"/>
+                        </a:lnSpc>
+                        <a:spcBef>
+                          <a:spcPts val="0"/>
+                        </a:spcBef>
+                        <a:spcAft>
+                          <a:spcPts val="0"/>
+                        </a:spcAft>
+                      </a:pPr>
+                      <a:endParaRPr lang="ko-KR" altLang="en-US" sz="1200" dirty="0">
+                        <a:solidFill>
+                          <a:schemeClr val="tx1"/>
+                        </a:solidFill>
+                        <a:latin typeface="+mn-ea"/>
+                        <a:ea typeface="+mn-ea"/>
+                      </a:endParaRPr>
+                    </a:p>
+                  </a:txBody>
+                  <a:tcPr marL="66261" marR="66261" marT="33130" marB="33130" anchor="ctr">
+                    <a:lnL w="3556" cap="flat" cmpd="sng" algn="ctr">
+                      <a:solidFill>
+                        <a:srgbClr val="000000"/>
+                      </a:solidFill>
+                      <a:prstDash val="solid"/>
+                      <a:round/>
+                      <a:headEnd type="none" w="med" len="med"/>
+                      <a:tailEnd type="none" w="med" len="med"/>
+                    </a:lnL>
+                    <a:lnR w="3556" cap="flat" cmpd="sng" algn="ctr">
+                      <a:solidFill>
+                        <a:srgbClr val="000000"/>
+                      </a:solidFill>
+                      <a:prstDash val="solid"/>
+                      <a:round/>
+                      <a:headEnd type="none" w="med" len="med"/>
+                      <a:tailEnd type="none" w="med" len="med"/>
+                    </a:lnR>
+                    <a:lnT w="3556" cap="flat" cmpd="sng" algn="ctr">
+                      <a:solidFill>
+                        <a:srgbClr val="000000"/>
+                      </a:solidFill>
+                      <a:prstDash val="solid"/>
+                      <a:round/>
+                      <a:headEnd type="none" w="med" len="med"/>
+                      <a:tailEnd type="none" w="med" len="med"/>
+                    </a:lnT>
+                    <a:lnB w="3556" cap="flat" cmpd="sng" algn="ctr">
+                      <a:solidFill>
+                        <a:srgbClr val="000000"/>
+                      </a:solidFill>
+                      <a:prstDash val="solid"/>
+                      <a:round/>
+                      <a:headEnd type="none" w="med" len="med"/>
+                      <a:tailEnd type="none" w="med" len="med"/>
+                    </a:lnB>
+                  </a:tcPr>
+                </a:tc>
+                <a:tc>
+                  <a:txBody>
+                    <a:bodyPr/>
+                    <a:lstStyle/>
+                    <a:p>
+                      <a:pPr marL="0" marR="0" algn="ctr">
+                        <a:lnSpc>
+                          <a:spcPct val="160000"/>
+                        </a:lnSpc>
+                        <a:spcBef>
+                          <a:spcPts val="0"/>
+                        </a:spcBef>
+                        <a:spcAft>
+                          <a:spcPts val="0"/>
+                        </a:spcAft>
+                      </a:pPr>
+                      <a:endParaRPr lang="ko-KR" altLang="en-US" sz="1200" dirty="0">
+                        <a:solidFill>
+                          <a:schemeClr val="tx1"/>
+                        </a:solidFill>
+                        <a:latin typeface="+mn-ea"/>
+                        <a:ea typeface="+mn-ea"/>
+                      </a:endParaRPr>
+                    </a:p>
+                  </a:txBody>
+                  <a:tcPr marL="66261" marR="66261" marT="33130" marB="33130" anchor="ctr">
+                    <a:lnL w="3556" cap="flat" cmpd="sng" algn="ctr">
+                      <a:solidFill>
+                        <a:srgbClr val="000000"/>
+                      </a:solidFill>
+                      <a:prstDash val="solid"/>
+                      <a:round/>
+                      <a:headEnd type="none" w="med" len="med"/>
+                      <a:tailEnd type="none" w="med" len="med"/>
+                    </a:lnL>
+                    <a:lnR w="3556" cap="flat" cmpd="sng" algn="ctr">
+                      <a:solidFill>
+                        <a:srgbClr val="000000"/>
+                      </a:solidFill>
+                      <a:prstDash val="solid"/>
+                      <a:round/>
+                      <a:headEnd type="none" w="med" len="med"/>
+                      <a:tailEnd type="none" w="med" len="med"/>
+                    </a:lnR>
+                    <a:lnT w="3556" cap="flat" cmpd="sng" algn="ctr">
+                      <a:solidFill>
+                        <a:srgbClr val="000000"/>
+                      </a:solidFill>
+                      <a:prstDash val="solid"/>
+                      <a:round/>
+                      <a:headEnd type="none" w="med" len="med"/>
+                      <a:tailEnd type="none" w="med" len="med"/>
+                    </a:lnT>
+                    <a:lnB w="3556" cap="flat" cmpd="sng" algn="ctr">
+                      <a:solidFill>
+                        <a:srgbClr val="000000"/>
+                      </a:solidFill>
+                      <a:prstDash val="solid"/>
+                      <a:round/>
+                      <a:headEnd type="none" w="med" len="med"/>
+                      <a:tailEnd type="none" w="med" len="med"/>
+                    </a:lnB>
+                  </a:tcPr>
+                </a:tc>
+                <a:tc>
+                  <a:txBody>
+                    <a:bodyPr/>
+                    <a:lstStyle/>
+                    <a:p>
+                      <a:pPr marL="0" marR="0" algn="ctr">
+                        <a:lnSpc>
+                          <a:spcPct val="160000"/>
+                        </a:lnSpc>
+                        <a:spcBef>
+                          <a:spcPts val="0"/>
+                        </a:spcBef>
+                        <a:spcAft>
+                          <a:spcPts val="0"/>
+                        </a:spcAft>
+                      </a:pPr>
+                      <a:endParaRPr lang="ko-KR" altLang="en-US" sz="1200" dirty="0">
+                        <a:solidFill>
+                          <a:schemeClr val="tx1"/>
+                        </a:solidFill>
+                        <a:latin typeface="+mn-ea"/>
+                        <a:ea typeface="+mn-ea"/>
+                      </a:endParaRPr>
+                    </a:p>
+                  </a:txBody>
+                  <a:tcPr marL="66261" marR="66261" marT="33130" marB="33130" anchor="ctr">
+                    <a:lnL w="3556" cap="flat" cmpd="sng" algn="ctr">
+                      <a:solidFill>
+                        <a:srgbClr val="000000"/>
+                      </a:solidFill>
+                      <a:prstDash val="solid"/>
+                      <a:round/>
+                      <a:headEnd type="none" w="med" len="med"/>
+                      <a:tailEnd type="none" w="med" len="med"/>
+                    </a:lnL>
+                    <a:lnR w="3556" cap="flat" cmpd="sng" algn="ctr">
+                      <a:solidFill>
+                        <a:srgbClr val="000000"/>
+                      </a:solidFill>
+                      <a:prstDash val="solid"/>
+                      <a:round/>
+                      <a:headEnd type="none" w="med" len="med"/>
+                      <a:tailEnd type="none" w="med" len="med"/>
+                    </a:lnR>
+                    <a:lnT w="3556" cap="flat" cmpd="sng" algn="ctr">
+                      <a:solidFill>
+                        <a:srgbClr val="000000"/>
+                      </a:solidFill>
+                      <a:prstDash val="solid"/>
+                      <a:round/>
+                      <a:headEnd type="none" w="med" len="med"/>
+                      <a:tailEnd type="none" w="med" len="med"/>
+                    </a:lnT>
+                    <a:lnB w="3556" cap="flat" cmpd="sng" algn="ctr">
+                      <a:solidFill>
+                        <a:srgbClr val="000000"/>
+                      </a:solidFill>
+                      <a:prstDash val="solid"/>
+                      <a:round/>
+                      <a:headEnd type="none" w="med" len="med"/>
+                      <a:tailEnd type="none" w="med" len="med"/>
+                    </a:lnB>
+                  </a:tcPr>
+                </a:tc>
+                <a:tc>
+                  <a:txBody>
+                    <a:bodyPr/>
+                    <a:lstStyle/>
+                    <a:p>
+                      <a:pPr marL="0" marR="0" algn="ctr">
+                        <a:lnSpc>
+                          <a:spcPct val="160000"/>
+                        </a:lnSpc>
+                        <a:spcBef>
+                          <a:spcPts val="0"/>
+                        </a:spcBef>
+                        <a:spcAft>
+                          <a:spcPts val="0"/>
+                        </a:spcAft>
+                      </a:pPr>
+                      <a:endParaRPr lang="ko-KR" altLang="en-US" sz="1200" dirty="0">
+                        <a:solidFill>
+                          <a:schemeClr val="tx1"/>
+                        </a:solidFill>
+                        <a:latin typeface="+mn-ea"/>
+                        <a:ea typeface="+mn-ea"/>
+                      </a:endParaRPr>
+                    </a:p>
+                  </a:txBody>
+                  <a:tcPr marL="66261" marR="66261" marT="33130" marB="33130" anchor="ctr">
+                    <a:lnL w="3556" cap="flat" cmpd="sng" algn="ctr">
+                      <a:solidFill>
+                        <a:srgbClr val="000000"/>
+                      </a:solidFill>
+                      <a:prstDash val="solid"/>
+                      <a:round/>
+                      <a:headEnd type="none" w="med" len="med"/>
+                      <a:tailEnd type="none" w="med" len="med"/>
+                    </a:lnL>
+                    <a:lnR w="3556" cap="flat" cmpd="sng" algn="ctr">
+                      <a:solidFill>
+                        <a:srgbClr val="000000"/>
+                      </a:solidFill>
+                      <a:prstDash val="solid"/>
+                      <a:round/>
+                      <a:headEnd type="none" w="med" len="med"/>
+                      <a:tailEnd type="none" w="med" len="med"/>
+                    </a:lnR>
+                    <a:lnT w="3556" cap="flat" cmpd="sng" algn="ctr">
+                      <a:solidFill>
+                        <a:srgbClr val="000000"/>
+                      </a:solidFill>
+                      <a:prstDash val="solid"/>
+                      <a:round/>
+                      <a:headEnd type="none" w="med" len="med"/>
+                      <a:tailEnd type="none" w="med" len="med"/>
+                    </a:lnT>
+                    <a:lnB w="3556" cap="flat" cmpd="sng" algn="ctr">
+                      <a:solidFill>
+                        <a:srgbClr val="000000"/>
+                      </a:solidFill>
+                      <a:prstDash val="solid"/>
+                      <a:round/>
+                      <a:headEnd type="none" w="med" len="med"/>
+                      <a:tailEnd type="none" w="med" len="med"/>
+                    </a:lnB>
+                  </a:tcPr>
+                </a:tc>
+                <a:tc>
+                  <a:txBody>
+                    <a:bodyPr/>
+                    <a:lstStyle/>
+                    <a:p>
+                      <a:pPr marL="0" marR="0" algn="ctr">
+                        <a:lnSpc>
+                          <a:spcPct val="160000"/>
+                        </a:lnSpc>
+                        <a:spcBef>
+                          <a:spcPts val="0"/>
+                        </a:spcBef>
+                        <a:spcAft>
+                          <a:spcPts val="0"/>
+                        </a:spcAft>
+                      </a:pPr>
+                      <a:r>
+                        <a:rPr lang="en-US" altLang="ko-KR" sz="1200" dirty="0">
+                          <a:solidFill>
+                            <a:schemeClr val="tx1"/>
+                          </a:solidFill>
+                          <a:latin typeface="+mn-ea"/>
+                          <a:ea typeface="+mn-ea"/>
+                        </a:rPr>
+                        <a:t>UI</a:t>
+                      </a:r>
+                      <a:r>
+                        <a:rPr lang="ko-KR" altLang="en-US" sz="1200" dirty="0">
+                          <a:solidFill>
+                            <a:schemeClr val="tx1"/>
+                          </a:solidFill>
+                          <a:latin typeface="+mn-ea"/>
+                          <a:ea typeface="+mn-ea"/>
+                        </a:rPr>
+                        <a:t>설계 및 구현 </a:t>
+                      </a:r>
+                      <a:r>
+                        <a:rPr lang="en-US" altLang="ko-KR" sz="1200" dirty="0" err="1">
+                          <a:solidFill>
+                            <a:schemeClr val="tx1"/>
+                          </a:solidFill>
+                          <a:latin typeface="+mn-ea"/>
+                          <a:ea typeface="+mn-ea"/>
+                        </a:rPr>
+                        <a:t>Kinect</a:t>
+                      </a:r>
+                      <a:r>
+                        <a:rPr lang="en-US" altLang="ko-KR" sz="1200" dirty="0">
+                          <a:solidFill>
+                            <a:schemeClr val="tx1"/>
+                          </a:solidFill>
+                          <a:latin typeface="+mn-ea"/>
+                          <a:ea typeface="+mn-ea"/>
+                        </a:rPr>
+                        <a:t> </a:t>
+                      </a:r>
+                      <a:r>
+                        <a:rPr lang="ko-KR" altLang="en-US" sz="1200" dirty="0">
+                          <a:solidFill>
+                            <a:schemeClr val="tx1"/>
+                          </a:solidFill>
+                          <a:latin typeface="+mn-ea"/>
+                          <a:ea typeface="+mn-ea"/>
+                        </a:rPr>
+                        <a:t>영상 출력</a:t>
+                      </a:r>
+                    </a:p>
+                  </a:txBody>
+                  <a:tcPr marL="66261" marR="66261" marT="33130" marB="33130" anchor="ctr">
+                    <a:lnL w="3556" cap="flat" cmpd="sng" algn="ctr">
+                      <a:solidFill>
+                        <a:srgbClr val="000000"/>
+                      </a:solidFill>
+                      <a:prstDash val="solid"/>
+                      <a:round/>
+                      <a:headEnd type="none" w="med" len="med"/>
+                      <a:tailEnd type="none" w="med" len="med"/>
+                    </a:lnL>
+                    <a:lnR w="21590" cap="flat" cmpd="sng" algn="ctr">
+                      <a:solidFill>
+                        <a:srgbClr val="000000"/>
+                      </a:solidFill>
+                      <a:prstDash val="solid"/>
+                      <a:round/>
+                      <a:headEnd type="none" w="med" len="med"/>
+                      <a:tailEnd type="none" w="med" len="med"/>
+                    </a:lnR>
+                    <a:lnT w="3556" cap="flat" cmpd="sng" algn="ctr">
+                      <a:solidFill>
+                        <a:srgbClr val="000000"/>
+                      </a:solidFill>
+                      <a:prstDash val="solid"/>
+                      <a:round/>
+                      <a:headEnd type="none" w="med" len="med"/>
+                      <a:tailEnd type="none" w="med" len="med"/>
+                    </a:lnT>
+                    <a:lnB w="3556" cap="flat" cmpd="sng" algn="ctr">
+                      <a:solidFill>
+                        <a:srgbClr val="000000"/>
+                      </a:solidFill>
+                      <a:prstDash val="solid"/>
+                      <a:round/>
+                      <a:headEnd type="none" w="med" len="med"/>
+                      <a:tailEnd type="none" w="med" len="med"/>
+                    </a:lnB>
+                  </a:tcPr>
+                </a:tc>
+              </a:tr>
+              <a:tr h="589622">
+                <a:tc>
+                  <a:txBody>
+                    <a:bodyPr/>
+                    <a:lstStyle/>
+                    <a:p>
+                      <a:pPr marL="0" marR="0" algn="ctr">
+                        <a:lnSpc>
+                          <a:spcPct val="160000"/>
+                        </a:lnSpc>
+                        <a:spcBef>
+                          <a:spcPts val="0"/>
+                        </a:spcBef>
+                        <a:spcAft>
+                          <a:spcPts val="0"/>
+                        </a:spcAft>
+                      </a:pPr>
+                      <a:r>
+                        <a:rPr lang="en-US" sz="1200" b="1">
+                          <a:solidFill>
+                            <a:schemeClr val="tx1"/>
+                          </a:solidFill>
+                          <a:latin typeface="+mn-ea"/>
+                          <a:ea typeface="+mn-ea"/>
+                        </a:rPr>
+                        <a:t>3</a:t>
+                      </a:r>
+                      <a:endParaRPr lang="en-US" sz="1200">
+                        <a:solidFill>
+                          <a:schemeClr val="tx1"/>
+                        </a:solidFill>
+                        <a:latin typeface="+mn-ea"/>
+                        <a:ea typeface="+mn-ea"/>
+                      </a:endParaRPr>
+                    </a:p>
+                  </a:txBody>
+                  <a:tcPr marL="66261" marR="66261" marT="33130" marB="33130" anchor="ctr">
+                    <a:lnL w="21590" cap="flat" cmpd="sng" algn="ctr">
+                      <a:solidFill>
+                        <a:srgbClr val="000000"/>
+                      </a:solidFill>
+                      <a:prstDash val="solid"/>
+                      <a:round/>
+                      <a:headEnd type="none" w="med" len="med"/>
+                      <a:tailEnd type="none" w="med" len="med"/>
+                    </a:lnL>
+                    <a:lnR w="3556" cap="flat" cmpd="sng" algn="ctr">
+                      <a:solidFill>
+                        <a:srgbClr val="000000"/>
+                      </a:solidFill>
+                      <a:prstDash val="solid"/>
+                      <a:round/>
+                      <a:headEnd type="none" w="med" len="med"/>
+                      <a:tailEnd type="none" w="med" len="med"/>
+                    </a:lnR>
+                    <a:lnT w="3556" cap="flat" cmpd="sng" algn="ctr">
+                      <a:solidFill>
+                        <a:srgbClr val="000000"/>
+                      </a:solidFill>
+                      <a:prstDash val="solid"/>
+                      <a:round/>
+                      <a:headEnd type="none" w="med" len="med"/>
+                      <a:tailEnd type="none" w="med" len="med"/>
+                    </a:lnT>
+                    <a:lnB w="3556" cap="flat" cmpd="sng" algn="ctr">
+                      <a:solidFill>
+                        <a:srgbClr val="000000"/>
+                      </a:solidFill>
+                      <a:prstDash val="solid"/>
+                      <a:round/>
+                      <a:headEnd type="none" w="med" len="med"/>
+                      <a:tailEnd type="none" w="med" len="med"/>
+                    </a:lnB>
+                  </a:tcPr>
+                </a:tc>
+                <a:tc>
+                  <a:txBody>
+                    <a:bodyPr/>
+                    <a:lstStyle/>
+                    <a:p>
+                      <a:pPr marL="0" marR="0" algn="ctr">
+                        <a:lnSpc>
+                          <a:spcPct val="160000"/>
+                        </a:lnSpc>
+                        <a:spcBef>
+                          <a:spcPts val="0"/>
+                        </a:spcBef>
+                        <a:spcAft>
+                          <a:spcPts val="0"/>
+                        </a:spcAft>
+                      </a:pPr>
+                      <a:r>
+                        <a:rPr lang="en-US" sz="1200" b="1">
+                          <a:solidFill>
+                            <a:schemeClr val="tx1"/>
+                          </a:solidFill>
+                          <a:latin typeface="+mn-ea"/>
+                          <a:ea typeface="+mn-ea"/>
+                        </a:rPr>
+                        <a:t>Demo(ver.2.0)</a:t>
+                      </a:r>
+                      <a:endParaRPr lang="en-US" sz="1200">
+                        <a:solidFill>
+                          <a:schemeClr val="tx1"/>
+                        </a:solidFill>
+                        <a:latin typeface="+mn-ea"/>
+                        <a:ea typeface="+mn-ea"/>
+                      </a:endParaRPr>
+                    </a:p>
+                  </a:txBody>
+                  <a:tcPr marL="66261" marR="66261" marT="33130" marB="33130" anchor="ctr">
+                    <a:lnL w="3556" cap="flat" cmpd="sng" algn="ctr">
+                      <a:solidFill>
+                        <a:srgbClr val="000000"/>
+                      </a:solidFill>
+                      <a:prstDash val="solid"/>
+                      <a:round/>
+                      <a:headEnd type="none" w="med" len="med"/>
+                      <a:tailEnd type="none" w="med" len="med"/>
+                    </a:lnL>
+                    <a:lnR w="3556" cap="flat" cmpd="sng" algn="ctr">
+                      <a:solidFill>
+                        <a:srgbClr val="000000"/>
+                      </a:solidFill>
+                      <a:prstDash val="solid"/>
+                      <a:round/>
+                      <a:headEnd type="none" w="med" len="med"/>
+                      <a:tailEnd type="none" w="med" len="med"/>
+                    </a:lnR>
+                    <a:lnT w="3556" cap="flat" cmpd="sng" algn="ctr">
+                      <a:solidFill>
+                        <a:srgbClr val="000000"/>
+                      </a:solidFill>
+                      <a:prstDash val="solid"/>
+                      <a:round/>
+                      <a:headEnd type="none" w="med" len="med"/>
+                      <a:tailEnd type="none" w="med" len="med"/>
+                    </a:lnT>
+                    <a:lnB w="3556" cap="flat" cmpd="sng" algn="ctr">
+                      <a:solidFill>
+                        <a:srgbClr val="000000"/>
+                      </a:solidFill>
+                      <a:prstDash val="solid"/>
+                      <a:round/>
+                      <a:headEnd type="none" w="med" len="med"/>
+                      <a:tailEnd type="none" w="med" len="med"/>
+                    </a:lnB>
+                  </a:tcPr>
+                </a:tc>
+                <a:tc>
+                  <a:txBody>
+                    <a:bodyPr/>
+                    <a:lstStyle/>
+                    <a:p>
+                      <a:pPr marL="0" marR="0" algn="ctr">
+                        <a:lnSpc>
+                          <a:spcPct val="160000"/>
+                        </a:lnSpc>
+                        <a:spcBef>
+                          <a:spcPts val="0"/>
+                        </a:spcBef>
+                        <a:spcAft>
+                          <a:spcPts val="0"/>
+                        </a:spcAft>
+                      </a:pPr>
+                      <a:endParaRPr lang="ko-KR" altLang="en-US" sz="1200" dirty="0">
+                        <a:solidFill>
+                          <a:schemeClr val="tx1"/>
+                        </a:solidFill>
+                        <a:latin typeface="+mn-ea"/>
+                        <a:ea typeface="+mn-ea"/>
+                      </a:endParaRPr>
+                    </a:p>
+                  </a:txBody>
+                  <a:tcPr marL="66261" marR="66261" marT="33130" marB="33130" anchor="ctr">
+                    <a:lnL w="3556" cap="flat" cmpd="sng" algn="ctr">
+                      <a:solidFill>
+                        <a:srgbClr val="000000"/>
+                      </a:solidFill>
+                      <a:prstDash val="solid"/>
+                      <a:round/>
+                      <a:headEnd type="none" w="med" len="med"/>
+                      <a:tailEnd type="none" w="med" len="med"/>
+                    </a:lnL>
+                    <a:lnR w="3556" cap="flat" cmpd="sng" algn="ctr">
+                      <a:solidFill>
+                        <a:srgbClr val="000000"/>
+                      </a:solidFill>
+                      <a:prstDash val="solid"/>
+                      <a:round/>
+                      <a:headEnd type="none" w="med" len="med"/>
+                      <a:tailEnd type="none" w="med" len="med"/>
+                    </a:lnR>
+                    <a:lnT w="3556" cap="flat" cmpd="sng" algn="ctr">
+                      <a:solidFill>
+                        <a:srgbClr val="000000"/>
+                      </a:solidFill>
+                      <a:prstDash val="solid"/>
+                      <a:round/>
+                      <a:headEnd type="none" w="med" len="med"/>
+                      <a:tailEnd type="none" w="med" len="med"/>
+                    </a:lnT>
+                    <a:lnB w="3556" cap="flat" cmpd="sng" algn="ctr">
+                      <a:solidFill>
+                        <a:srgbClr val="000000"/>
+                      </a:solidFill>
+                      <a:prstDash val="solid"/>
+                      <a:round/>
+                      <a:headEnd type="none" w="med" len="med"/>
+                      <a:tailEnd type="none" w="med" len="med"/>
+                    </a:lnB>
+                  </a:tcPr>
+                </a:tc>
+                <a:tc>
+                  <a:txBody>
+                    <a:bodyPr/>
+                    <a:lstStyle/>
+                    <a:p>
+                      <a:pPr marL="0" marR="0" algn="ctr">
+                        <a:lnSpc>
+                          <a:spcPct val="160000"/>
+                        </a:lnSpc>
+                        <a:spcBef>
+                          <a:spcPts val="0"/>
+                        </a:spcBef>
+                        <a:spcAft>
+                          <a:spcPts val="0"/>
+                        </a:spcAft>
+                      </a:pPr>
+                      <a:endParaRPr lang="ko-KR" altLang="en-US" sz="1200">
+                        <a:solidFill>
+                          <a:schemeClr val="tx1"/>
+                        </a:solidFill>
+                        <a:latin typeface="+mn-ea"/>
+                        <a:ea typeface="+mn-ea"/>
+                      </a:endParaRPr>
+                    </a:p>
+                  </a:txBody>
+                  <a:tcPr marL="66261" marR="66261" marT="33130" marB="33130" anchor="ctr">
+                    <a:lnL w="3556" cap="flat" cmpd="sng" algn="ctr">
+                      <a:solidFill>
+                        <a:srgbClr val="000000"/>
+                      </a:solidFill>
+                      <a:prstDash val="solid"/>
+                      <a:round/>
+                      <a:headEnd type="none" w="med" len="med"/>
+                      <a:tailEnd type="none" w="med" len="med"/>
+                    </a:lnL>
+                    <a:lnR w="3556" cap="flat" cmpd="sng" algn="ctr">
+                      <a:solidFill>
+                        <a:srgbClr val="000000"/>
+                      </a:solidFill>
+                      <a:prstDash val="solid"/>
+                      <a:round/>
+                      <a:headEnd type="none" w="med" len="med"/>
+                      <a:tailEnd type="none" w="med" len="med"/>
+                    </a:lnR>
+                    <a:lnT w="3556" cap="flat" cmpd="sng" algn="ctr">
+                      <a:solidFill>
+                        <a:srgbClr val="000000"/>
+                      </a:solidFill>
+                      <a:prstDash val="solid"/>
+                      <a:round/>
+                      <a:headEnd type="none" w="med" len="med"/>
+                      <a:tailEnd type="none" w="med" len="med"/>
+                    </a:lnT>
+                    <a:lnB w="3556" cap="flat" cmpd="sng" algn="ctr">
+                      <a:solidFill>
+                        <a:srgbClr val="000000"/>
+                      </a:solidFill>
+                      <a:prstDash val="solid"/>
+                      <a:round/>
+                      <a:headEnd type="none" w="med" len="med"/>
+                      <a:tailEnd type="none" w="med" len="med"/>
+                    </a:lnB>
+                  </a:tcPr>
+                </a:tc>
+                <a:tc>
+                  <a:txBody>
+                    <a:bodyPr/>
+                    <a:lstStyle/>
+                    <a:p>
+                      <a:pPr marL="0" marR="0" algn="ctr">
+                        <a:lnSpc>
+                          <a:spcPct val="160000"/>
+                        </a:lnSpc>
+                        <a:spcBef>
+                          <a:spcPts val="0"/>
+                        </a:spcBef>
+                        <a:spcAft>
+                          <a:spcPts val="0"/>
+                        </a:spcAft>
+                      </a:pPr>
+                      <a:endParaRPr lang="ko-KR" altLang="en-US" sz="1200">
+                        <a:solidFill>
+                          <a:schemeClr val="tx1"/>
+                        </a:solidFill>
+                        <a:latin typeface="+mn-ea"/>
+                        <a:ea typeface="+mn-ea"/>
+                      </a:endParaRPr>
+                    </a:p>
+                  </a:txBody>
+                  <a:tcPr marL="66261" marR="66261" marT="33130" marB="33130" anchor="ctr">
+                    <a:lnL w="3556" cap="flat" cmpd="sng" algn="ctr">
+                      <a:solidFill>
+                        <a:srgbClr val="000000"/>
+                      </a:solidFill>
+                      <a:prstDash val="solid"/>
+                      <a:round/>
+                      <a:headEnd type="none" w="med" len="med"/>
+                      <a:tailEnd type="none" w="med" len="med"/>
+                    </a:lnL>
+                    <a:lnR w="3556" cap="flat" cmpd="sng" algn="ctr">
+                      <a:solidFill>
+                        <a:srgbClr val="000000"/>
+                      </a:solidFill>
+                      <a:prstDash val="solid"/>
+                      <a:round/>
+                      <a:headEnd type="none" w="med" len="med"/>
+                      <a:tailEnd type="none" w="med" len="med"/>
+                    </a:lnR>
+                    <a:lnT w="3556" cap="flat" cmpd="sng" algn="ctr">
+                      <a:solidFill>
+                        <a:srgbClr val="000000"/>
+                      </a:solidFill>
+                      <a:prstDash val="solid"/>
+                      <a:round/>
+                      <a:headEnd type="none" w="med" len="med"/>
+                      <a:tailEnd type="none" w="med" len="med"/>
+                    </a:lnT>
+                    <a:lnB w="3556" cap="flat" cmpd="sng" algn="ctr">
+                      <a:solidFill>
+                        <a:srgbClr val="000000"/>
+                      </a:solidFill>
+                      <a:prstDash val="solid"/>
+                      <a:round/>
+                      <a:headEnd type="none" w="med" len="med"/>
+                      <a:tailEnd type="none" w="med" len="med"/>
+                    </a:lnB>
+                    <a:solidFill>
+                      <a:srgbClr val="CCCCCC"/>
+                    </a:solidFill>
+                  </a:tcPr>
+                </a:tc>
+                <a:tc>
+                  <a:txBody>
+                    <a:bodyPr/>
+                    <a:lstStyle/>
+                    <a:p>
+                      <a:pPr marL="0" marR="0" algn="ctr">
+                        <a:lnSpc>
+                          <a:spcPct val="160000"/>
+                        </a:lnSpc>
+                        <a:spcBef>
+                          <a:spcPts val="0"/>
+                        </a:spcBef>
+                        <a:spcAft>
+                          <a:spcPts val="0"/>
+                        </a:spcAft>
+                      </a:pPr>
+                      <a:endParaRPr lang="ko-KR" altLang="en-US" sz="1200" dirty="0">
+                        <a:solidFill>
+                          <a:schemeClr val="tx1"/>
+                        </a:solidFill>
+                        <a:latin typeface="+mn-ea"/>
+                        <a:ea typeface="+mn-ea"/>
+                      </a:endParaRPr>
+                    </a:p>
+                  </a:txBody>
+                  <a:tcPr marL="66261" marR="66261" marT="33130" marB="33130" anchor="ctr">
+                    <a:lnL w="3556" cap="flat" cmpd="sng" algn="ctr">
+                      <a:solidFill>
+                        <a:srgbClr val="000000"/>
+                      </a:solidFill>
+                      <a:prstDash val="solid"/>
+                      <a:round/>
+                      <a:headEnd type="none" w="med" len="med"/>
+                      <a:tailEnd type="none" w="med" len="med"/>
+                    </a:lnL>
+                    <a:lnR w="3556" cap="flat" cmpd="sng" algn="ctr">
+                      <a:solidFill>
+                        <a:srgbClr val="000000"/>
+                      </a:solidFill>
+                      <a:prstDash val="solid"/>
+                      <a:round/>
+                      <a:headEnd type="none" w="med" len="med"/>
+                      <a:tailEnd type="none" w="med" len="med"/>
+                    </a:lnR>
+                    <a:lnT w="3556" cap="flat" cmpd="sng" algn="ctr">
+                      <a:solidFill>
+                        <a:srgbClr val="000000"/>
+                      </a:solidFill>
+                      <a:prstDash val="solid"/>
+                      <a:round/>
+                      <a:headEnd type="none" w="med" len="med"/>
+                      <a:tailEnd type="none" w="med" len="med"/>
+                    </a:lnT>
+                    <a:lnB w="3556" cap="flat" cmpd="sng" algn="ctr">
+                      <a:solidFill>
+                        <a:srgbClr val="000000"/>
+                      </a:solidFill>
+                      <a:prstDash val="solid"/>
+                      <a:round/>
+                      <a:headEnd type="none" w="med" len="med"/>
+                      <a:tailEnd type="none" w="med" len="med"/>
+                    </a:lnB>
+                    <a:solidFill>
+                      <a:srgbClr val="CCCCCC"/>
+                    </a:solidFill>
+                  </a:tcPr>
+                </a:tc>
+                <a:tc>
+                  <a:txBody>
+                    <a:bodyPr/>
+                    <a:lstStyle/>
+                    <a:p>
+                      <a:pPr marL="0" marR="0" algn="ctr">
+                        <a:lnSpc>
+                          <a:spcPct val="160000"/>
+                        </a:lnSpc>
+                        <a:spcBef>
+                          <a:spcPts val="0"/>
+                        </a:spcBef>
+                        <a:spcAft>
+                          <a:spcPts val="0"/>
+                        </a:spcAft>
+                      </a:pPr>
+                      <a:endParaRPr lang="ko-KR" altLang="en-US" sz="1200">
+                        <a:solidFill>
+                          <a:schemeClr val="tx1"/>
+                        </a:solidFill>
+                        <a:latin typeface="+mn-ea"/>
+                        <a:ea typeface="+mn-ea"/>
+                      </a:endParaRPr>
+                    </a:p>
+                  </a:txBody>
+                  <a:tcPr marL="66261" marR="66261" marT="33130" marB="33130" anchor="ctr">
+                    <a:lnL w="3556" cap="flat" cmpd="sng" algn="ctr">
+                      <a:solidFill>
+                        <a:srgbClr val="000000"/>
+                      </a:solidFill>
+                      <a:prstDash val="solid"/>
+                      <a:round/>
+                      <a:headEnd type="none" w="med" len="med"/>
+                      <a:tailEnd type="none" w="med" len="med"/>
+                    </a:lnL>
+                    <a:lnR w="3556" cap="flat" cmpd="sng" algn="ctr">
+                      <a:solidFill>
+                        <a:srgbClr val="000000"/>
+                      </a:solidFill>
+                      <a:prstDash val="solid"/>
+                      <a:round/>
+                      <a:headEnd type="none" w="med" len="med"/>
+                      <a:tailEnd type="none" w="med" len="med"/>
+                    </a:lnR>
+                    <a:lnT w="3556" cap="flat" cmpd="sng" algn="ctr">
+                      <a:solidFill>
+                        <a:srgbClr val="000000"/>
+                      </a:solidFill>
+                      <a:prstDash val="solid"/>
+                      <a:round/>
+                      <a:headEnd type="none" w="med" len="med"/>
+                      <a:tailEnd type="none" w="med" len="med"/>
+                    </a:lnT>
+                    <a:lnB w="3556" cap="flat" cmpd="sng" algn="ctr">
+                      <a:solidFill>
+                        <a:srgbClr val="000000"/>
+                      </a:solidFill>
+                      <a:prstDash val="solid"/>
+                      <a:round/>
+                      <a:headEnd type="none" w="med" len="med"/>
+                      <a:tailEnd type="none" w="med" len="med"/>
+                    </a:lnB>
+                  </a:tcPr>
+                </a:tc>
+                <a:tc>
+                  <a:txBody>
+                    <a:bodyPr/>
+                    <a:lstStyle/>
+                    <a:p>
+                      <a:pPr marL="0" marR="0" algn="ctr">
+                        <a:lnSpc>
+                          <a:spcPct val="160000"/>
+                        </a:lnSpc>
+                        <a:spcBef>
+                          <a:spcPts val="0"/>
+                        </a:spcBef>
+                        <a:spcAft>
+                          <a:spcPts val="0"/>
+                        </a:spcAft>
+                      </a:pPr>
+                      <a:endParaRPr lang="ko-KR" altLang="en-US" sz="1200" dirty="0">
+                        <a:solidFill>
+                          <a:schemeClr val="tx1"/>
+                        </a:solidFill>
+                        <a:latin typeface="+mn-ea"/>
+                        <a:ea typeface="+mn-ea"/>
+                      </a:endParaRPr>
+                    </a:p>
+                  </a:txBody>
+                  <a:tcPr marL="66261" marR="66261" marT="33130" marB="33130" anchor="ctr">
+                    <a:lnL w="3556" cap="flat" cmpd="sng" algn="ctr">
+                      <a:solidFill>
+                        <a:srgbClr val="000000"/>
+                      </a:solidFill>
+                      <a:prstDash val="solid"/>
+                      <a:round/>
+                      <a:headEnd type="none" w="med" len="med"/>
+                      <a:tailEnd type="none" w="med" len="med"/>
+                    </a:lnL>
+                    <a:lnR w="3556" cap="flat" cmpd="sng" algn="ctr">
+                      <a:solidFill>
+                        <a:srgbClr val="000000"/>
+                      </a:solidFill>
+                      <a:prstDash val="solid"/>
+                      <a:round/>
+                      <a:headEnd type="none" w="med" len="med"/>
+                      <a:tailEnd type="none" w="med" len="med"/>
+                    </a:lnR>
+                    <a:lnT w="3556" cap="flat" cmpd="sng" algn="ctr">
+                      <a:solidFill>
+                        <a:srgbClr val="000000"/>
+                      </a:solidFill>
+                      <a:prstDash val="solid"/>
+                      <a:round/>
+                      <a:headEnd type="none" w="med" len="med"/>
+                      <a:tailEnd type="none" w="med" len="med"/>
+                    </a:lnT>
+                    <a:lnB w="3556" cap="flat" cmpd="sng" algn="ctr">
+                      <a:solidFill>
+                        <a:srgbClr val="000000"/>
+                      </a:solidFill>
+                      <a:prstDash val="solid"/>
+                      <a:round/>
+                      <a:headEnd type="none" w="med" len="med"/>
+                      <a:tailEnd type="none" w="med" len="med"/>
+                    </a:lnB>
+                  </a:tcPr>
+                </a:tc>
+                <a:tc>
+                  <a:txBody>
+                    <a:bodyPr/>
+                    <a:lstStyle/>
+                    <a:p>
+                      <a:pPr marL="0" marR="0" algn="ctr">
+                        <a:lnSpc>
+                          <a:spcPct val="160000"/>
+                        </a:lnSpc>
+                        <a:spcBef>
+                          <a:spcPts val="0"/>
+                        </a:spcBef>
+                        <a:spcAft>
+                          <a:spcPts val="0"/>
+                        </a:spcAft>
+                      </a:pPr>
+                      <a:endParaRPr lang="ko-KR" altLang="en-US" sz="1200" dirty="0">
+                        <a:solidFill>
+                          <a:schemeClr val="tx1"/>
+                        </a:solidFill>
+                        <a:latin typeface="+mn-ea"/>
+                        <a:ea typeface="+mn-ea"/>
+                      </a:endParaRPr>
+                    </a:p>
+                  </a:txBody>
+                  <a:tcPr marL="66261" marR="66261" marT="33130" marB="33130" anchor="ctr">
+                    <a:lnL w="3556" cap="flat" cmpd="sng" algn="ctr">
+                      <a:solidFill>
+                        <a:srgbClr val="000000"/>
+                      </a:solidFill>
+                      <a:prstDash val="solid"/>
+                      <a:round/>
+                      <a:headEnd type="none" w="med" len="med"/>
+                      <a:tailEnd type="none" w="med" len="med"/>
+                    </a:lnL>
+                    <a:lnR w="3556" cap="flat" cmpd="sng" algn="ctr">
+                      <a:solidFill>
+                        <a:srgbClr val="000000"/>
+                      </a:solidFill>
+                      <a:prstDash val="solid"/>
+                      <a:round/>
+                      <a:headEnd type="none" w="med" len="med"/>
+                      <a:tailEnd type="none" w="med" len="med"/>
+                    </a:lnR>
+                    <a:lnT w="3556" cap="flat" cmpd="sng" algn="ctr">
+                      <a:solidFill>
+                        <a:srgbClr val="000000"/>
+                      </a:solidFill>
+                      <a:prstDash val="solid"/>
+                      <a:round/>
+                      <a:headEnd type="none" w="med" len="med"/>
+                      <a:tailEnd type="none" w="med" len="med"/>
+                    </a:lnT>
+                    <a:lnB w="3556" cap="flat" cmpd="sng" algn="ctr">
+                      <a:solidFill>
+                        <a:srgbClr val="000000"/>
+                      </a:solidFill>
+                      <a:prstDash val="solid"/>
+                      <a:round/>
+                      <a:headEnd type="none" w="med" len="med"/>
+                      <a:tailEnd type="none" w="med" len="med"/>
+                    </a:lnB>
+                  </a:tcPr>
+                </a:tc>
+                <a:tc>
+                  <a:txBody>
+                    <a:bodyPr/>
+                    <a:lstStyle/>
+                    <a:p>
+                      <a:pPr marL="0" marR="0" algn="ctr">
+                        <a:lnSpc>
+                          <a:spcPct val="160000"/>
+                        </a:lnSpc>
+                        <a:spcBef>
+                          <a:spcPts val="0"/>
+                        </a:spcBef>
+                        <a:spcAft>
+                          <a:spcPts val="0"/>
+                        </a:spcAft>
+                      </a:pPr>
+                      <a:endParaRPr lang="ko-KR" altLang="en-US" sz="1200" dirty="0">
+                        <a:solidFill>
+                          <a:schemeClr val="tx1"/>
+                        </a:solidFill>
+                        <a:latin typeface="+mn-ea"/>
+                        <a:ea typeface="+mn-ea"/>
+                      </a:endParaRPr>
+                    </a:p>
+                  </a:txBody>
+                  <a:tcPr marL="66261" marR="66261" marT="33130" marB="33130" anchor="ctr">
+                    <a:lnL w="3556" cap="flat" cmpd="sng" algn="ctr">
+                      <a:solidFill>
+                        <a:srgbClr val="000000"/>
+                      </a:solidFill>
+                      <a:prstDash val="solid"/>
+                      <a:round/>
+                      <a:headEnd type="none" w="med" len="med"/>
+                      <a:tailEnd type="none" w="med" len="med"/>
+                    </a:lnL>
+                    <a:lnR w="3556" cap="flat" cmpd="sng" algn="ctr">
+                      <a:solidFill>
+                        <a:srgbClr val="000000"/>
+                      </a:solidFill>
+                      <a:prstDash val="solid"/>
+                      <a:round/>
+                      <a:headEnd type="none" w="med" len="med"/>
+                      <a:tailEnd type="none" w="med" len="med"/>
+                    </a:lnR>
+                    <a:lnT w="3556" cap="flat" cmpd="sng" algn="ctr">
+                      <a:solidFill>
+                        <a:srgbClr val="000000"/>
+                      </a:solidFill>
+                      <a:prstDash val="solid"/>
+                      <a:round/>
+                      <a:headEnd type="none" w="med" len="med"/>
+                      <a:tailEnd type="none" w="med" len="med"/>
+                    </a:lnT>
+                    <a:lnB w="3556" cap="flat" cmpd="sng" algn="ctr">
+                      <a:solidFill>
+                        <a:srgbClr val="000000"/>
+                      </a:solidFill>
+                      <a:prstDash val="solid"/>
+                      <a:round/>
+                      <a:headEnd type="none" w="med" len="med"/>
+                      <a:tailEnd type="none" w="med" len="med"/>
+                    </a:lnB>
+                  </a:tcPr>
+                </a:tc>
+                <a:tc>
+                  <a:txBody>
+                    <a:bodyPr/>
+                    <a:lstStyle/>
+                    <a:p>
+                      <a:pPr marL="0" marR="0" algn="ctr">
+                        <a:lnSpc>
+                          <a:spcPct val="160000"/>
+                        </a:lnSpc>
+                        <a:spcBef>
+                          <a:spcPts val="0"/>
+                        </a:spcBef>
+                        <a:spcAft>
+                          <a:spcPts val="0"/>
+                        </a:spcAft>
+                      </a:pPr>
+                      <a:endParaRPr lang="ko-KR" altLang="en-US" sz="1200" dirty="0">
+                        <a:solidFill>
+                          <a:schemeClr val="tx1"/>
+                        </a:solidFill>
+                        <a:latin typeface="+mn-ea"/>
+                        <a:ea typeface="+mn-ea"/>
+                      </a:endParaRPr>
+                    </a:p>
+                  </a:txBody>
+                  <a:tcPr marL="66261" marR="66261" marT="33130" marB="33130" anchor="ctr">
+                    <a:lnL w="3556" cap="flat" cmpd="sng" algn="ctr">
+                      <a:solidFill>
+                        <a:srgbClr val="000000"/>
+                      </a:solidFill>
+                      <a:prstDash val="solid"/>
+                      <a:round/>
+                      <a:headEnd type="none" w="med" len="med"/>
+                      <a:tailEnd type="none" w="med" len="med"/>
+                    </a:lnL>
+                    <a:lnR w="3556" cap="flat" cmpd="sng" algn="ctr">
+                      <a:solidFill>
+                        <a:srgbClr val="000000"/>
+                      </a:solidFill>
+                      <a:prstDash val="solid"/>
+                      <a:round/>
+                      <a:headEnd type="none" w="med" len="med"/>
+                      <a:tailEnd type="none" w="med" len="med"/>
+                    </a:lnR>
+                    <a:lnT w="3556" cap="flat" cmpd="sng" algn="ctr">
+                      <a:solidFill>
+                        <a:srgbClr val="000000"/>
+                      </a:solidFill>
+                      <a:prstDash val="solid"/>
+                      <a:round/>
+                      <a:headEnd type="none" w="med" len="med"/>
+                      <a:tailEnd type="none" w="med" len="med"/>
+                    </a:lnT>
+                    <a:lnB w="3556" cap="flat" cmpd="sng" algn="ctr">
+                      <a:solidFill>
+                        <a:srgbClr val="000000"/>
+                      </a:solidFill>
+                      <a:prstDash val="solid"/>
+                      <a:round/>
+                      <a:headEnd type="none" w="med" len="med"/>
+                      <a:tailEnd type="none" w="med" len="med"/>
+                    </a:lnB>
+                  </a:tcPr>
+                </a:tc>
+                <a:tc>
+                  <a:txBody>
+                    <a:bodyPr/>
+                    <a:lstStyle/>
+                    <a:p>
+                      <a:pPr marL="0" marR="0" algn="ctr">
+                        <a:lnSpc>
+                          <a:spcPct val="160000"/>
+                        </a:lnSpc>
+                        <a:spcBef>
+                          <a:spcPts val="0"/>
+                        </a:spcBef>
+                        <a:spcAft>
+                          <a:spcPts val="0"/>
+                        </a:spcAft>
+                      </a:pPr>
+                      <a:endParaRPr lang="ko-KR" altLang="en-US" sz="1200" dirty="0">
+                        <a:solidFill>
+                          <a:schemeClr val="tx1"/>
+                        </a:solidFill>
+                        <a:latin typeface="+mn-ea"/>
+                        <a:ea typeface="+mn-ea"/>
+                      </a:endParaRPr>
+                    </a:p>
+                  </a:txBody>
+                  <a:tcPr marL="66261" marR="66261" marT="33130" marB="33130" anchor="ctr">
+                    <a:lnL w="3556" cap="flat" cmpd="sng" algn="ctr">
+                      <a:solidFill>
+                        <a:srgbClr val="000000"/>
+                      </a:solidFill>
+                      <a:prstDash val="solid"/>
+                      <a:round/>
+                      <a:headEnd type="none" w="med" len="med"/>
+                      <a:tailEnd type="none" w="med" len="med"/>
+                    </a:lnL>
+                    <a:lnR w="3556" cap="flat" cmpd="sng" algn="ctr">
+                      <a:solidFill>
+                        <a:srgbClr val="000000"/>
+                      </a:solidFill>
+                      <a:prstDash val="solid"/>
+                      <a:round/>
+                      <a:headEnd type="none" w="med" len="med"/>
+                      <a:tailEnd type="none" w="med" len="med"/>
+                    </a:lnR>
+                    <a:lnT w="3556" cap="flat" cmpd="sng" algn="ctr">
+                      <a:solidFill>
+                        <a:srgbClr val="000000"/>
+                      </a:solidFill>
+                      <a:prstDash val="solid"/>
+                      <a:round/>
+                      <a:headEnd type="none" w="med" len="med"/>
+                      <a:tailEnd type="none" w="med" len="med"/>
+                    </a:lnT>
+                    <a:lnB w="3556" cap="flat" cmpd="sng" algn="ctr">
+                      <a:solidFill>
+                        <a:srgbClr val="000000"/>
+                      </a:solidFill>
+                      <a:prstDash val="solid"/>
+                      <a:round/>
+                      <a:headEnd type="none" w="med" len="med"/>
+                      <a:tailEnd type="none" w="med" len="med"/>
+                    </a:lnB>
+                  </a:tcPr>
+                </a:tc>
+                <a:tc>
+                  <a:txBody>
+                    <a:bodyPr/>
+                    <a:lstStyle/>
+                    <a:p>
+                      <a:pPr marL="0" marR="0" algn="ctr">
+                        <a:lnSpc>
+                          <a:spcPct val="160000"/>
+                        </a:lnSpc>
+                        <a:spcBef>
+                          <a:spcPts val="0"/>
+                        </a:spcBef>
+                        <a:spcAft>
+                          <a:spcPts val="0"/>
+                        </a:spcAft>
+                      </a:pPr>
+                      <a:endParaRPr lang="ko-KR" altLang="en-US" sz="1200" dirty="0">
+                        <a:solidFill>
+                          <a:schemeClr val="tx1"/>
+                        </a:solidFill>
+                        <a:latin typeface="+mn-ea"/>
+                        <a:ea typeface="+mn-ea"/>
+                      </a:endParaRPr>
+                    </a:p>
+                  </a:txBody>
+                  <a:tcPr marL="66261" marR="66261" marT="33130" marB="33130" anchor="ctr">
+                    <a:lnL w="3556" cap="flat" cmpd="sng" algn="ctr">
+                      <a:solidFill>
+                        <a:srgbClr val="000000"/>
+                      </a:solidFill>
+                      <a:prstDash val="solid"/>
+                      <a:round/>
+                      <a:headEnd type="none" w="med" len="med"/>
+                      <a:tailEnd type="none" w="med" len="med"/>
+                    </a:lnL>
+                    <a:lnR w="3556" cap="flat" cmpd="sng" algn="ctr">
+                      <a:solidFill>
+                        <a:srgbClr val="000000"/>
+                      </a:solidFill>
+                      <a:prstDash val="solid"/>
+                      <a:round/>
+                      <a:headEnd type="none" w="med" len="med"/>
+                      <a:tailEnd type="none" w="med" len="med"/>
+                    </a:lnR>
+                    <a:lnT w="3556" cap="flat" cmpd="sng" algn="ctr">
+                      <a:solidFill>
+                        <a:srgbClr val="000000"/>
+                      </a:solidFill>
+                      <a:prstDash val="solid"/>
+                      <a:round/>
+                      <a:headEnd type="none" w="med" len="med"/>
+                      <a:tailEnd type="none" w="med" len="med"/>
+                    </a:lnT>
+                    <a:lnB w="3556" cap="flat" cmpd="sng" algn="ctr">
+                      <a:solidFill>
+                        <a:srgbClr val="000000"/>
+                      </a:solidFill>
+                      <a:prstDash val="solid"/>
+                      <a:round/>
+                      <a:headEnd type="none" w="med" len="med"/>
+                      <a:tailEnd type="none" w="med" len="med"/>
+                    </a:lnB>
+                  </a:tcPr>
+                </a:tc>
+                <a:tc>
+                  <a:txBody>
+                    <a:bodyPr/>
+                    <a:lstStyle/>
+                    <a:p>
+                      <a:pPr marL="0" marR="0" algn="ctr">
+                        <a:lnSpc>
+                          <a:spcPct val="160000"/>
+                        </a:lnSpc>
+                        <a:spcBef>
+                          <a:spcPts val="0"/>
+                        </a:spcBef>
+                        <a:spcAft>
+                          <a:spcPts val="0"/>
+                        </a:spcAft>
+                      </a:pPr>
+                      <a:endParaRPr lang="ko-KR" altLang="en-US" sz="1200" dirty="0">
+                        <a:solidFill>
+                          <a:schemeClr val="tx1"/>
+                        </a:solidFill>
+                        <a:latin typeface="+mn-ea"/>
+                        <a:ea typeface="+mn-ea"/>
+                      </a:endParaRPr>
+                    </a:p>
+                  </a:txBody>
+                  <a:tcPr marL="66261" marR="66261" marT="33130" marB="33130" anchor="ctr">
+                    <a:lnL w="3556" cap="flat" cmpd="sng" algn="ctr">
+                      <a:solidFill>
+                        <a:srgbClr val="000000"/>
+                      </a:solidFill>
+                      <a:prstDash val="solid"/>
+                      <a:round/>
+                      <a:headEnd type="none" w="med" len="med"/>
+                      <a:tailEnd type="none" w="med" len="med"/>
+                    </a:lnL>
+                    <a:lnR w="3556" cap="flat" cmpd="sng" algn="ctr">
+                      <a:solidFill>
+                        <a:srgbClr val="000000"/>
+                      </a:solidFill>
+                      <a:prstDash val="solid"/>
+                      <a:round/>
+                      <a:headEnd type="none" w="med" len="med"/>
+                      <a:tailEnd type="none" w="med" len="med"/>
+                    </a:lnR>
+                    <a:lnT w="3556" cap="flat" cmpd="sng" algn="ctr">
+                      <a:solidFill>
+                        <a:srgbClr val="000000"/>
+                      </a:solidFill>
+                      <a:prstDash val="solid"/>
+                      <a:round/>
+                      <a:headEnd type="none" w="med" len="med"/>
+                      <a:tailEnd type="none" w="med" len="med"/>
+                    </a:lnT>
+                    <a:lnB w="3556" cap="flat" cmpd="sng" algn="ctr">
+                      <a:solidFill>
+                        <a:srgbClr val="000000"/>
+                      </a:solidFill>
+                      <a:prstDash val="solid"/>
+                      <a:round/>
+                      <a:headEnd type="none" w="med" len="med"/>
+                      <a:tailEnd type="none" w="med" len="med"/>
+                    </a:lnB>
+                  </a:tcPr>
+                </a:tc>
+                <a:tc>
+                  <a:txBody>
+                    <a:bodyPr/>
+                    <a:lstStyle/>
+                    <a:p>
+                      <a:pPr marL="0" marR="0" algn="ctr">
+                        <a:lnSpc>
+                          <a:spcPct val="160000"/>
+                        </a:lnSpc>
+                        <a:spcBef>
+                          <a:spcPts val="0"/>
+                        </a:spcBef>
+                        <a:spcAft>
+                          <a:spcPts val="0"/>
+                        </a:spcAft>
+                      </a:pPr>
+                      <a:r>
+                        <a:rPr lang="ko-KR" altLang="en-US" sz="1200" dirty="0">
+                          <a:solidFill>
+                            <a:schemeClr val="tx1"/>
+                          </a:solidFill>
+                          <a:latin typeface="+mn-ea"/>
+                          <a:ea typeface="+mn-ea"/>
+                        </a:rPr>
+                        <a:t>손 위치 </a:t>
+                      </a:r>
+                    </a:p>
+                    <a:p>
+                      <a:pPr marL="0" marR="0" algn="ctr">
+                        <a:lnSpc>
+                          <a:spcPct val="160000"/>
+                        </a:lnSpc>
+                        <a:spcBef>
+                          <a:spcPts val="0"/>
+                        </a:spcBef>
+                        <a:spcAft>
+                          <a:spcPts val="0"/>
+                        </a:spcAft>
+                      </a:pPr>
+                      <a:r>
+                        <a:rPr lang="ko-KR" altLang="en-US" sz="1200" dirty="0">
+                          <a:solidFill>
+                            <a:schemeClr val="tx1"/>
+                          </a:solidFill>
+                          <a:latin typeface="+mn-ea"/>
+                          <a:ea typeface="+mn-ea"/>
+                        </a:rPr>
+                        <a:t>및 손가락 </a:t>
+                      </a:r>
+                      <a:r>
+                        <a:rPr lang="ko-KR" altLang="en-US" sz="1200" dirty="0" smtClean="0">
+                          <a:solidFill>
+                            <a:schemeClr val="tx1"/>
+                          </a:solidFill>
+                          <a:latin typeface="+mn-ea"/>
+                          <a:ea typeface="+mn-ea"/>
+                        </a:rPr>
+                        <a:t>인식 </a:t>
+                      </a:r>
+                      <a:r>
+                        <a:rPr lang="en-US" altLang="ko-KR" sz="1200" dirty="0" smtClean="0">
+                          <a:solidFill>
+                            <a:schemeClr val="tx1"/>
+                          </a:solidFill>
+                          <a:latin typeface="+mn-ea"/>
+                          <a:ea typeface="+mn-ea"/>
+                        </a:rPr>
+                        <a:t>- </a:t>
+                      </a:r>
+                      <a:r>
+                        <a:rPr lang="ko-KR" altLang="en-US" sz="1200" dirty="0" smtClean="0">
+                          <a:solidFill>
+                            <a:schemeClr val="tx1"/>
+                          </a:solidFill>
+                          <a:latin typeface="+mn-ea"/>
+                          <a:ea typeface="+mn-ea"/>
+                        </a:rPr>
+                        <a:t>거의 완료</a:t>
+                      </a:r>
+                      <a:endParaRPr lang="ko-KR" altLang="en-US" sz="1200" dirty="0">
+                        <a:solidFill>
+                          <a:schemeClr val="tx1"/>
+                        </a:solidFill>
+                        <a:latin typeface="+mn-ea"/>
+                        <a:ea typeface="+mn-ea"/>
+                      </a:endParaRPr>
+                    </a:p>
+                  </a:txBody>
+                  <a:tcPr marL="66261" marR="66261" marT="33130" marB="33130" anchor="ctr">
+                    <a:lnL w="3556" cap="flat" cmpd="sng" algn="ctr">
+                      <a:solidFill>
+                        <a:srgbClr val="000000"/>
+                      </a:solidFill>
+                      <a:prstDash val="solid"/>
+                      <a:round/>
+                      <a:headEnd type="none" w="med" len="med"/>
+                      <a:tailEnd type="none" w="med" len="med"/>
+                    </a:lnL>
+                    <a:lnR w="21590" cap="flat" cmpd="sng" algn="ctr">
+                      <a:solidFill>
+                        <a:srgbClr val="000000"/>
+                      </a:solidFill>
+                      <a:prstDash val="solid"/>
+                      <a:round/>
+                      <a:headEnd type="none" w="med" len="med"/>
+                      <a:tailEnd type="none" w="med" len="med"/>
+                    </a:lnR>
+                    <a:lnT w="3556" cap="flat" cmpd="sng" algn="ctr">
+                      <a:solidFill>
+                        <a:srgbClr val="000000"/>
+                      </a:solidFill>
+                      <a:prstDash val="solid"/>
+                      <a:round/>
+                      <a:headEnd type="none" w="med" len="med"/>
+                      <a:tailEnd type="none" w="med" len="med"/>
+                    </a:lnT>
+                    <a:lnB w="3556" cap="flat" cmpd="sng" algn="ctr">
+                      <a:solidFill>
+                        <a:srgbClr val="000000"/>
+                      </a:solidFill>
+                      <a:prstDash val="solid"/>
+                      <a:round/>
+                      <a:headEnd type="none" w="med" len="med"/>
+                      <a:tailEnd type="none" w="med" len="med"/>
+                    </a:lnB>
+                  </a:tcPr>
+                </a:tc>
+              </a:tr>
+              <a:tr h="324795">
+                <a:tc>
+                  <a:txBody>
+                    <a:bodyPr/>
+                    <a:lstStyle/>
+                    <a:p>
+                      <a:pPr marL="0" marR="0" algn="ctr">
+                        <a:lnSpc>
+                          <a:spcPct val="160000"/>
+                        </a:lnSpc>
+                        <a:spcBef>
+                          <a:spcPts val="0"/>
+                        </a:spcBef>
+                        <a:spcAft>
+                          <a:spcPts val="0"/>
+                        </a:spcAft>
+                      </a:pPr>
+                      <a:r>
+                        <a:rPr lang="en-US" sz="1200" b="1">
+                          <a:solidFill>
+                            <a:schemeClr val="tx1"/>
+                          </a:solidFill>
+                          <a:latin typeface="+mn-ea"/>
+                          <a:ea typeface="+mn-ea"/>
+                        </a:rPr>
+                        <a:t>4</a:t>
+                      </a:r>
+                      <a:endParaRPr lang="en-US" sz="1200">
+                        <a:solidFill>
+                          <a:schemeClr val="tx1"/>
+                        </a:solidFill>
+                        <a:latin typeface="+mn-ea"/>
+                        <a:ea typeface="+mn-ea"/>
+                      </a:endParaRPr>
+                    </a:p>
+                  </a:txBody>
+                  <a:tcPr marL="66261" marR="66261" marT="33130" marB="33130" anchor="ctr">
+                    <a:lnL w="21590" cap="flat" cmpd="sng" algn="ctr">
+                      <a:solidFill>
+                        <a:srgbClr val="000000"/>
+                      </a:solidFill>
+                      <a:prstDash val="solid"/>
+                      <a:round/>
+                      <a:headEnd type="none" w="med" len="med"/>
+                      <a:tailEnd type="none" w="med" len="med"/>
+                    </a:lnL>
+                    <a:lnR w="3556" cap="flat" cmpd="sng" algn="ctr">
+                      <a:solidFill>
+                        <a:srgbClr val="000000"/>
+                      </a:solidFill>
+                      <a:prstDash val="solid"/>
+                      <a:round/>
+                      <a:headEnd type="none" w="med" len="med"/>
+                      <a:tailEnd type="none" w="med" len="med"/>
+                    </a:lnR>
+                    <a:lnT w="3556" cap="flat" cmpd="sng" algn="ctr">
+                      <a:solidFill>
+                        <a:srgbClr val="000000"/>
+                      </a:solidFill>
+                      <a:prstDash val="solid"/>
+                      <a:round/>
+                      <a:headEnd type="none" w="med" len="med"/>
+                      <a:tailEnd type="none" w="med" len="med"/>
+                    </a:lnT>
+                    <a:lnB w="3556" cap="flat" cmpd="sng" algn="ctr">
+                      <a:solidFill>
+                        <a:srgbClr val="000000"/>
+                      </a:solidFill>
+                      <a:prstDash val="solid"/>
+                      <a:round/>
+                      <a:headEnd type="none" w="med" len="med"/>
+                      <a:tailEnd type="none" w="med" len="med"/>
+                    </a:lnB>
+                  </a:tcPr>
+                </a:tc>
+                <a:tc>
+                  <a:txBody>
+                    <a:bodyPr/>
+                    <a:lstStyle/>
+                    <a:p>
+                      <a:pPr marL="0" marR="0" algn="ctr">
+                        <a:lnSpc>
+                          <a:spcPct val="160000"/>
+                        </a:lnSpc>
+                        <a:spcBef>
+                          <a:spcPts val="0"/>
+                        </a:spcBef>
+                        <a:spcAft>
+                          <a:spcPts val="0"/>
+                        </a:spcAft>
+                      </a:pPr>
+                      <a:r>
+                        <a:rPr lang="en-US" sz="1200" b="1">
+                          <a:solidFill>
+                            <a:schemeClr val="tx1"/>
+                          </a:solidFill>
+                          <a:latin typeface="+mn-ea"/>
+                          <a:ea typeface="+mn-ea"/>
+                        </a:rPr>
+                        <a:t>Demo(ver.3.0)</a:t>
+                      </a:r>
+                      <a:endParaRPr lang="en-US" sz="1200">
+                        <a:solidFill>
+                          <a:schemeClr val="tx1"/>
+                        </a:solidFill>
+                        <a:latin typeface="+mn-ea"/>
+                        <a:ea typeface="+mn-ea"/>
+                      </a:endParaRPr>
+                    </a:p>
+                  </a:txBody>
+                  <a:tcPr marL="66261" marR="66261" marT="33130" marB="33130" anchor="ctr">
+                    <a:lnL w="3556" cap="flat" cmpd="sng" algn="ctr">
+                      <a:solidFill>
+                        <a:srgbClr val="000000"/>
+                      </a:solidFill>
+                      <a:prstDash val="solid"/>
+                      <a:round/>
+                      <a:headEnd type="none" w="med" len="med"/>
+                      <a:tailEnd type="none" w="med" len="med"/>
+                    </a:lnL>
+                    <a:lnR w="3556" cap="flat" cmpd="sng" algn="ctr">
+                      <a:solidFill>
+                        <a:srgbClr val="000000"/>
+                      </a:solidFill>
+                      <a:prstDash val="solid"/>
+                      <a:round/>
+                      <a:headEnd type="none" w="med" len="med"/>
+                      <a:tailEnd type="none" w="med" len="med"/>
+                    </a:lnR>
+                    <a:lnT w="3556" cap="flat" cmpd="sng" algn="ctr">
+                      <a:solidFill>
+                        <a:srgbClr val="000000"/>
+                      </a:solidFill>
+                      <a:prstDash val="solid"/>
+                      <a:round/>
+                      <a:headEnd type="none" w="med" len="med"/>
+                      <a:tailEnd type="none" w="med" len="med"/>
+                    </a:lnT>
+                    <a:lnB w="3556" cap="flat" cmpd="sng" algn="ctr">
+                      <a:solidFill>
+                        <a:srgbClr val="000000"/>
+                      </a:solidFill>
+                      <a:prstDash val="solid"/>
+                      <a:round/>
+                      <a:headEnd type="none" w="med" len="med"/>
+                      <a:tailEnd type="none" w="med" len="med"/>
+                    </a:lnB>
+                  </a:tcPr>
+                </a:tc>
+                <a:tc>
+                  <a:txBody>
+                    <a:bodyPr/>
+                    <a:lstStyle/>
+                    <a:p>
+                      <a:pPr marL="0" marR="0" algn="ctr">
+                        <a:lnSpc>
+                          <a:spcPct val="160000"/>
+                        </a:lnSpc>
+                        <a:spcBef>
+                          <a:spcPts val="0"/>
+                        </a:spcBef>
+                        <a:spcAft>
+                          <a:spcPts val="0"/>
+                        </a:spcAft>
+                      </a:pPr>
+                      <a:endParaRPr lang="ko-KR" altLang="en-US" sz="1200" dirty="0">
+                        <a:solidFill>
+                          <a:schemeClr val="tx1"/>
+                        </a:solidFill>
+                        <a:latin typeface="+mn-ea"/>
+                        <a:ea typeface="+mn-ea"/>
+                      </a:endParaRPr>
+                    </a:p>
+                  </a:txBody>
+                  <a:tcPr marL="66261" marR="66261" marT="33130" marB="33130" anchor="ctr">
+                    <a:lnL w="3556" cap="flat" cmpd="sng" algn="ctr">
+                      <a:solidFill>
+                        <a:srgbClr val="000000"/>
+                      </a:solidFill>
+                      <a:prstDash val="solid"/>
+                      <a:round/>
+                      <a:headEnd type="none" w="med" len="med"/>
+                      <a:tailEnd type="none" w="med" len="med"/>
+                    </a:lnL>
+                    <a:lnR w="3556" cap="flat" cmpd="sng" algn="ctr">
+                      <a:solidFill>
+                        <a:srgbClr val="000000"/>
+                      </a:solidFill>
+                      <a:prstDash val="solid"/>
+                      <a:round/>
+                      <a:headEnd type="none" w="med" len="med"/>
+                      <a:tailEnd type="none" w="med" len="med"/>
+                    </a:lnR>
+                    <a:lnT w="3556" cap="flat" cmpd="sng" algn="ctr">
+                      <a:solidFill>
+                        <a:srgbClr val="000000"/>
+                      </a:solidFill>
+                      <a:prstDash val="solid"/>
+                      <a:round/>
+                      <a:headEnd type="none" w="med" len="med"/>
+                      <a:tailEnd type="none" w="med" len="med"/>
+                    </a:lnT>
+                    <a:lnB w="3556" cap="flat" cmpd="sng" algn="ctr">
+                      <a:solidFill>
+                        <a:srgbClr val="000000"/>
+                      </a:solidFill>
+                      <a:prstDash val="solid"/>
+                      <a:round/>
+                      <a:headEnd type="none" w="med" len="med"/>
+                      <a:tailEnd type="none" w="med" len="med"/>
+                    </a:lnB>
+                    <a:noFill/>
+                  </a:tcPr>
+                </a:tc>
+                <a:tc>
+                  <a:txBody>
+                    <a:bodyPr/>
+                    <a:lstStyle/>
+                    <a:p>
+                      <a:pPr marL="0" marR="0" algn="ctr">
+                        <a:lnSpc>
+                          <a:spcPct val="160000"/>
+                        </a:lnSpc>
+                        <a:spcBef>
+                          <a:spcPts val="0"/>
+                        </a:spcBef>
+                        <a:spcAft>
+                          <a:spcPts val="0"/>
+                        </a:spcAft>
+                      </a:pPr>
+                      <a:endParaRPr lang="ko-KR" altLang="en-US" sz="1200" dirty="0">
+                        <a:solidFill>
+                          <a:schemeClr val="tx1"/>
+                        </a:solidFill>
+                        <a:latin typeface="+mn-ea"/>
+                        <a:ea typeface="+mn-ea"/>
+                      </a:endParaRPr>
+                    </a:p>
+                  </a:txBody>
+                  <a:tcPr marL="66261" marR="66261" marT="33130" marB="33130" anchor="ctr">
+                    <a:lnL w="3556" cap="flat" cmpd="sng" algn="ctr">
+                      <a:solidFill>
+                        <a:srgbClr val="000000"/>
+                      </a:solidFill>
+                      <a:prstDash val="solid"/>
+                      <a:round/>
+                      <a:headEnd type="none" w="med" len="med"/>
+                      <a:tailEnd type="none" w="med" len="med"/>
+                    </a:lnL>
+                    <a:lnR w="3556" cap="flat" cmpd="sng" algn="ctr">
+                      <a:solidFill>
+                        <a:srgbClr val="000000"/>
+                      </a:solidFill>
+                      <a:prstDash val="solid"/>
+                      <a:round/>
+                      <a:headEnd type="none" w="med" len="med"/>
+                      <a:tailEnd type="none" w="med" len="med"/>
+                    </a:lnR>
+                    <a:lnT w="3556" cap="flat" cmpd="sng" algn="ctr">
+                      <a:solidFill>
+                        <a:srgbClr val="000000"/>
+                      </a:solidFill>
+                      <a:prstDash val="solid"/>
+                      <a:round/>
+                      <a:headEnd type="none" w="med" len="med"/>
+                      <a:tailEnd type="none" w="med" len="med"/>
+                    </a:lnT>
+                    <a:lnB w="3556" cap="flat" cmpd="sng" algn="ctr">
+                      <a:solidFill>
+                        <a:srgbClr val="000000"/>
+                      </a:solidFill>
+                      <a:prstDash val="solid"/>
+                      <a:round/>
+                      <a:headEnd type="none" w="med" len="med"/>
+                      <a:tailEnd type="none" w="med" len="med"/>
+                    </a:lnB>
+                    <a:noFill/>
+                  </a:tcPr>
+                </a:tc>
+                <a:tc>
+                  <a:txBody>
+                    <a:bodyPr/>
+                    <a:lstStyle/>
+                    <a:p>
+                      <a:pPr marL="0" marR="0" algn="ctr">
+                        <a:lnSpc>
+                          <a:spcPct val="160000"/>
+                        </a:lnSpc>
+                        <a:spcBef>
+                          <a:spcPts val="0"/>
+                        </a:spcBef>
+                        <a:spcAft>
+                          <a:spcPts val="0"/>
+                        </a:spcAft>
+                      </a:pPr>
+                      <a:endParaRPr lang="ko-KR" altLang="en-US" sz="1200">
+                        <a:solidFill>
+                          <a:schemeClr val="tx1"/>
+                        </a:solidFill>
+                        <a:latin typeface="+mn-ea"/>
+                        <a:ea typeface="+mn-ea"/>
+                      </a:endParaRPr>
+                    </a:p>
+                  </a:txBody>
+                  <a:tcPr marL="66261" marR="66261" marT="33130" marB="33130" anchor="ctr">
+                    <a:lnL w="3556" cap="flat" cmpd="sng" algn="ctr">
+                      <a:solidFill>
+                        <a:srgbClr val="000000"/>
+                      </a:solidFill>
+                      <a:prstDash val="solid"/>
+                      <a:round/>
+                      <a:headEnd type="none" w="med" len="med"/>
+                      <a:tailEnd type="none" w="med" len="med"/>
+                    </a:lnL>
+                    <a:lnR w="3556" cap="flat" cmpd="sng" algn="ctr">
+                      <a:solidFill>
+                        <a:srgbClr val="000000"/>
+                      </a:solidFill>
+                      <a:prstDash val="solid"/>
+                      <a:round/>
+                      <a:headEnd type="none" w="med" len="med"/>
+                      <a:tailEnd type="none" w="med" len="med"/>
+                    </a:lnR>
+                    <a:lnT w="3556" cap="flat" cmpd="sng" algn="ctr">
+                      <a:solidFill>
+                        <a:srgbClr val="000000"/>
+                      </a:solidFill>
+                      <a:prstDash val="solid"/>
+                      <a:round/>
+                      <a:headEnd type="none" w="med" len="med"/>
+                      <a:tailEnd type="none" w="med" len="med"/>
+                    </a:lnT>
+                    <a:lnB w="3556" cap="flat" cmpd="sng" algn="ctr">
+                      <a:solidFill>
+                        <a:srgbClr val="000000"/>
+                      </a:solidFill>
+                      <a:prstDash val="solid"/>
+                      <a:round/>
+                      <a:headEnd type="none" w="med" len="med"/>
+                      <a:tailEnd type="none" w="med" len="med"/>
+                    </a:lnB>
+                  </a:tcPr>
+                </a:tc>
+                <a:tc>
+                  <a:txBody>
+                    <a:bodyPr/>
+                    <a:lstStyle/>
+                    <a:p>
+                      <a:pPr marL="0" marR="0" algn="ctr">
+                        <a:lnSpc>
+                          <a:spcPct val="160000"/>
+                        </a:lnSpc>
+                        <a:spcBef>
+                          <a:spcPts val="0"/>
+                        </a:spcBef>
+                        <a:spcAft>
+                          <a:spcPts val="0"/>
+                        </a:spcAft>
+                      </a:pPr>
+                      <a:endParaRPr lang="ko-KR" altLang="en-US" sz="1200">
+                        <a:solidFill>
+                          <a:schemeClr val="tx1"/>
+                        </a:solidFill>
+                        <a:latin typeface="+mn-ea"/>
+                        <a:ea typeface="+mn-ea"/>
+                      </a:endParaRPr>
+                    </a:p>
+                  </a:txBody>
+                  <a:tcPr marL="66261" marR="66261" marT="33130" marB="33130" anchor="ctr">
+                    <a:lnL w="3556" cap="flat" cmpd="sng" algn="ctr">
+                      <a:solidFill>
+                        <a:srgbClr val="000000"/>
+                      </a:solidFill>
+                      <a:prstDash val="solid"/>
+                      <a:round/>
+                      <a:headEnd type="none" w="med" len="med"/>
+                      <a:tailEnd type="none" w="med" len="med"/>
+                    </a:lnL>
+                    <a:lnR w="3556" cap="flat" cmpd="sng" algn="ctr">
+                      <a:solidFill>
+                        <a:srgbClr val="000000"/>
+                      </a:solidFill>
+                      <a:prstDash val="solid"/>
+                      <a:round/>
+                      <a:headEnd type="none" w="med" len="med"/>
+                      <a:tailEnd type="none" w="med" len="med"/>
+                    </a:lnR>
+                    <a:lnT w="3556" cap="flat" cmpd="sng" algn="ctr">
+                      <a:solidFill>
+                        <a:srgbClr val="000000"/>
+                      </a:solidFill>
+                      <a:prstDash val="solid"/>
+                      <a:round/>
+                      <a:headEnd type="none" w="med" len="med"/>
+                      <a:tailEnd type="none" w="med" len="med"/>
+                    </a:lnT>
+                    <a:lnB w="3556" cap="flat" cmpd="sng" algn="ctr">
+                      <a:solidFill>
+                        <a:srgbClr val="000000"/>
+                      </a:solidFill>
+                      <a:prstDash val="solid"/>
+                      <a:round/>
+                      <a:headEnd type="none" w="med" len="med"/>
+                      <a:tailEnd type="none" w="med" len="med"/>
+                    </a:lnB>
+                  </a:tcPr>
+                </a:tc>
+                <a:tc>
+                  <a:txBody>
+                    <a:bodyPr/>
+                    <a:lstStyle/>
+                    <a:p>
+                      <a:pPr marL="0" marR="0" algn="ctr">
+                        <a:lnSpc>
+                          <a:spcPct val="160000"/>
+                        </a:lnSpc>
+                        <a:spcBef>
+                          <a:spcPts val="0"/>
+                        </a:spcBef>
+                        <a:spcAft>
+                          <a:spcPts val="0"/>
+                        </a:spcAft>
+                      </a:pPr>
+                      <a:endParaRPr lang="ko-KR" altLang="en-US" sz="1200" dirty="0">
+                        <a:solidFill>
+                          <a:schemeClr val="tx1"/>
+                        </a:solidFill>
+                        <a:latin typeface="+mn-ea"/>
+                        <a:ea typeface="+mn-ea"/>
+                      </a:endParaRPr>
+                    </a:p>
+                  </a:txBody>
+                  <a:tcPr marL="66261" marR="66261" marT="33130" marB="33130" anchor="ctr">
+                    <a:lnL w="3556" cap="flat" cmpd="sng" algn="ctr">
+                      <a:solidFill>
+                        <a:srgbClr val="000000"/>
+                      </a:solidFill>
+                      <a:prstDash val="solid"/>
+                      <a:round/>
+                      <a:headEnd type="none" w="med" len="med"/>
+                      <a:tailEnd type="none" w="med" len="med"/>
+                    </a:lnL>
+                    <a:lnR w="3556" cap="flat" cmpd="sng" algn="ctr">
+                      <a:solidFill>
+                        <a:srgbClr val="000000"/>
+                      </a:solidFill>
+                      <a:prstDash val="solid"/>
+                      <a:round/>
+                      <a:headEnd type="none" w="med" len="med"/>
+                      <a:tailEnd type="none" w="med" len="med"/>
+                    </a:lnR>
+                    <a:lnT w="3556" cap="flat" cmpd="sng" algn="ctr">
+                      <a:solidFill>
+                        <a:srgbClr val="000000"/>
+                      </a:solidFill>
+                      <a:prstDash val="solid"/>
+                      <a:round/>
+                      <a:headEnd type="none" w="med" len="med"/>
+                      <a:tailEnd type="none" w="med" len="med"/>
+                    </a:lnT>
+                    <a:lnB w="3556" cap="flat" cmpd="sng" algn="ctr">
+                      <a:solidFill>
+                        <a:srgbClr val="000000"/>
+                      </a:solidFill>
+                      <a:prstDash val="solid"/>
+                      <a:round/>
+                      <a:headEnd type="none" w="med" len="med"/>
+                      <a:tailEnd type="none" w="med" len="med"/>
+                    </a:lnB>
+                    <a:solidFill>
+                      <a:srgbClr val="CCCCCC"/>
+                    </a:solidFill>
+                  </a:tcPr>
+                </a:tc>
+                <a:tc>
+                  <a:txBody>
+                    <a:bodyPr/>
+                    <a:lstStyle/>
+                    <a:p>
+                      <a:pPr marL="0" marR="0" algn="ctr">
+                        <a:lnSpc>
+                          <a:spcPct val="160000"/>
+                        </a:lnSpc>
+                        <a:spcBef>
+                          <a:spcPts val="0"/>
+                        </a:spcBef>
+                        <a:spcAft>
+                          <a:spcPts val="0"/>
+                        </a:spcAft>
+                      </a:pPr>
+                      <a:endParaRPr lang="ko-KR" altLang="en-US" sz="1200">
+                        <a:solidFill>
+                          <a:schemeClr val="tx1"/>
+                        </a:solidFill>
+                        <a:latin typeface="+mn-ea"/>
+                        <a:ea typeface="+mn-ea"/>
+                      </a:endParaRPr>
+                    </a:p>
+                  </a:txBody>
+                  <a:tcPr marL="66261" marR="66261" marT="33130" marB="33130" anchor="ctr">
+                    <a:lnL w="3556" cap="flat" cmpd="sng" algn="ctr">
+                      <a:solidFill>
+                        <a:srgbClr val="000000"/>
+                      </a:solidFill>
+                      <a:prstDash val="solid"/>
+                      <a:round/>
+                      <a:headEnd type="none" w="med" len="med"/>
+                      <a:tailEnd type="none" w="med" len="med"/>
+                    </a:lnL>
+                    <a:lnR w="3556" cap="flat" cmpd="sng" algn="ctr">
+                      <a:solidFill>
+                        <a:srgbClr val="000000"/>
+                      </a:solidFill>
+                      <a:prstDash val="solid"/>
+                      <a:round/>
+                      <a:headEnd type="none" w="med" len="med"/>
+                      <a:tailEnd type="none" w="med" len="med"/>
+                    </a:lnR>
+                    <a:lnT w="3556" cap="flat" cmpd="sng" algn="ctr">
+                      <a:solidFill>
+                        <a:srgbClr val="000000"/>
+                      </a:solidFill>
+                      <a:prstDash val="solid"/>
+                      <a:round/>
+                      <a:headEnd type="none" w="med" len="med"/>
+                      <a:tailEnd type="none" w="med" len="med"/>
+                    </a:lnT>
+                    <a:lnB w="3556" cap="flat" cmpd="sng" algn="ctr">
+                      <a:solidFill>
+                        <a:srgbClr val="000000"/>
+                      </a:solidFill>
+                      <a:prstDash val="solid"/>
+                      <a:round/>
+                      <a:headEnd type="none" w="med" len="med"/>
+                      <a:tailEnd type="none" w="med" len="med"/>
+                    </a:lnB>
+                    <a:solidFill>
+                      <a:srgbClr val="CCCCCC"/>
+                    </a:solidFill>
+                  </a:tcPr>
+                </a:tc>
+                <a:tc>
+                  <a:txBody>
+                    <a:bodyPr/>
+                    <a:lstStyle/>
+                    <a:p>
+                      <a:pPr marL="0" marR="0" algn="ctr">
+                        <a:lnSpc>
+                          <a:spcPct val="160000"/>
+                        </a:lnSpc>
+                        <a:spcBef>
+                          <a:spcPts val="0"/>
+                        </a:spcBef>
+                        <a:spcAft>
+                          <a:spcPts val="0"/>
+                        </a:spcAft>
+                      </a:pPr>
+                      <a:endParaRPr lang="ko-KR" altLang="en-US" sz="1200">
+                        <a:solidFill>
+                          <a:schemeClr val="tx1"/>
+                        </a:solidFill>
+                        <a:latin typeface="+mn-ea"/>
+                        <a:ea typeface="+mn-ea"/>
+                      </a:endParaRPr>
+                    </a:p>
+                  </a:txBody>
+                  <a:tcPr marL="66261" marR="66261" marT="33130" marB="33130" anchor="ctr">
+                    <a:lnL w="3556" cap="flat" cmpd="sng" algn="ctr">
+                      <a:solidFill>
+                        <a:srgbClr val="000000"/>
+                      </a:solidFill>
+                      <a:prstDash val="solid"/>
+                      <a:round/>
+                      <a:headEnd type="none" w="med" len="med"/>
+                      <a:tailEnd type="none" w="med" len="med"/>
+                    </a:lnL>
+                    <a:lnR w="3556" cap="flat" cmpd="sng" algn="ctr">
+                      <a:solidFill>
+                        <a:srgbClr val="000000"/>
+                      </a:solidFill>
+                      <a:prstDash val="solid"/>
+                      <a:round/>
+                      <a:headEnd type="none" w="med" len="med"/>
+                      <a:tailEnd type="none" w="med" len="med"/>
+                    </a:lnR>
+                    <a:lnT w="3556" cap="flat" cmpd="sng" algn="ctr">
+                      <a:solidFill>
+                        <a:srgbClr val="000000"/>
+                      </a:solidFill>
+                      <a:prstDash val="solid"/>
+                      <a:round/>
+                      <a:headEnd type="none" w="med" len="med"/>
+                      <a:tailEnd type="none" w="med" len="med"/>
+                    </a:lnT>
+                    <a:lnB w="3556" cap="flat" cmpd="sng" algn="ctr">
+                      <a:solidFill>
+                        <a:srgbClr val="000000"/>
+                      </a:solidFill>
+                      <a:prstDash val="solid"/>
+                      <a:round/>
+                      <a:headEnd type="none" w="med" len="med"/>
+                      <a:tailEnd type="none" w="med" len="med"/>
+                    </a:lnB>
+                    <a:solidFill>
+                      <a:srgbClr val="CCCCCC"/>
+                    </a:solidFill>
+                  </a:tcPr>
+                </a:tc>
+                <a:tc>
+                  <a:txBody>
+                    <a:bodyPr/>
+                    <a:lstStyle/>
+                    <a:p>
+                      <a:pPr marL="0" marR="0" algn="ctr">
+                        <a:lnSpc>
+                          <a:spcPct val="160000"/>
+                        </a:lnSpc>
+                        <a:spcBef>
+                          <a:spcPts val="0"/>
+                        </a:spcBef>
+                        <a:spcAft>
+                          <a:spcPts val="0"/>
+                        </a:spcAft>
+                      </a:pPr>
+                      <a:endParaRPr lang="ko-KR" altLang="en-US" sz="1200" dirty="0">
+                        <a:solidFill>
+                          <a:schemeClr val="tx1"/>
+                        </a:solidFill>
+                        <a:latin typeface="+mn-ea"/>
+                        <a:ea typeface="+mn-ea"/>
+                      </a:endParaRPr>
+                    </a:p>
+                  </a:txBody>
+                  <a:tcPr marL="66261" marR="66261" marT="33130" marB="33130" anchor="ctr">
+                    <a:lnL w="3556" cap="flat" cmpd="sng" algn="ctr">
+                      <a:solidFill>
+                        <a:srgbClr val="000000"/>
+                      </a:solidFill>
+                      <a:prstDash val="solid"/>
+                      <a:round/>
+                      <a:headEnd type="none" w="med" len="med"/>
+                      <a:tailEnd type="none" w="med" len="med"/>
+                    </a:lnL>
+                    <a:lnR w="3556" cap="flat" cmpd="sng" algn="ctr">
+                      <a:solidFill>
+                        <a:srgbClr val="000000"/>
+                      </a:solidFill>
+                      <a:prstDash val="solid"/>
+                      <a:round/>
+                      <a:headEnd type="none" w="med" len="med"/>
+                      <a:tailEnd type="none" w="med" len="med"/>
+                    </a:lnR>
+                    <a:lnT w="3556" cap="flat" cmpd="sng" algn="ctr">
+                      <a:solidFill>
+                        <a:srgbClr val="000000"/>
+                      </a:solidFill>
+                      <a:prstDash val="solid"/>
+                      <a:round/>
+                      <a:headEnd type="none" w="med" len="med"/>
+                      <a:tailEnd type="none" w="med" len="med"/>
+                    </a:lnT>
+                    <a:lnB w="3556" cap="flat" cmpd="sng" algn="ctr">
+                      <a:solidFill>
+                        <a:srgbClr val="000000"/>
+                      </a:solidFill>
+                      <a:prstDash val="solid"/>
+                      <a:round/>
+                      <a:headEnd type="none" w="med" len="med"/>
+                      <a:tailEnd type="none" w="med" len="med"/>
+                    </a:lnB>
+                  </a:tcPr>
+                </a:tc>
+                <a:tc>
+                  <a:txBody>
+                    <a:bodyPr/>
+                    <a:lstStyle/>
+                    <a:p>
+                      <a:pPr marL="0" marR="0" algn="ctr">
+                        <a:lnSpc>
+                          <a:spcPct val="160000"/>
+                        </a:lnSpc>
+                        <a:spcBef>
+                          <a:spcPts val="0"/>
+                        </a:spcBef>
+                        <a:spcAft>
+                          <a:spcPts val="0"/>
+                        </a:spcAft>
+                      </a:pPr>
+                      <a:endParaRPr lang="ko-KR" altLang="en-US" sz="1200" dirty="0">
+                        <a:solidFill>
+                          <a:schemeClr val="tx1"/>
+                        </a:solidFill>
+                        <a:latin typeface="+mn-ea"/>
+                        <a:ea typeface="+mn-ea"/>
+                      </a:endParaRPr>
+                    </a:p>
+                  </a:txBody>
+                  <a:tcPr marL="66261" marR="66261" marT="33130" marB="33130" anchor="ctr">
+                    <a:lnL w="3556" cap="flat" cmpd="sng" algn="ctr">
+                      <a:solidFill>
+                        <a:srgbClr val="000000"/>
+                      </a:solidFill>
+                      <a:prstDash val="solid"/>
+                      <a:round/>
+                      <a:headEnd type="none" w="med" len="med"/>
+                      <a:tailEnd type="none" w="med" len="med"/>
+                    </a:lnL>
+                    <a:lnR w="3556" cap="flat" cmpd="sng" algn="ctr">
+                      <a:solidFill>
+                        <a:srgbClr val="000000"/>
+                      </a:solidFill>
+                      <a:prstDash val="solid"/>
+                      <a:round/>
+                      <a:headEnd type="none" w="med" len="med"/>
+                      <a:tailEnd type="none" w="med" len="med"/>
+                    </a:lnR>
+                    <a:lnT w="3556" cap="flat" cmpd="sng" algn="ctr">
+                      <a:solidFill>
+                        <a:srgbClr val="000000"/>
+                      </a:solidFill>
+                      <a:prstDash val="solid"/>
+                      <a:round/>
+                      <a:headEnd type="none" w="med" len="med"/>
+                      <a:tailEnd type="none" w="med" len="med"/>
+                    </a:lnT>
+                    <a:lnB w="3556" cap="flat" cmpd="sng" algn="ctr">
+                      <a:solidFill>
+                        <a:srgbClr val="000000"/>
+                      </a:solidFill>
+                      <a:prstDash val="solid"/>
+                      <a:round/>
+                      <a:headEnd type="none" w="med" len="med"/>
+                      <a:tailEnd type="none" w="med" len="med"/>
+                    </a:lnB>
+                  </a:tcPr>
+                </a:tc>
+                <a:tc>
+                  <a:txBody>
+                    <a:bodyPr/>
+                    <a:lstStyle/>
+                    <a:p>
+                      <a:pPr marL="0" marR="0" algn="ctr">
+                        <a:lnSpc>
+                          <a:spcPct val="160000"/>
+                        </a:lnSpc>
+                        <a:spcBef>
+                          <a:spcPts val="0"/>
+                        </a:spcBef>
+                        <a:spcAft>
+                          <a:spcPts val="0"/>
+                        </a:spcAft>
+                      </a:pPr>
+                      <a:endParaRPr lang="ko-KR" altLang="en-US" sz="1200" dirty="0">
+                        <a:solidFill>
+                          <a:schemeClr val="tx1"/>
+                        </a:solidFill>
+                        <a:latin typeface="+mn-ea"/>
+                        <a:ea typeface="+mn-ea"/>
+                      </a:endParaRPr>
+                    </a:p>
+                  </a:txBody>
+                  <a:tcPr marL="66261" marR="66261" marT="33130" marB="33130" anchor="ctr">
+                    <a:lnL w="3556" cap="flat" cmpd="sng" algn="ctr">
+                      <a:solidFill>
+                        <a:srgbClr val="000000"/>
+                      </a:solidFill>
+                      <a:prstDash val="solid"/>
+                      <a:round/>
+                      <a:headEnd type="none" w="med" len="med"/>
+                      <a:tailEnd type="none" w="med" len="med"/>
+                    </a:lnL>
+                    <a:lnR w="3556" cap="flat" cmpd="sng" algn="ctr">
+                      <a:solidFill>
+                        <a:srgbClr val="000000"/>
+                      </a:solidFill>
+                      <a:prstDash val="solid"/>
+                      <a:round/>
+                      <a:headEnd type="none" w="med" len="med"/>
+                      <a:tailEnd type="none" w="med" len="med"/>
+                    </a:lnR>
+                    <a:lnT w="3556" cap="flat" cmpd="sng" algn="ctr">
+                      <a:solidFill>
+                        <a:srgbClr val="000000"/>
+                      </a:solidFill>
+                      <a:prstDash val="solid"/>
+                      <a:round/>
+                      <a:headEnd type="none" w="med" len="med"/>
+                      <a:tailEnd type="none" w="med" len="med"/>
+                    </a:lnT>
+                    <a:lnB w="3556" cap="flat" cmpd="sng" algn="ctr">
+                      <a:solidFill>
+                        <a:srgbClr val="000000"/>
+                      </a:solidFill>
+                      <a:prstDash val="solid"/>
+                      <a:round/>
+                      <a:headEnd type="none" w="med" len="med"/>
+                      <a:tailEnd type="none" w="med" len="med"/>
+                    </a:lnB>
+                  </a:tcPr>
+                </a:tc>
+                <a:tc>
+                  <a:txBody>
+                    <a:bodyPr/>
+                    <a:lstStyle/>
+                    <a:p>
+                      <a:pPr marL="0" marR="0" algn="ctr">
+                        <a:lnSpc>
+                          <a:spcPct val="160000"/>
+                        </a:lnSpc>
+                        <a:spcBef>
+                          <a:spcPts val="0"/>
+                        </a:spcBef>
+                        <a:spcAft>
+                          <a:spcPts val="0"/>
+                        </a:spcAft>
+                      </a:pPr>
+                      <a:endParaRPr lang="ko-KR" altLang="en-US" sz="1200" dirty="0">
+                        <a:solidFill>
+                          <a:schemeClr val="tx1"/>
+                        </a:solidFill>
+                        <a:latin typeface="+mn-ea"/>
+                        <a:ea typeface="+mn-ea"/>
+                      </a:endParaRPr>
+                    </a:p>
+                  </a:txBody>
+                  <a:tcPr marL="66261" marR="66261" marT="33130" marB="33130" anchor="ctr">
+                    <a:lnL w="3556" cap="flat" cmpd="sng" algn="ctr">
+                      <a:solidFill>
+                        <a:srgbClr val="000000"/>
+                      </a:solidFill>
+                      <a:prstDash val="solid"/>
+                      <a:round/>
+                      <a:headEnd type="none" w="med" len="med"/>
+                      <a:tailEnd type="none" w="med" len="med"/>
+                    </a:lnL>
+                    <a:lnR w="3556" cap="flat" cmpd="sng" algn="ctr">
+                      <a:solidFill>
+                        <a:srgbClr val="000000"/>
+                      </a:solidFill>
+                      <a:prstDash val="solid"/>
+                      <a:round/>
+                      <a:headEnd type="none" w="med" len="med"/>
+                      <a:tailEnd type="none" w="med" len="med"/>
+                    </a:lnR>
+                    <a:lnT w="3556" cap="flat" cmpd="sng" algn="ctr">
+                      <a:solidFill>
+                        <a:srgbClr val="000000"/>
+                      </a:solidFill>
+                      <a:prstDash val="solid"/>
+                      <a:round/>
+                      <a:headEnd type="none" w="med" len="med"/>
+                      <a:tailEnd type="none" w="med" len="med"/>
+                    </a:lnT>
+                    <a:lnB w="3556" cap="flat" cmpd="sng" algn="ctr">
+                      <a:solidFill>
+                        <a:srgbClr val="000000"/>
+                      </a:solidFill>
+                      <a:prstDash val="solid"/>
+                      <a:round/>
+                      <a:headEnd type="none" w="med" len="med"/>
+                      <a:tailEnd type="none" w="med" len="med"/>
+                    </a:lnB>
+                  </a:tcPr>
+                </a:tc>
+                <a:tc>
+                  <a:txBody>
+                    <a:bodyPr/>
+                    <a:lstStyle/>
+                    <a:p>
+                      <a:pPr marL="0" marR="0" algn="ctr">
+                        <a:lnSpc>
+                          <a:spcPct val="160000"/>
+                        </a:lnSpc>
+                        <a:spcBef>
+                          <a:spcPts val="0"/>
+                        </a:spcBef>
+                        <a:spcAft>
+                          <a:spcPts val="0"/>
+                        </a:spcAft>
+                      </a:pPr>
+                      <a:endParaRPr lang="ko-KR" altLang="en-US" sz="1200" dirty="0">
+                        <a:solidFill>
+                          <a:schemeClr val="tx1"/>
+                        </a:solidFill>
+                        <a:latin typeface="+mn-ea"/>
+                        <a:ea typeface="+mn-ea"/>
+                      </a:endParaRPr>
+                    </a:p>
+                  </a:txBody>
+                  <a:tcPr marL="66261" marR="66261" marT="33130" marB="33130" anchor="ctr">
+                    <a:lnL w="3556" cap="flat" cmpd="sng" algn="ctr">
+                      <a:solidFill>
+                        <a:srgbClr val="000000"/>
+                      </a:solidFill>
+                      <a:prstDash val="solid"/>
+                      <a:round/>
+                      <a:headEnd type="none" w="med" len="med"/>
+                      <a:tailEnd type="none" w="med" len="med"/>
+                    </a:lnL>
+                    <a:lnR w="3556" cap="flat" cmpd="sng" algn="ctr">
+                      <a:solidFill>
+                        <a:srgbClr val="000000"/>
+                      </a:solidFill>
+                      <a:prstDash val="solid"/>
+                      <a:round/>
+                      <a:headEnd type="none" w="med" len="med"/>
+                      <a:tailEnd type="none" w="med" len="med"/>
+                    </a:lnR>
+                    <a:lnT w="3556" cap="flat" cmpd="sng" algn="ctr">
+                      <a:solidFill>
+                        <a:srgbClr val="000000"/>
+                      </a:solidFill>
+                      <a:prstDash val="solid"/>
+                      <a:round/>
+                      <a:headEnd type="none" w="med" len="med"/>
+                      <a:tailEnd type="none" w="med" len="med"/>
+                    </a:lnT>
+                    <a:lnB w="3556" cap="flat" cmpd="sng" algn="ctr">
+                      <a:solidFill>
+                        <a:srgbClr val="000000"/>
+                      </a:solidFill>
+                      <a:prstDash val="solid"/>
+                      <a:round/>
+                      <a:headEnd type="none" w="med" len="med"/>
+                      <a:tailEnd type="none" w="med" len="med"/>
+                    </a:lnB>
+                  </a:tcPr>
+                </a:tc>
+                <a:tc>
+                  <a:txBody>
+                    <a:bodyPr/>
+                    <a:lstStyle/>
+                    <a:p>
+                      <a:pPr marL="0" marR="0" algn="ctr">
+                        <a:lnSpc>
+                          <a:spcPct val="160000"/>
+                        </a:lnSpc>
+                        <a:spcBef>
+                          <a:spcPts val="0"/>
+                        </a:spcBef>
+                        <a:spcAft>
+                          <a:spcPts val="0"/>
+                        </a:spcAft>
+                      </a:pPr>
+                      <a:r>
+                        <a:rPr lang="ko-KR" altLang="en-US" sz="1200" dirty="0">
+                          <a:solidFill>
+                            <a:schemeClr val="tx1"/>
+                          </a:solidFill>
+                          <a:latin typeface="+mn-ea"/>
+                          <a:ea typeface="+mn-ea"/>
+                        </a:rPr>
+                        <a:t>특정 제스처 </a:t>
+                      </a:r>
+                      <a:r>
+                        <a:rPr lang="ko-KR" altLang="en-US" sz="1200" dirty="0" smtClean="0">
+                          <a:solidFill>
+                            <a:schemeClr val="tx1"/>
+                          </a:solidFill>
+                          <a:latin typeface="+mn-ea"/>
+                          <a:ea typeface="+mn-ea"/>
+                        </a:rPr>
+                        <a:t>검출</a:t>
+                      </a:r>
+                      <a:endParaRPr lang="ko-KR" altLang="en-US" sz="1200" dirty="0">
+                        <a:solidFill>
+                          <a:schemeClr val="tx1"/>
+                        </a:solidFill>
+                        <a:latin typeface="+mn-ea"/>
+                        <a:ea typeface="+mn-ea"/>
+                      </a:endParaRPr>
+                    </a:p>
+                  </a:txBody>
+                  <a:tcPr marL="66261" marR="66261" marT="33130" marB="33130" anchor="ctr">
+                    <a:lnL w="3556" cap="flat" cmpd="sng" algn="ctr">
+                      <a:solidFill>
+                        <a:srgbClr val="000000"/>
+                      </a:solidFill>
+                      <a:prstDash val="solid"/>
+                      <a:round/>
+                      <a:headEnd type="none" w="med" len="med"/>
+                      <a:tailEnd type="none" w="med" len="med"/>
+                    </a:lnL>
+                    <a:lnR w="21590" cap="flat" cmpd="sng" algn="ctr">
+                      <a:solidFill>
+                        <a:srgbClr val="000000"/>
+                      </a:solidFill>
+                      <a:prstDash val="solid"/>
+                      <a:round/>
+                      <a:headEnd type="none" w="med" len="med"/>
+                      <a:tailEnd type="none" w="med" len="med"/>
+                    </a:lnR>
+                    <a:lnT w="3556" cap="flat" cmpd="sng" algn="ctr">
+                      <a:solidFill>
+                        <a:srgbClr val="000000"/>
+                      </a:solidFill>
+                      <a:prstDash val="solid"/>
+                      <a:round/>
+                      <a:headEnd type="none" w="med" len="med"/>
+                      <a:tailEnd type="none" w="med" len="med"/>
+                    </a:lnT>
+                    <a:lnB w="3556" cap="flat" cmpd="sng" algn="ctr">
+                      <a:solidFill>
+                        <a:srgbClr val="000000"/>
+                      </a:solidFill>
+                      <a:prstDash val="solid"/>
+                      <a:round/>
+                      <a:headEnd type="none" w="med" len="med"/>
+                      <a:tailEnd type="none" w="med" len="med"/>
+                    </a:lnB>
+                  </a:tcPr>
+                </a:tc>
+              </a:tr>
+              <a:tr h="854448">
+                <a:tc>
+                  <a:txBody>
+                    <a:bodyPr/>
+                    <a:lstStyle/>
+                    <a:p>
+                      <a:pPr marL="0" marR="0" algn="ctr">
+                        <a:lnSpc>
+                          <a:spcPct val="160000"/>
+                        </a:lnSpc>
+                        <a:spcBef>
+                          <a:spcPts val="0"/>
+                        </a:spcBef>
+                        <a:spcAft>
+                          <a:spcPts val="0"/>
+                        </a:spcAft>
+                      </a:pPr>
+                      <a:r>
+                        <a:rPr lang="en-US" sz="1200" b="1">
+                          <a:solidFill>
+                            <a:schemeClr val="tx1"/>
+                          </a:solidFill>
+                          <a:latin typeface="+mn-ea"/>
+                          <a:ea typeface="+mn-ea"/>
+                        </a:rPr>
+                        <a:t>5</a:t>
+                      </a:r>
+                      <a:endParaRPr lang="en-US" sz="1200">
+                        <a:solidFill>
+                          <a:schemeClr val="tx1"/>
+                        </a:solidFill>
+                        <a:latin typeface="+mn-ea"/>
+                        <a:ea typeface="+mn-ea"/>
+                      </a:endParaRPr>
+                    </a:p>
+                  </a:txBody>
+                  <a:tcPr marL="66261" marR="66261" marT="33130" marB="33130" anchor="ctr">
+                    <a:lnL w="21590" cap="flat" cmpd="sng" algn="ctr">
+                      <a:solidFill>
+                        <a:srgbClr val="000000"/>
+                      </a:solidFill>
+                      <a:prstDash val="solid"/>
+                      <a:round/>
+                      <a:headEnd type="none" w="med" len="med"/>
+                      <a:tailEnd type="none" w="med" len="med"/>
+                    </a:lnL>
+                    <a:lnR w="3556" cap="flat" cmpd="sng" algn="ctr">
+                      <a:solidFill>
+                        <a:srgbClr val="000000"/>
+                      </a:solidFill>
+                      <a:prstDash val="solid"/>
+                      <a:round/>
+                      <a:headEnd type="none" w="med" len="med"/>
+                      <a:tailEnd type="none" w="med" len="med"/>
+                    </a:lnR>
+                    <a:lnT w="3556" cap="flat" cmpd="sng" algn="ctr">
+                      <a:solidFill>
+                        <a:srgbClr val="000000"/>
+                      </a:solidFill>
+                      <a:prstDash val="solid"/>
+                      <a:round/>
+                      <a:headEnd type="none" w="med" len="med"/>
+                      <a:tailEnd type="none" w="med" len="med"/>
+                    </a:lnT>
+                    <a:lnB w="3556" cap="flat" cmpd="sng" algn="ctr">
+                      <a:solidFill>
+                        <a:srgbClr val="000000"/>
+                      </a:solidFill>
+                      <a:prstDash val="solid"/>
+                      <a:round/>
+                      <a:headEnd type="none" w="med" len="med"/>
+                      <a:tailEnd type="none" w="med" len="med"/>
+                    </a:lnB>
+                  </a:tcPr>
+                </a:tc>
+                <a:tc>
+                  <a:txBody>
+                    <a:bodyPr/>
+                    <a:lstStyle/>
+                    <a:p>
+                      <a:pPr marL="0" marR="0" algn="ctr">
+                        <a:lnSpc>
+                          <a:spcPct val="160000"/>
+                        </a:lnSpc>
+                        <a:spcBef>
+                          <a:spcPts val="0"/>
+                        </a:spcBef>
+                        <a:spcAft>
+                          <a:spcPts val="0"/>
+                        </a:spcAft>
+                      </a:pPr>
+                      <a:r>
+                        <a:rPr lang="en-US" sz="1200" b="1">
+                          <a:solidFill>
+                            <a:schemeClr val="tx1"/>
+                          </a:solidFill>
+                          <a:latin typeface="+mn-ea"/>
+                          <a:ea typeface="+mn-ea"/>
+                        </a:rPr>
+                        <a:t>DSLR(ver.1.0)</a:t>
+                      </a:r>
+                      <a:endParaRPr lang="en-US" sz="1200">
+                        <a:solidFill>
+                          <a:schemeClr val="tx1"/>
+                        </a:solidFill>
+                        <a:latin typeface="+mn-ea"/>
+                        <a:ea typeface="+mn-ea"/>
+                      </a:endParaRPr>
+                    </a:p>
+                  </a:txBody>
+                  <a:tcPr marL="66261" marR="66261" marT="33130" marB="33130" anchor="ctr">
+                    <a:lnL w="3556" cap="flat" cmpd="sng" algn="ctr">
+                      <a:solidFill>
+                        <a:srgbClr val="000000"/>
+                      </a:solidFill>
+                      <a:prstDash val="solid"/>
+                      <a:round/>
+                      <a:headEnd type="none" w="med" len="med"/>
+                      <a:tailEnd type="none" w="med" len="med"/>
+                    </a:lnL>
+                    <a:lnR w="3556" cap="flat" cmpd="sng" algn="ctr">
+                      <a:solidFill>
+                        <a:srgbClr val="000000"/>
+                      </a:solidFill>
+                      <a:prstDash val="solid"/>
+                      <a:round/>
+                      <a:headEnd type="none" w="med" len="med"/>
+                      <a:tailEnd type="none" w="med" len="med"/>
+                    </a:lnR>
+                    <a:lnT w="3556" cap="flat" cmpd="sng" algn="ctr">
+                      <a:solidFill>
+                        <a:srgbClr val="000000"/>
+                      </a:solidFill>
+                      <a:prstDash val="solid"/>
+                      <a:round/>
+                      <a:headEnd type="none" w="med" len="med"/>
+                      <a:tailEnd type="none" w="med" len="med"/>
+                    </a:lnT>
+                    <a:lnB w="3556" cap="flat" cmpd="sng" algn="ctr">
+                      <a:solidFill>
+                        <a:srgbClr val="000000"/>
+                      </a:solidFill>
+                      <a:prstDash val="solid"/>
+                      <a:round/>
+                      <a:headEnd type="none" w="med" len="med"/>
+                      <a:tailEnd type="none" w="med" len="med"/>
+                    </a:lnB>
+                  </a:tcPr>
+                </a:tc>
+                <a:tc>
+                  <a:txBody>
+                    <a:bodyPr/>
+                    <a:lstStyle/>
+                    <a:p>
+                      <a:pPr marL="0" marR="0" algn="ctr">
+                        <a:lnSpc>
+                          <a:spcPct val="160000"/>
+                        </a:lnSpc>
+                        <a:spcBef>
+                          <a:spcPts val="0"/>
+                        </a:spcBef>
+                        <a:spcAft>
+                          <a:spcPts val="0"/>
+                        </a:spcAft>
+                      </a:pPr>
+                      <a:endParaRPr lang="ko-KR" altLang="en-US" sz="1200" dirty="0">
+                        <a:solidFill>
+                          <a:schemeClr val="tx1"/>
+                        </a:solidFill>
+                        <a:latin typeface="+mn-ea"/>
+                        <a:ea typeface="+mn-ea"/>
+                      </a:endParaRPr>
+                    </a:p>
+                  </a:txBody>
+                  <a:tcPr marL="66261" marR="66261" marT="33130" marB="33130" anchor="ctr">
+                    <a:lnL w="3556" cap="flat" cmpd="sng" algn="ctr">
+                      <a:solidFill>
+                        <a:srgbClr val="000000"/>
+                      </a:solidFill>
+                      <a:prstDash val="solid"/>
+                      <a:round/>
+                      <a:headEnd type="none" w="med" len="med"/>
+                      <a:tailEnd type="none" w="med" len="med"/>
+                    </a:lnL>
+                    <a:lnR w="3556" cap="flat" cmpd="sng" algn="ctr">
+                      <a:solidFill>
+                        <a:srgbClr val="000000"/>
+                      </a:solidFill>
+                      <a:prstDash val="solid"/>
+                      <a:round/>
+                      <a:headEnd type="none" w="med" len="med"/>
+                      <a:tailEnd type="none" w="med" len="med"/>
+                    </a:lnR>
+                    <a:lnT w="3556" cap="flat" cmpd="sng" algn="ctr">
+                      <a:solidFill>
+                        <a:srgbClr val="000000"/>
+                      </a:solidFill>
+                      <a:prstDash val="solid"/>
+                      <a:round/>
+                      <a:headEnd type="none" w="med" len="med"/>
+                      <a:tailEnd type="none" w="med" len="med"/>
+                    </a:lnT>
+                    <a:lnB w="3556" cap="flat" cmpd="sng" algn="ctr">
+                      <a:solidFill>
+                        <a:srgbClr val="000000"/>
+                      </a:solidFill>
+                      <a:prstDash val="solid"/>
+                      <a:round/>
+                      <a:headEnd type="none" w="med" len="med"/>
+                      <a:tailEnd type="none" w="med" len="med"/>
+                    </a:lnB>
+                  </a:tcPr>
+                </a:tc>
+                <a:tc>
+                  <a:txBody>
+                    <a:bodyPr/>
+                    <a:lstStyle/>
+                    <a:p>
+                      <a:pPr marL="0" marR="0" algn="ctr">
+                        <a:lnSpc>
+                          <a:spcPct val="160000"/>
+                        </a:lnSpc>
+                        <a:spcBef>
+                          <a:spcPts val="0"/>
+                        </a:spcBef>
+                        <a:spcAft>
+                          <a:spcPts val="0"/>
+                        </a:spcAft>
+                      </a:pPr>
+                      <a:endParaRPr lang="ko-KR" altLang="en-US" sz="1200">
+                        <a:solidFill>
+                          <a:schemeClr val="tx1"/>
+                        </a:solidFill>
+                        <a:latin typeface="+mn-ea"/>
+                        <a:ea typeface="+mn-ea"/>
+                      </a:endParaRPr>
+                    </a:p>
+                  </a:txBody>
+                  <a:tcPr marL="66261" marR="66261" marT="33130" marB="33130" anchor="ctr">
+                    <a:lnL w="3556" cap="flat" cmpd="sng" algn="ctr">
+                      <a:solidFill>
+                        <a:srgbClr val="000000"/>
+                      </a:solidFill>
+                      <a:prstDash val="solid"/>
+                      <a:round/>
+                      <a:headEnd type="none" w="med" len="med"/>
+                      <a:tailEnd type="none" w="med" len="med"/>
+                    </a:lnL>
+                    <a:lnR w="3556" cap="flat" cmpd="sng" algn="ctr">
+                      <a:solidFill>
+                        <a:srgbClr val="000000"/>
+                      </a:solidFill>
+                      <a:prstDash val="solid"/>
+                      <a:round/>
+                      <a:headEnd type="none" w="med" len="med"/>
+                      <a:tailEnd type="none" w="med" len="med"/>
+                    </a:lnR>
+                    <a:lnT w="3556" cap="flat" cmpd="sng" algn="ctr">
+                      <a:solidFill>
+                        <a:srgbClr val="000000"/>
+                      </a:solidFill>
+                      <a:prstDash val="solid"/>
+                      <a:round/>
+                      <a:headEnd type="none" w="med" len="med"/>
+                      <a:tailEnd type="none" w="med" len="med"/>
+                    </a:lnT>
+                    <a:lnB w="3556" cap="flat" cmpd="sng" algn="ctr">
+                      <a:solidFill>
+                        <a:srgbClr val="000000"/>
+                      </a:solidFill>
+                      <a:prstDash val="solid"/>
+                      <a:round/>
+                      <a:headEnd type="none" w="med" len="med"/>
+                      <a:tailEnd type="none" w="med" len="med"/>
+                    </a:lnB>
+                  </a:tcPr>
+                </a:tc>
+                <a:tc>
+                  <a:txBody>
+                    <a:bodyPr/>
+                    <a:lstStyle/>
+                    <a:p>
+                      <a:pPr marL="0" marR="0" algn="ctr">
+                        <a:lnSpc>
+                          <a:spcPct val="160000"/>
+                        </a:lnSpc>
+                        <a:spcBef>
+                          <a:spcPts val="0"/>
+                        </a:spcBef>
+                        <a:spcAft>
+                          <a:spcPts val="0"/>
+                        </a:spcAft>
+                      </a:pPr>
+                      <a:endParaRPr lang="ko-KR" altLang="en-US" sz="1200" dirty="0">
+                        <a:solidFill>
+                          <a:schemeClr val="tx1"/>
+                        </a:solidFill>
+                        <a:latin typeface="+mn-ea"/>
+                        <a:ea typeface="+mn-ea"/>
+                      </a:endParaRPr>
+                    </a:p>
+                  </a:txBody>
+                  <a:tcPr marL="66261" marR="66261" marT="33130" marB="33130" anchor="ctr">
+                    <a:lnL w="3556" cap="flat" cmpd="sng" algn="ctr">
+                      <a:solidFill>
+                        <a:srgbClr val="000000"/>
+                      </a:solidFill>
+                      <a:prstDash val="solid"/>
+                      <a:round/>
+                      <a:headEnd type="none" w="med" len="med"/>
+                      <a:tailEnd type="none" w="med" len="med"/>
+                    </a:lnL>
+                    <a:lnR w="3556" cap="flat" cmpd="sng" algn="ctr">
+                      <a:solidFill>
+                        <a:srgbClr val="000000"/>
+                      </a:solidFill>
+                      <a:prstDash val="solid"/>
+                      <a:round/>
+                      <a:headEnd type="none" w="med" len="med"/>
+                      <a:tailEnd type="none" w="med" len="med"/>
+                    </a:lnR>
+                    <a:lnT w="3556" cap="flat" cmpd="sng" algn="ctr">
+                      <a:solidFill>
+                        <a:srgbClr val="000000"/>
+                      </a:solidFill>
+                      <a:prstDash val="solid"/>
+                      <a:round/>
+                      <a:headEnd type="none" w="med" len="med"/>
+                      <a:tailEnd type="none" w="med" len="med"/>
+                    </a:lnT>
+                    <a:lnB w="3556" cap="flat" cmpd="sng" algn="ctr">
+                      <a:solidFill>
+                        <a:srgbClr val="000000"/>
+                      </a:solidFill>
+                      <a:prstDash val="solid"/>
+                      <a:round/>
+                      <a:headEnd type="none" w="med" len="med"/>
+                      <a:tailEnd type="none" w="med" len="med"/>
+                    </a:lnB>
+                  </a:tcPr>
+                </a:tc>
+                <a:tc>
+                  <a:txBody>
+                    <a:bodyPr/>
+                    <a:lstStyle/>
+                    <a:p>
+                      <a:pPr marL="0" marR="0" algn="ctr">
+                        <a:lnSpc>
+                          <a:spcPct val="160000"/>
+                        </a:lnSpc>
+                        <a:spcBef>
+                          <a:spcPts val="0"/>
+                        </a:spcBef>
+                        <a:spcAft>
+                          <a:spcPts val="0"/>
+                        </a:spcAft>
+                      </a:pPr>
+                      <a:endParaRPr lang="ko-KR" altLang="en-US" sz="1200">
+                        <a:solidFill>
+                          <a:schemeClr val="tx1"/>
+                        </a:solidFill>
+                        <a:latin typeface="+mn-ea"/>
+                        <a:ea typeface="+mn-ea"/>
+                      </a:endParaRPr>
+                    </a:p>
+                  </a:txBody>
+                  <a:tcPr marL="66261" marR="66261" marT="33130" marB="33130" anchor="ctr">
+                    <a:lnL w="3556" cap="flat" cmpd="sng" algn="ctr">
+                      <a:solidFill>
+                        <a:srgbClr val="000000"/>
+                      </a:solidFill>
+                      <a:prstDash val="solid"/>
+                      <a:round/>
+                      <a:headEnd type="none" w="med" len="med"/>
+                      <a:tailEnd type="none" w="med" len="med"/>
+                    </a:lnL>
+                    <a:lnR w="3556" cap="flat" cmpd="sng" algn="ctr">
+                      <a:solidFill>
+                        <a:srgbClr val="000000"/>
+                      </a:solidFill>
+                      <a:prstDash val="solid"/>
+                      <a:round/>
+                      <a:headEnd type="none" w="med" len="med"/>
+                      <a:tailEnd type="none" w="med" len="med"/>
+                    </a:lnR>
+                    <a:lnT w="3556" cap="flat" cmpd="sng" algn="ctr">
+                      <a:solidFill>
+                        <a:srgbClr val="000000"/>
+                      </a:solidFill>
+                      <a:prstDash val="solid"/>
+                      <a:round/>
+                      <a:headEnd type="none" w="med" len="med"/>
+                      <a:tailEnd type="none" w="med" len="med"/>
+                    </a:lnT>
+                    <a:lnB w="3556" cap="flat" cmpd="sng" algn="ctr">
+                      <a:solidFill>
+                        <a:srgbClr val="000000"/>
+                      </a:solidFill>
+                      <a:prstDash val="solid"/>
+                      <a:round/>
+                      <a:headEnd type="none" w="med" len="med"/>
+                      <a:tailEnd type="none" w="med" len="med"/>
+                    </a:lnB>
+                  </a:tcPr>
+                </a:tc>
+                <a:tc>
+                  <a:txBody>
+                    <a:bodyPr/>
+                    <a:lstStyle/>
+                    <a:p>
+                      <a:pPr marL="0" marR="0" algn="ctr">
+                        <a:lnSpc>
+                          <a:spcPct val="160000"/>
+                        </a:lnSpc>
+                        <a:spcBef>
+                          <a:spcPts val="0"/>
+                        </a:spcBef>
+                        <a:spcAft>
+                          <a:spcPts val="0"/>
+                        </a:spcAft>
+                      </a:pPr>
+                      <a:endParaRPr lang="ko-KR" altLang="en-US" sz="1200">
+                        <a:solidFill>
+                          <a:schemeClr val="tx1"/>
+                        </a:solidFill>
+                        <a:latin typeface="+mn-ea"/>
+                        <a:ea typeface="+mn-ea"/>
+                      </a:endParaRPr>
+                    </a:p>
+                  </a:txBody>
+                  <a:tcPr marL="66261" marR="66261" marT="33130" marB="33130" anchor="ctr">
+                    <a:lnL w="3556" cap="flat" cmpd="sng" algn="ctr">
+                      <a:solidFill>
+                        <a:srgbClr val="000000"/>
+                      </a:solidFill>
+                      <a:prstDash val="solid"/>
+                      <a:round/>
+                      <a:headEnd type="none" w="med" len="med"/>
+                      <a:tailEnd type="none" w="med" len="med"/>
+                    </a:lnL>
+                    <a:lnR w="3556" cap="flat" cmpd="sng" algn="ctr">
+                      <a:solidFill>
+                        <a:srgbClr val="000000"/>
+                      </a:solidFill>
+                      <a:prstDash val="solid"/>
+                      <a:round/>
+                      <a:headEnd type="none" w="med" len="med"/>
+                      <a:tailEnd type="none" w="med" len="med"/>
+                    </a:lnR>
+                    <a:lnT w="3556" cap="flat" cmpd="sng" algn="ctr">
+                      <a:solidFill>
+                        <a:srgbClr val="000000"/>
+                      </a:solidFill>
+                      <a:prstDash val="solid"/>
+                      <a:round/>
+                      <a:headEnd type="none" w="med" len="med"/>
+                      <a:tailEnd type="none" w="med" len="med"/>
+                    </a:lnT>
+                    <a:lnB w="3556" cap="flat" cmpd="sng" algn="ctr">
+                      <a:solidFill>
+                        <a:srgbClr val="000000"/>
+                      </a:solidFill>
+                      <a:prstDash val="solid"/>
+                      <a:round/>
+                      <a:headEnd type="none" w="med" len="med"/>
+                      <a:tailEnd type="none" w="med" len="med"/>
+                    </a:lnB>
+                  </a:tcPr>
+                </a:tc>
+                <a:tc>
+                  <a:txBody>
+                    <a:bodyPr/>
+                    <a:lstStyle/>
+                    <a:p>
+                      <a:pPr marL="0" marR="0" algn="ctr">
+                        <a:lnSpc>
+                          <a:spcPct val="160000"/>
+                        </a:lnSpc>
+                        <a:spcBef>
+                          <a:spcPts val="0"/>
+                        </a:spcBef>
+                        <a:spcAft>
+                          <a:spcPts val="0"/>
+                        </a:spcAft>
+                      </a:pPr>
+                      <a:endParaRPr lang="ko-KR" altLang="en-US" sz="1200">
+                        <a:solidFill>
+                          <a:schemeClr val="tx1"/>
+                        </a:solidFill>
+                        <a:latin typeface="+mn-ea"/>
+                        <a:ea typeface="+mn-ea"/>
+                      </a:endParaRPr>
+                    </a:p>
+                  </a:txBody>
+                  <a:tcPr marL="66261" marR="66261" marT="33130" marB="33130" anchor="ctr">
+                    <a:lnL w="3556" cap="flat" cmpd="sng" algn="ctr">
+                      <a:solidFill>
+                        <a:srgbClr val="000000"/>
+                      </a:solidFill>
+                      <a:prstDash val="solid"/>
+                      <a:round/>
+                      <a:headEnd type="none" w="med" len="med"/>
+                      <a:tailEnd type="none" w="med" len="med"/>
+                    </a:lnL>
+                    <a:lnR w="3556" cap="flat" cmpd="sng" algn="ctr">
+                      <a:solidFill>
+                        <a:srgbClr val="000000"/>
+                      </a:solidFill>
+                      <a:prstDash val="solid"/>
+                      <a:round/>
+                      <a:headEnd type="none" w="med" len="med"/>
+                      <a:tailEnd type="none" w="med" len="med"/>
+                    </a:lnR>
+                    <a:lnT w="3556" cap="flat" cmpd="sng" algn="ctr">
+                      <a:solidFill>
+                        <a:srgbClr val="000000"/>
+                      </a:solidFill>
+                      <a:prstDash val="solid"/>
+                      <a:round/>
+                      <a:headEnd type="none" w="med" len="med"/>
+                      <a:tailEnd type="none" w="med" len="med"/>
+                    </a:lnT>
+                    <a:lnB w="3556" cap="flat" cmpd="sng" algn="ctr">
+                      <a:solidFill>
+                        <a:srgbClr val="000000"/>
+                      </a:solidFill>
+                      <a:prstDash val="solid"/>
+                      <a:round/>
+                      <a:headEnd type="none" w="med" len="med"/>
+                      <a:tailEnd type="none" w="med" len="med"/>
+                    </a:lnB>
+                  </a:tcPr>
+                </a:tc>
+                <a:tc>
+                  <a:txBody>
+                    <a:bodyPr/>
+                    <a:lstStyle/>
+                    <a:p>
+                      <a:pPr marL="0" marR="0" algn="ctr">
+                        <a:lnSpc>
+                          <a:spcPct val="160000"/>
+                        </a:lnSpc>
+                        <a:spcBef>
+                          <a:spcPts val="0"/>
+                        </a:spcBef>
+                        <a:spcAft>
+                          <a:spcPts val="0"/>
+                        </a:spcAft>
+                      </a:pPr>
+                      <a:endParaRPr lang="ko-KR" altLang="en-US" sz="1200">
+                        <a:solidFill>
+                          <a:schemeClr val="tx1"/>
+                        </a:solidFill>
+                        <a:latin typeface="+mn-ea"/>
+                        <a:ea typeface="+mn-ea"/>
+                      </a:endParaRPr>
+                    </a:p>
+                  </a:txBody>
+                  <a:tcPr marL="66261" marR="66261" marT="33130" marB="33130" anchor="ctr">
+                    <a:lnL w="3556" cap="flat" cmpd="sng" algn="ctr">
+                      <a:solidFill>
+                        <a:srgbClr val="000000"/>
+                      </a:solidFill>
+                      <a:prstDash val="solid"/>
+                      <a:round/>
+                      <a:headEnd type="none" w="med" len="med"/>
+                      <a:tailEnd type="none" w="med" len="med"/>
+                    </a:lnL>
+                    <a:lnR w="3556" cap="flat" cmpd="sng" algn="ctr">
+                      <a:solidFill>
+                        <a:srgbClr val="000000"/>
+                      </a:solidFill>
+                      <a:prstDash val="solid"/>
+                      <a:round/>
+                      <a:headEnd type="none" w="med" len="med"/>
+                      <a:tailEnd type="none" w="med" len="med"/>
+                    </a:lnR>
+                    <a:lnT w="3556" cap="flat" cmpd="sng" algn="ctr">
+                      <a:solidFill>
+                        <a:srgbClr val="000000"/>
+                      </a:solidFill>
+                      <a:prstDash val="solid"/>
+                      <a:round/>
+                      <a:headEnd type="none" w="med" len="med"/>
+                      <a:tailEnd type="none" w="med" len="med"/>
+                    </a:lnT>
+                    <a:lnB w="3556" cap="flat" cmpd="sng" algn="ctr">
+                      <a:solidFill>
+                        <a:srgbClr val="000000"/>
+                      </a:solidFill>
+                      <a:prstDash val="solid"/>
+                      <a:round/>
+                      <a:headEnd type="none" w="med" len="med"/>
+                      <a:tailEnd type="none" w="med" len="med"/>
+                    </a:lnB>
+                  </a:tcPr>
+                </a:tc>
+                <a:tc>
+                  <a:txBody>
+                    <a:bodyPr/>
+                    <a:lstStyle/>
+                    <a:p>
+                      <a:pPr marL="0" marR="0" algn="ctr">
+                        <a:lnSpc>
+                          <a:spcPct val="160000"/>
+                        </a:lnSpc>
+                        <a:spcBef>
+                          <a:spcPts val="0"/>
+                        </a:spcBef>
+                        <a:spcAft>
+                          <a:spcPts val="0"/>
+                        </a:spcAft>
+                      </a:pPr>
+                      <a:endParaRPr lang="ko-KR" altLang="en-US" sz="1200">
+                        <a:solidFill>
+                          <a:schemeClr val="tx1"/>
+                        </a:solidFill>
+                        <a:latin typeface="+mn-ea"/>
+                        <a:ea typeface="+mn-ea"/>
+                      </a:endParaRPr>
+                    </a:p>
+                  </a:txBody>
+                  <a:tcPr marL="66261" marR="66261" marT="33130" marB="33130" anchor="ctr">
+                    <a:lnL w="3556" cap="flat" cmpd="sng" algn="ctr">
+                      <a:solidFill>
+                        <a:srgbClr val="000000"/>
+                      </a:solidFill>
+                      <a:prstDash val="solid"/>
+                      <a:round/>
+                      <a:headEnd type="none" w="med" len="med"/>
+                      <a:tailEnd type="none" w="med" len="med"/>
+                    </a:lnL>
+                    <a:lnR w="3556" cap="flat" cmpd="sng" algn="ctr">
+                      <a:solidFill>
+                        <a:srgbClr val="000000"/>
+                      </a:solidFill>
+                      <a:prstDash val="solid"/>
+                      <a:round/>
+                      <a:headEnd type="none" w="med" len="med"/>
+                      <a:tailEnd type="none" w="med" len="med"/>
+                    </a:lnR>
+                    <a:lnT w="3556" cap="flat" cmpd="sng" algn="ctr">
+                      <a:solidFill>
+                        <a:srgbClr val="000000"/>
+                      </a:solidFill>
+                      <a:prstDash val="solid"/>
+                      <a:round/>
+                      <a:headEnd type="none" w="med" len="med"/>
+                      <a:tailEnd type="none" w="med" len="med"/>
+                    </a:lnT>
+                    <a:lnB w="3556" cap="flat" cmpd="sng" algn="ctr">
+                      <a:solidFill>
+                        <a:srgbClr val="000000"/>
+                      </a:solidFill>
+                      <a:prstDash val="solid"/>
+                      <a:round/>
+                      <a:headEnd type="none" w="med" len="med"/>
+                      <a:tailEnd type="none" w="med" len="med"/>
+                    </a:lnB>
+                    <a:solidFill>
+                      <a:srgbClr val="CCCCCC"/>
+                    </a:solidFill>
+                  </a:tcPr>
+                </a:tc>
+                <a:tc>
+                  <a:txBody>
+                    <a:bodyPr/>
+                    <a:lstStyle/>
+                    <a:p>
+                      <a:pPr marL="0" marR="0" algn="ctr">
+                        <a:lnSpc>
+                          <a:spcPct val="160000"/>
+                        </a:lnSpc>
+                        <a:spcBef>
+                          <a:spcPts val="0"/>
+                        </a:spcBef>
+                        <a:spcAft>
+                          <a:spcPts val="0"/>
+                        </a:spcAft>
+                      </a:pPr>
+                      <a:endParaRPr lang="ko-KR" altLang="en-US" sz="1200" dirty="0">
+                        <a:solidFill>
+                          <a:schemeClr val="tx1"/>
+                        </a:solidFill>
+                        <a:latin typeface="+mn-ea"/>
+                        <a:ea typeface="+mn-ea"/>
+                      </a:endParaRPr>
+                    </a:p>
+                  </a:txBody>
+                  <a:tcPr marL="66261" marR="66261" marT="33130" marB="33130" anchor="ctr">
+                    <a:lnL w="3556" cap="flat" cmpd="sng" algn="ctr">
+                      <a:solidFill>
+                        <a:srgbClr val="000000"/>
+                      </a:solidFill>
+                      <a:prstDash val="solid"/>
+                      <a:round/>
+                      <a:headEnd type="none" w="med" len="med"/>
+                      <a:tailEnd type="none" w="med" len="med"/>
+                    </a:lnL>
+                    <a:lnR w="3556" cap="flat" cmpd="sng" algn="ctr">
+                      <a:solidFill>
+                        <a:srgbClr val="000000"/>
+                      </a:solidFill>
+                      <a:prstDash val="solid"/>
+                      <a:round/>
+                      <a:headEnd type="none" w="med" len="med"/>
+                      <a:tailEnd type="none" w="med" len="med"/>
+                    </a:lnR>
+                    <a:lnT w="3556" cap="flat" cmpd="sng" algn="ctr">
+                      <a:solidFill>
+                        <a:srgbClr val="000000"/>
+                      </a:solidFill>
+                      <a:prstDash val="solid"/>
+                      <a:round/>
+                      <a:headEnd type="none" w="med" len="med"/>
+                      <a:tailEnd type="none" w="med" len="med"/>
+                    </a:lnT>
+                    <a:lnB w="3556" cap="flat" cmpd="sng" algn="ctr">
+                      <a:solidFill>
+                        <a:srgbClr val="000000"/>
+                      </a:solidFill>
+                      <a:prstDash val="solid"/>
+                      <a:round/>
+                      <a:headEnd type="none" w="med" len="med"/>
+                      <a:tailEnd type="none" w="med" len="med"/>
+                    </a:lnB>
+                    <a:solidFill>
+                      <a:srgbClr val="CCCCCC"/>
+                    </a:solidFill>
+                  </a:tcPr>
+                </a:tc>
+                <a:tc>
+                  <a:txBody>
+                    <a:bodyPr/>
+                    <a:lstStyle/>
+                    <a:p>
+                      <a:pPr marL="0" marR="0" algn="ctr">
+                        <a:lnSpc>
+                          <a:spcPct val="160000"/>
+                        </a:lnSpc>
+                        <a:spcBef>
+                          <a:spcPts val="0"/>
+                        </a:spcBef>
+                        <a:spcAft>
+                          <a:spcPts val="0"/>
+                        </a:spcAft>
+                      </a:pPr>
+                      <a:endParaRPr lang="ko-KR" altLang="en-US" sz="1200" dirty="0">
+                        <a:solidFill>
+                          <a:schemeClr val="tx1"/>
+                        </a:solidFill>
+                        <a:latin typeface="+mn-ea"/>
+                        <a:ea typeface="+mn-ea"/>
+                      </a:endParaRPr>
+                    </a:p>
+                  </a:txBody>
+                  <a:tcPr marL="66261" marR="66261" marT="33130" marB="33130" anchor="ctr">
+                    <a:lnL w="3556" cap="flat" cmpd="sng" algn="ctr">
+                      <a:solidFill>
+                        <a:srgbClr val="000000"/>
+                      </a:solidFill>
+                      <a:prstDash val="solid"/>
+                      <a:round/>
+                      <a:headEnd type="none" w="med" len="med"/>
+                      <a:tailEnd type="none" w="med" len="med"/>
+                    </a:lnL>
+                    <a:lnR w="3556" cap="flat" cmpd="sng" algn="ctr">
+                      <a:solidFill>
+                        <a:srgbClr val="000000"/>
+                      </a:solidFill>
+                      <a:prstDash val="solid"/>
+                      <a:round/>
+                      <a:headEnd type="none" w="med" len="med"/>
+                      <a:tailEnd type="none" w="med" len="med"/>
+                    </a:lnR>
+                    <a:lnT w="3556" cap="flat" cmpd="sng" algn="ctr">
+                      <a:solidFill>
+                        <a:srgbClr val="000000"/>
+                      </a:solidFill>
+                      <a:prstDash val="solid"/>
+                      <a:round/>
+                      <a:headEnd type="none" w="med" len="med"/>
+                      <a:tailEnd type="none" w="med" len="med"/>
+                    </a:lnT>
+                    <a:lnB w="3556" cap="flat" cmpd="sng" algn="ctr">
+                      <a:solidFill>
+                        <a:srgbClr val="000000"/>
+                      </a:solidFill>
+                      <a:prstDash val="solid"/>
+                      <a:round/>
+                      <a:headEnd type="none" w="med" len="med"/>
+                      <a:tailEnd type="none" w="med" len="med"/>
+                    </a:lnB>
+                    <a:solidFill>
+                      <a:srgbClr val="CCCCCC"/>
+                    </a:solidFill>
+                  </a:tcPr>
+                </a:tc>
+                <a:tc>
+                  <a:txBody>
+                    <a:bodyPr/>
+                    <a:lstStyle/>
+                    <a:p>
+                      <a:pPr marL="0" marR="0" algn="ctr">
+                        <a:lnSpc>
+                          <a:spcPct val="160000"/>
+                        </a:lnSpc>
+                        <a:spcBef>
+                          <a:spcPts val="0"/>
+                        </a:spcBef>
+                        <a:spcAft>
+                          <a:spcPts val="0"/>
+                        </a:spcAft>
+                      </a:pPr>
+                      <a:endParaRPr lang="ko-KR" altLang="en-US" sz="1200" dirty="0">
+                        <a:solidFill>
+                          <a:schemeClr val="tx1"/>
+                        </a:solidFill>
+                        <a:latin typeface="+mn-ea"/>
+                        <a:ea typeface="+mn-ea"/>
+                      </a:endParaRPr>
+                    </a:p>
+                  </a:txBody>
+                  <a:tcPr marL="66261" marR="66261" marT="33130" marB="33130" anchor="ctr">
+                    <a:lnL w="3556" cap="flat" cmpd="sng" algn="ctr">
+                      <a:solidFill>
+                        <a:srgbClr val="000000"/>
+                      </a:solidFill>
+                      <a:prstDash val="solid"/>
+                      <a:round/>
+                      <a:headEnd type="none" w="med" len="med"/>
+                      <a:tailEnd type="none" w="med" len="med"/>
+                    </a:lnL>
+                    <a:lnR w="3556" cap="flat" cmpd="sng" algn="ctr">
+                      <a:solidFill>
+                        <a:srgbClr val="000000"/>
+                      </a:solidFill>
+                      <a:prstDash val="solid"/>
+                      <a:round/>
+                      <a:headEnd type="none" w="med" len="med"/>
+                      <a:tailEnd type="none" w="med" len="med"/>
+                    </a:lnR>
+                    <a:lnT w="3556" cap="flat" cmpd="sng" algn="ctr">
+                      <a:solidFill>
+                        <a:srgbClr val="000000"/>
+                      </a:solidFill>
+                      <a:prstDash val="solid"/>
+                      <a:round/>
+                      <a:headEnd type="none" w="med" len="med"/>
+                      <a:tailEnd type="none" w="med" len="med"/>
+                    </a:lnT>
+                    <a:lnB w="3556" cap="flat" cmpd="sng" algn="ctr">
+                      <a:solidFill>
+                        <a:srgbClr val="000000"/>
+                      </a:solidFill>
+                      <a:prstDash val="solid"/>
+                      <a:round/>
+                      <a:headEnd type="none" w="med" len="med"/>
+                      <a:tailEnd type="none" w="med" len="med"/>
+                    </a:lnB>
+                    <a:solidFill>
+                      <a:srgbClr val="CCCCCC"/>
+                    </a:solidFill>
+                  </a:tcPr>
+                </a:tc>
+                <a:tc>
+                  <a:txBody>
+                    <a:bodyPr/>
+                    <a:lstStyle/>
+                    <a:p>
+                      <a:pPr marL="0" marR="0" algn="ctr">
+                        <a:lnSpc>
+                          <a:spcPct val="160000"/>
+                        </a:lnSpc>
+                        <a:spcBef>
+                          <a:spcPts val="0"/>
+                        </a:spcBef>
+                        <a:spcAft>
+                          <a:spcPts val="0"/>
+                        </a:spcAft>
+                      </a:pPr>
+                      <a:endParaRPr lang="ko-KR" altLang="en-US" sz="1200" dirty="0">
+                        <a:solidFill>
+                          <a:schemeClr val="tx1"/>
+                        </a:solidFill>
+                        <a:latin typeface="+mn-ea"/>
+                        <a:ea typeface="+mn-ea"/>
+                      </a:endParaRPr>
+                    </a:p>
+                  </a:txBody>
+                  <a:tcPr marL="66261" marR="66261" marT="33130" marB="33130" anchor="ctr">
+                    <a:lnL w="3556" cap="flat" cmpd="sng" algn="ctr">
+                      <a:solidFill>
+                        <a:srgbClr val="000000"/>
+                      </a:solidFill>
+                      <a:prstDash val="solid"/>
+                      <a:round/>
+                      <a:headEnd type="none" w="med" len="med"/>
+                      <a:tailEnd type="none" w="med" len="med"/>
+                    </a:lnL>
+                    <a:lnR w="3556" cap="flat" cmpd="sng" algn="ctr">
+                      <a:solidFill>
+                        <a:srgbClr val="000000"/>
+                      </a:solidFill>
+                      <a:prstDash val="solid"/>
+                      <a:round/>
+                      <a:headEnd type="none" w="med" len="med"/>
+                      <a:tailEnd type="none" w="med" len="med"/>
+                    </a:lnR>
+                    <a:lnT w="3556" cap="flat" cmpd="sng" algn="ctr">
+                      <a:solidFill>
+                        <a:srgbClr val="000000"/>
+                      </a:solidFill>
+                      <a:prstDash val="solid"/>
+                      <a:round/>
+                      <a:headEnd type="none" w="med" len="med"/>
+                      <a:tailEnd type="none" w="med" len="med"/>
+                    </a:lnT>
+                    <a:lnB w="3556" cap="flat" cmpd="sng" algn="ctr">
+                      <a:solidFill>
+                        <a:srgbClr val="000000"/>
+                      </a:solidFill>
+                      <a:prstDash val="solid"/>
+                      <a:round/>
+                      <a:headEnd type="none" w="med" len="med"/>
+                      <a:tailEnd type="none" w="med" len="med"/>
+                    </a:lnB>
+                    <a:solidFill>
+                      <a:srgbClr val="CCCCCC"/>
+                    </a:solidFill>
+                  </a:tcPr>
+                </a:tc>
+                <a:tc>
+                  <a:txBody>
+                    <a:bodyPr/>
+                    <a:lstStyle/>
+                    <a:p>
+                      <a:pPr marL="0" marR="0" algn="just">
+                        <a:lnSpc>
+                          <a:spcPct val="160000"/>
+                        </a:lnSpc>
+                        <a:spcBef>
+                          <a:spcPts val="0"/>
+                        </a:spcBef>
+                        <a:spcAft>
+                          <a:spcPts val="0"/>
+                        </a:spcAft>
+                      </a:pPr>
+                      <a:r>
+                        <a:rPr lang="ko-KR" altLang="en-US" sz="1200" dirty="0">
+                          <a:solidFill>
+                            <a:schemeClr val="tx1"/>
+                          </a:solidFill>
+                          <a:latin typeface="+mn-ea"/>
+                          <a:ea typeface="+mn-ea"/>
+                        </a:rPr>
+                        <a:t>수화</a:t>
+                      </a:r>
+                      <a:r>
+                        <a:rPr lang="en-US" altLang="ko-KR" sz="1200" dirty="0">
+                          <a:solidFill>
+                            <a:schemeClr val="tx1"/>
+                          </a:solidFill>
+                          <a:latin typeface="+mn-ea"/>
+                          <a:ea typeface="+mn-ea"/>
+                        </a:rPr>
+                        <a:t>DB</a:t>
+                      </a:r>
+                      <a:r>
+                        <a:rPr lang="ko-KR" altLang="en-US" sz="1200" dirty="0">
+                          <a:solidFill>
+                            <a:schemeClr val="tx1"/>
+                          </a:solidFill>
+                          <a:latin typeface="+mn-ea"/>
+                          <a:ea typeface="+mn-ea"/>
+                        </a:rPr>
+                        <a:t>와 연동하여 수화 검출 </a:t>
+                      </a:r>
+                      <a:r>
+                        <a:rPr lang="en-US" altLang="ko-KR" sz="1200" dirty="0">
+                          <a:solidFill>
+                            <a:schemeClr val="tx1"/>
+                          </a:solidFill>
+                          <a:latin typeface="+mn-ea"/>
+                          <a:ea typeface="+mn-ea"/>
+                        </a:rPr>
+                        <a:t>&amp; </a:t>
+                      </a:r>
+                      <a:r>
+                        <a:rPr lang="ko-KR" altLang="en-US" sz="1200" dirty="0">
+                          <a:solidFill>
+                            <a:schemeClr val="tx1"/>
+                          </a:solidFill>
+                          <a:latin typeface="+mn-ea"/>
+                          <a:ea typeface="+mn-ea"/>
+                        </a:rPr>
+                        <a:t>새로운 수화 학습</a:t>
+                      </a:r>
+                    </a:p>
+                  </a:txBody>
+                  <a:tcPr marL="66261" marR="66261" marT="33130" marB="33130" anchor="ctr">
+                    <a:lnL w="3556" cap="flat" cmpd="sng" algn="ctr">
+                      <a:solidFill>
+                        <a:srgbClr val="000000"/>
+                      </a:solidFill>
+                      <a:prstDash val="solid"/>
+                      <a:round/>
+                      <a:headEnd type="none" w="med" len="med"/>
+                      <a:tailEnd type="none" w="med" len="med"/>
+                    </a:lnL>
+                    <a:lnR w="21590" cap="flat" cmpd="sng" algn="ctr">
+                      <a:solidFill>
+                        <a:srgbClr val="000000"/>
+                      </a:solidFill>
+                      <a:prstDash val="solid"/>
+                      <a:round/>
+                      <a:headEnd type="none" w="med" len="med"/>
+                      <a:tailEnd type="none" w="med" len="med"/>
+                    </a:lnR>
+                    <a:lnT w="3556" cap="flat" cmpd="sng" algn="ctr">
+                      <a:solidFill>
+                        <a:srgbClr val="000000"/>
+                      </a:solidFill>
+                      <a:prstDash val="solid"/>
+                      <a:round/>
+                      <a:headEnd type="none" w="med" len="med"/>
+                      <a:tailEnd type="none" w="med" len="med"/>
+                    </a:lnT>
+                    <a:lnB w="3556" cap="flat" cmpd="sng" algn="ctr">
+                      <a:solidFill>
+                        <a:srgbClr val="000000"/>
+                      </a:solidFill>
+                      <a:prstDash val="solid"/>
+                      <a:round/>
+                      <a:headEnd type="none" w="med" len="med"/>
+                      <a:tailEnd type="none" w="med" len="med"/>
+                    </a:lnB>
+                  </a:tcPr>
+                </a:tc>
+              </a:tr>
+              <a:tr h="324795">
+                <a:tc>
+                  <a:txBody>
+                    <a:bodyPr/>
+                    <a:lstStyle/>
+                    <a:p>
+                      <a:pPr marL="0" marR="0" algn="ctr">
+                        <a:lnSpc>
+                          <a:spcPct val="160000"/>
+                        </a:lnSpc>
+                        <a:spcBef>
+                          <a:spcPts val="0"/>
+                        </a:spcBef>
+                        <a:spcAft>
+                          <a:spcPts val="0"/>
+                        </a:spcAft>
+                      </a:pPr>
+                      <a:r>
+                        <a:rPr lang="en-US" sz="1200" b="1">
+                          <a:solidFill>
+                            <a:schemeClr val="tx1"/>
+                          </a:solidFill>
+                          <a:latin typeface="+mn-ea"/>
+                          <a:ea typeface="+mn-ea"/>
+                        </a:rPr>
+                        <a:t>6</a:t>
+                      </a:r>
+                      <a:endParaRPr lang="en-US" sz="1200">
+                        <a:solidFill>
+                          <a:schemeClr val="tx1"/>
+                        </a:solidFill>
+                        <a:latin typeface="+mn-ea"/>
+                        <a:ea typeface="+mn-ea"/>
+                      </a:endParaRPr>
+                    </a:p>
+                  </a:txBody>
+                  <a:tcPr marL="66261" marR="66261" marT="33130" marB="33130" anchor="ctr">
+                    <a:lnL w="21590" cap="flat" cmpd="sng" algn="ctr">
+                      <a:solidFill>
+                        <a:srgbClr val="000000"/>
+                      </a:solidFill>
+                      <a:prstDash val="solid"/>
+                      <a:round/>
+                      <a:headEnd type="none" w="med" len="med"/>
+                      <a:tailEnd type="none" w="med" len="med"/>
+                    </a:lnL>
+                    <a:lnR w="3556" cap="flat" cmpd="sng" algn="ctr">
+                      <a:solidFill>
+                        <a:srgbClr val="000000"/>
+                      </a:solidFill>
+                      <a:prstDash val="solid"/>
+                      <a:round/>
+                      <a:headEnd type="none" w="med" len="med"/>
+                      <a:tailEnd type="none" w="med" len="med"/>
+                    </a:lnR>
+                    <a:lnT w="3556" cap="flat" cmpd="sng" algn="ctr">
+                      <a:solidFill>
+                        <a:srgbClr val="000000"/>
+                      </a:solidFill>
+                      <a:prstDash val="solid"/>
+                      <a:round/>
+                      <a:headEnd type="none" w="med" len="med"/>
+                      <a:tailEnd type="none" w="med" len="med"/>
+                    </a:lnT>
+                    <a:lnB w="3556" cap="flat" cmpd="sng" algn="ctr">
+                      <a:solidFill>
+                        <a:srgbClr val="000000"/>
+                      </a:solidFill>
+                      <a:prstDash val="solid"/>
+                      <a:round/>
+                      <a:headEnd type="none" w="med" len="med"/>
+                      <a:tailEnd type="none" w="med" len="med"/>
+                    </a:lnB>
+                  </a:tcPr>
+                </a:tc>
+                <a:tc>
+                  <a:txBody>
+                    <a:bodyPr/>
+                    <a:lstStyle/>
+                    <a:p>
+                      <a:pPr marL="0" marR="0" algn="ctr">
+                        <a:lnSpc>
+                          <a:spcPct val="160000"/>
+                        </a:lnSpc>
+                        <a:spcBef>
+                          <a:spcPts val="0"/>
+                        </a:spcBef>
+                        <a:spcAft>
+                          <a:spcPts val="0"/>
+                        </a:spcAft>
+                      </a:pPr>
+                      <a:r>
+                        <a:rPr lang="ko-KR" altLang="en-US" sz="1200" b="1">
+                          <a:solidFill>
+                            <a:schemeClr val="tx1"/>
+                          </a:solidFill>
+                          <a:latin typeface="+mn-ea"/>
+                          <a:ea typeface="+mn-ea"/>
+                        </a:rPr>
+                        <a:t>수화</a:t>
+                      </a:r>
+                      <a:r>
+                        <a:rPr lang="en-US" sz="1200" b="1">
+                          <a:solidFill>
+                            <a:schemeClr val="tx1"/>
+                          </a:solidFill>
+                          <a:latin typeface="+mn-ea"/>
+                          <a:ea typeface="+mn-ea"/>
+                        </a:rPr>
+                        <a:t>DB</a:t>
+                      </a:r>
+                      <a:r>
+                        <a:rPr lang="ko-KR" altLang="en-US" sz="1200" b="1">
+                          <a:solidFill>
+                            <a:schemeClr val="tx1"/>
+                          </a:solidFill>
+                          <a:latin typeface="+mn-ea"/>
+                          <a:ea typeface="+mn-ea"/>
+                        </a:rPr>
+                        <a:t>구축</a:t>
+                      </a:r>
+                      <a:endParaRPr lang="ko-KR" altLang="en-US" sz="1200">
+                        <a:solidFill>
+                          <a:schemeClr val="tx1"/>
+                        </a:solidFill>
+                        <a:latin typeface="+mn-ea"/>
+                        <a:ea typeface="+mn-ea"/>
+                      </a:endParaRPr>
+                    </a:p>
+                  </a:txBody>
+                  <a:tcPr marL="66261" marR="66261" marT="33130" marB="33130" anchor="ctr">
+                    <a:lnL w="3556" cap="flat" cmpd="sng" algn="ctr">
+                      <a:solidFill>
+                        <a:srgbClr val="000000"/>
+                      </a:solidFill>
+                      <a:prstDash val="solid"/>
+                      <a:round/>
+                      <a:headEnd type="none" w="med" len="med"/>
+                      <a:tailEnd type="none" w="med" len="med"/>
+                    </a:lnL>
+                    <a:lnR w="3556" cap="flat" cmpd="sng" algn="ctr">
+                      <a:solidFill>
+                        <a:srgbClr val="000000"/>
+                      </a:solidFill>
+                      <a:prstDash val="solid"/>
+                      <a:round/>
+                      <a:headEnd type="none" w="med" len="med"/>
+                      <a:tailEnd type="none" w="med" len="med"/>
+                    </a:lnR>
+                    <a:lnT w="3556" cap="flat" cmpd="sng" algn="ctr">
+                      <a:solidFill>
+                        <a:srgbClr val="000000"/>
+                      </a:solidFill>
+                      <a:prstDash val="solid"/>
+                      <a:round/>
+                      <a:headEnd type="none" w="med" len="med"/>
+                      <a:tailEnd type="none" w="med" len="med"/>
+                    </a:lnT>
+                    <a:lnB w="3556" cap="flat" cmpd="sng" algn="ctr">
+                      <a:solidFill>
+                        <a:srgbClr val="000000"/>
+                      </a:solidFill>
+                      <a:prstDash val="solid"/>
+                      <a:round/>
+                      <a:headEnd type="none" w="med" len="med"/>
+                      <a:tailEnd type="none" w="med" len="med"/>
+                    </a:lnB>
+                  </a:tcPr>
+                </a:tc>
+                <a:tc>
+                  <a:txBody>
+                    <a:bodyPr/>
+                    <a:lstStyle/>
+                    <a:p>
+                      <a:pPr marL="0" marR="0" algn="ctr">
+                        <a:lnSpc>
+                          <a:spcPct val="160000"/>
+                        </a:lnSpc>
+                        <a:spcBef>
+                          <a:spcPts val="0"/>
+                        </a:spcBef>
+                        <a:spcAft>
+                          <a:spcPts val="0"/>
+                        </a:spcAft>
+                      </a:pPr>
+                      <a:endParaRPr lang="ko-KR" altLang="en-US" sz="1200" dirty="0">
+                        <a:solidFill>
+                          <a:schemeClr val="tx1"/>
+                        </a:solidFill>
+                        <a:latin typeface="+mn-ea"/>
+                        <a:ea typeface="+mn-ea"/>
+                      </a:endParaRPr>
+                    </a:p>
+                  </a:txBody>
+                  <a:tcPr marL="66261" marR="66261" marT="33130" marB="33130" anchor="ctr">
+                    <a:lnL w="3556" cap="flat" cmpd="sng" algn="ctr">
+                      <a:solidFill>
+                        <a:srgbClr val="000000"/>
+                      </a:solidFill>
+                      <a:prstDash val="solid"/>
+                      <a:round/>
+                      <a:headEnd type="none" w="med" len="med"/>
+                      <a:tailEnd type="none" w="med" len="med"/>
+                    </a:lnL>
+                    <a:lnR w="3556" cap="flat" cmpd="sng" algn="ctr">
+                      <a:solidFill>
+                        <a:srgbClr val="000000"/>
+                      </a:solidFill>
+                      <a:prstDash val="solid"/>
+                      <a:round/>
+                      <a:headEnd type="none" w="med" len="med"/>
+                      <a:tailEnd type="none" w="med" len="med"/>
+                    </a:lnR>
+                    <a:lnT w="3556" cap="flat" cmpd="sng" algn="ctr">
+                      <a:solidFill>
+                        <a:srgbClr val="000000"/>
+                      </a:solidFill>
+                      <a:prstDash val="solid"/>
+                      <a:round/>
+                      <a:headEnd type="none" w="med" len="med"/>
+                      <a:tailEnd type="none" w="med" len="med"/>
+                    </a:lnT>
+                    <a:lnB w="3556" cap="flat" cmpd="sng" algn="ctr">
+                      <a:solidFill>
+                        <a:srgbClr val="000000"/>
+                      </a:solidFill>
+                      <a:prstDash val="solid"/>
+                      <a:round/>
+                      <a:headEnd type="none" w="med" len="med"/>
+                      <a:tailEnd type="none" w="med" len="med"/>
+                    </a:lnB>
+                    <a:noFill/>
+                  </a:tcPr>
+                </a:tc>
+                <a:tc>
+                  <a:txBody>
+                    <a:bodyPr/>
+                    <a:lstStyle/>
+                    <a:p>
+                      <a:pPr marL="0" marR="0" algn="ctr">
+                        <a:lnSpc>
+                          <a:spcPct val="160000"/>
+                        </a:lnSpc>
+                        <a:spcBef>
+                          <a:spcPts val="0"/>
+                        </a:spcBef>
+                        <a:spcAft>
+                          <a:spcPts val="0"/>
+                        </a:spcAft>
+                      </a:pPr>
+                      <a:endParaRPr lang="ko-KR" altLang="en-US" sz="1200" dirty="0">
+                        <a:solidFill>
+                          <a:schemeClr val="tx1"/>
+                        </a:solidFill>
+                        <a:latin typeface="+mn-ea"/>
+                        <a:ea typeface="+mn-ea"/>
+                      </a:endParaRPr>
+                    </a:p>
+                  </a:txBody>
+                  <a:tcPr marL="66261" marR="66261" marT="33130" marB="33130" anchor="ctr">
+                    <a:lnL w="3556" cap="flat" cmpd="sng" algn="ctr">
+                      <a:solidFill>
+                        <a:srgbClr val="000000"/>
+                      </a:solidFill>
+                      <a:prstDash val="solid"/>
+                      <a:round/>
+                      <a:headEnd type="none" w="med" len="med"/>
+                      <a:tailEnd type="none" w="med" len="med"/>
+                    </a:lnL>
+                    <a:lnR w="3556" cap="flat" cmpd="sng" algn="ctr">
+                      <a:solidFill>
+                        <a:srgbClr val="000000"/>
+                      </a:solidFill>
+                      <a:prstDash val="solid"/>
+                      <a:round/>
+                      <a:headEnd type="none" w="med" len="med"/>
+                      <a:tailEnd type="none" w="med" len="med"/>
+                    </a:lnR>
+                    <a:lnT w="3556" cap="flat" cmpd="sng" algn="ctr">
+                      <a:solidFill>
+                        <a:srgbClr val="000000"/>
+                      </a:solidFill>
+                      <a:prstDash val="solid"/>
+                      <a:round/>
+                      <a:headEnd type="none" w="med" len="med"/>
+                      <a:tailEnd type="none" w="med" len="med"/>
+                    </a:lnT>
+                    <a:lnB w="3556" cap="flat" cmpd="sng" algn="ctr">
+                      <a:solidFill>
+                        <a:srgbClr val="000000"/>
+                      </a:solidFill>
+                      <a:prstDash val="solid"/>
+                      <a:round/>
+                      <a:headEnd type="none" w="med" len="med"/>
+                      <a:tailEnd type="none" w="med" len="med"/>
+                    </a:lnB>
+                    <a:noFill/>
+                  </a:tcPr>
+                </a:tc>
+                <a:tc>
+                  <a:txBody>
+                    <a:bodyPr/>
+                    <a:lstStyle/>
+                    <a:p>
+                      <a:pPr marL="0" marR="0" algn="ctr">
+                        <a:lnSpc>
+                          <a:spcPct val="160000"/>
+                        </a:lnSpc>
+                        <a:spcBef>
+                          <a:spcPts val="0"/>
+                        </a:spcBef>
+                        <a:spcAft>
+                          <a:spcPts val="0"/>
+                        </a:spcAft>
+                      </a:pPr>
+                      <a:endParaRPr lang="ko-KR" altLang="en-US" sz="1200" dirty="0">
+                        <a:solidFill>
+                          <a:schemeClr val="tx1"/>
+                        </a:solidFill>
+                        <a:latin typeface="+mn-ea"/>
+                        <a:ea typeface="+mn-ea"/>
+                      </a:endParaRPr>
+                    </a:p>
+                  </a:txBody>
+                  <a:tcPr marL="66261" marR="66261" marT="33130" marB="33130" anchor="ctr">
+                    <a:lnL w="3556" cap="flat" cmpd="sng" algn="ctr">
+                      <a:solidFill>
+                        <a:srgbClr val="000000"/>
+                      </a:solidFill>
+                      <a:prstDash val="solid"/>
+                      <a:round/>
+                      <a:headEnd type="none" w="med" len="med"/>
+                      <a:tailEnd type="none" w="med" len="med"/>
+                    </a:lnL>
+                    <a:lnR w="3556" cap="flat" cmpd="sng" algn="ctr">
+                      <a:solidFill>
+                        <a:srgbClr val="000000"/>
+                      </a:solidFill>
+                      <a:prstDash val="solid"/>
+                      <a:round/>
+                      <a:headEnd type="none" w="med" len="med"/>
+                      <a:tailEnd type="none" w="med" len="med"/>
+                    </a:lnR>
+                    <a:lnT w="3556" cap="flat" cmpd="sng" algn="ctr">
+                      <a:solidFill>
+                        <a:srgbClr val="000000"/>
+                      </a:solidFill>
+                      <a:prstDash val="solid"/>
+                      <a:round/>
+                      <a:headEnd type="none" w="med" len="med"/>
+                      <a:tailEnd type="none" w="med" len="med"/>
+                    </a:lnT>
+                    <a:lnB w="3556" cap="flat" cmpd="sng" algn="ctr">
+                      <a:solidFill>
+                        <a:srgbClr val="000000"/>
+                      </a:solidFill>
+                      <a:prstDash val="solid"/>
+                      <a:round/>
+                      <a:headEnd type="none" w="med" len="med"/>
+                      <a:tailEnd type="none" w="med" len="med"/>
+                    </a:lnB>
+                    <a:noFill/>
+                  </a:tcPr>
+                </a:tc>
+                <a:tc>
+                  <a:txBody>
+                    <a:bodyPr/>
+                    <a:lstStyle/>
+                    <a:p>
+                      <a:pPr marL="0" marR="0" algn="ctr">
+                        <a:lnSpc>
+                          <a:spcPct val="160000"/>
+                        </a:lnSpc>
+                        <a:spcBef>
+                          <a:spcPts val="0"/>
+                        </a:spcBef>
+                        <a:spcAft>
+                          <a:spcPts val="0"/>
+                        </a:spcAft>
+                      </a:pPr>
+                      <a:endParaRPr lang="ko-KR" altLang="en-US" sz="1200" dirty="0">
+                        <a:solidFill>
+                          <a:schemeClr val="tx1"/>
+                        </a:solidFill>
+                        <a:latin typeface="+mn-ea"/>
+                        <a:ea typeface="+mn-ea"/>
+                      </a:endParaRPr>
+                    </a:p>
+                  </a:txBody>
+                  <a:tcPr marL="66261" marR="66261" marT="33130" marB="33130" anchor="ctr">
+                    <a:lnL w="3556" cap="flat" cmpd="sng" algn="ctr">
+                      <a:solidFill>
+                        <a:srgbClr val="000000"/>
+                      </a:solidFill>
+                      <a:prstDash val="solid"/>
+                      <a:round/>
+                      <a:headEnd type="none" w="med" len="med"/>
+                      <a:tailEnd type="none" w="med" len="med"/>
+                    </a:lnL>
+                    <a:lnR w="3556" cap="flat" cmpd="sng" algn="ctr">
+                      <a:solidFill>
+                        <a:srgbClr val="000000"/>
+                      </a:solidFill>
+                      <a:prstDash val="solid"/>
+                      <a:round/>
+                      <a:headEnd type="none" w="med" len="med"/>
+                      <a:tailEnd type="none" w="med" len="med"/>
+                    </a:lnR>
+                    <a:lnT w="3556" cap="flat" cmpd="sng" algn="ctr">
+                      <a:solidFill>
+                        <a:srgbClr val="000000"/>
+                      </a:solidFill>
+                      <a:prstDash val="solid"/>
+                      <a:round/>
+                      <a:headEnd type="none" w="med" len="med"/>
+                      <a:tailEnd type="none" w="med" len="med"/>
+                    </a:lnT>
+                    <a:lnB w="3556" cap="flat" cmpd="sng" algn="ctr">
+                      <a:solidFill>
+                        <a:srgbClr val="000000"/>
+                      </a:solidFill>
+                      <a:prstDash val="solid"/>
+                      <a:round/>
+                      <a:headEnd type="none" w="med" len="med"/>
+                      <a:tailEnd type="none" w="med" len="med"/>
+                    </a:lnB>
+                    <a:noFill/>
+                  </a:tcPr>
+                </a:tc>
+                <a:tc>
+                  <a:txBody>
+                    <a:bodyPr/>
+                    <a:lstStyle/>
+                    <a:p>
+                      <a:pPr marL="0" marR="0" algn="ctr">
+                        <a:lnSpc>
+                          <a:spcPct val="160000"/>
+                        </a:lnSpc>
+                        <a:spcBef>
+                          <a:spcPts val="0"/>
+                        </a:spcBef>
+                        <a:spcAft>
+                          <a:spcPts val="0"/>
+                        </a:spcAft>
+                      </a:pPr>
+                      <a:endParaRPr lang="ko-KR" altLang="en-US" sz="1200" dirty="0">
+                        <a:solidFill>
+                          <a:schemeClr val="tx1"/>
+                        </a:solidFill>
+                        <a:latin typeface="+mn-ea"/>
+                        <a:ea typeface="+mn-ea"/>
+                      </a:endParaRPr>
+                    </a:p>
+                  </a:txBody>
+                  <a:tcPr marL="66261" marR="66261" marT="33130" marB="33130" anchor="ctr">
+                    <a:lnL w="3556" cap="flat" cmpd="sng" algn="ctr">
+                      <a:solidFill>
+                        <a:srgbClr val="000000"/>
+                      </a:solidFill>
+                      <a:prstDash val="solid"/>
+                      <a:round/>
+                      <a:headEnd type="none" w="med" len="med"/>
+                      <a:tailEnd type="none" w="med" len="med"/>
+                    </a:lnL>
+                    <a:lnR w="3556" cap="flat" cmpd="sng" algn="ctr">
+                      <a:solidFill>
+                        <a:srgbClr val="000000"/>
+                      </a:solidFill>
+                      <a:prstDash val="solid"/>
+                      <a:round/>
+                      <a:headEnd type="none" w="med" len="med"/>
+                      <a:tailEnd type="none" w="med" len="med"/>
+                    </a:lnR>
+                    <a:lnT w="3556" cap="flat" cmpd="sng" algn="ctr">
+                      <a:solidFill>
+                        <a:srgbClr val="000000"/>
+                      </a:solidFill>
+                      <a:prstDash val="solid"/>
+                      <a:round/>
+                      <a:headEnd type="none" w="med" len="med"/>
+                      <a:tailEnd type="none" w="med" len="med"/>
+                    </a:lnT>
+                    <a:lnB w="3556" cap="flat" cmpd="sng" algn="ctr">
+                      <a:solidFill>
+                        <a:srgbClr val="000000"/>
+                      </a:solidFill>
+                      <a:prstDash val="solid"/>
+                      <a:round/>
+                      <a:headEnd type="none" w="med" len="med"/>
+                      <a:tailEnd type="none" w="med" len="med"/>
+                    </a:lnB>
+                    <a:noFill/>
+                  </a:tcPr>
+                </a:tc>
+                <a:tc>
+                  <a:txBody>
+                    <a:bodyPr/>
+                    <a:lstStyle/>
+                    <a:p>
+                      <a:pPr marL="0" marR="0" algn="ctr">
+                        <a:lnSpc>
+                          <a:spcPct val="160000"/>
+                        </a:lnSpc>
+                        <a:spcBef>
+                          <a:spcPts val="0"/>
+                        </a:spcBef>
+                        <a:spcAft>
+                          <a:spcPts val="0"/>
+                        </a:spcAft>
+                      </a:pPr>
+                      <a:endParaRPr lang="ko-KR" altLang="en-US" sz="1200" dirty="0">
+                        <a:solidFill>
+                          <a:schemeClr val="tx1"/>
+                        </a:solidFill>
+                        <a:latin typeface="+mn-ea"/>
+                        <a:ea typeface="+mn-ea"/>
+                      </a:endParaRPr>
+                    </a:p>
+                  </a:txBody>
+                  <a:tcPr marL="66261" marR="66261" marT="33130" marB="33130" anchor="ctr">
+                    <a:lnL w="3556" cap="flat" cmpd="sng" algn="ctr">
+                      <a:solidFill>
+                        <a:srgbClr val="000000"/>
+                      </a:solidFill>
+                      <a:prstDash val="solid"/>
+                      <a:round/>
+                      <a:headEnd type="none" w="med" len="med"/>
+                      <a:tailEnd type="none" w="med" len="med"/>
+                    </a:lnL>
+                    <a:lnR w="3556" cap="flat" cmpd="sng" algn="ctr">
+                      <a:solidFill>
+                        <a:srgbClr val="000000"/>
+                      </a:solidFill>
+                      <a:prstDash val="solid"/>
+                      <a:round/>
+                      <a:headEnd type="none" w="med" len="med"/>
+                      <a:tailEnd type="none" w="med" len="med"/>
+                    </a:lnR>
+                    <a:lnT w="3556" cap="flat" cmpd="sng" algn="ctr">
+                      <a:solidFill>
+                        <a:srgbClr val="000000"/>
+                      </a:solidFill>
+                      <a:prstDash val="solid"/>
+                      <a:round/>
+                      <a:headEnd type="none" w="med" len="med"/>
+                      <a:tailEnd type="none" w="med" len="med"/>
+                    </a:lnT>
+                    <a:lnB w="3556" cap="flat" cmpd="sng" algn="ctr">
+                      <a:solidFill>
+                        <a:srgbClr val="000000"/>
+                      </a:solidFill>
+                      <a:prstDash val="solid"/>
+                      <a:round/>
+                      <a:headEnd type="none" w="med" len="med"/>
+                      <a:tailEnd type="none" w="med" len="med"/>
+                    </a:lnB>
+                    <a:noFill/>
+                  </a:tcPr>
+                </a:tc>
+                <a:tc>
+                  <a:txBody>
+                    <a:bodyPr/>
+                    <a:lstStyle/>
+                    <a:p>
+                      <a:pPr marL="0" marR="0" algn="ctr">
+                        <a:lnSpc>
+                          <a:spcPct val="160000"/>
+                        </a:lnSpc>
+                        <a:spcBef>
+                          <a:spcPts val="0"/>
+                        </a:spcBef>
+                        <a:spcAft>
+                          <a:spcPts val="0"/>
+                        </a:spcAft>
+                      </a:pPr>
+                      <a:endParaRPr lang="ko-KR" altLang="en-US" sz="1200" dirty="0">
+                        <a:solidFill>
+                          <a:schemeClr val="tx1"/>
+                        </a:solidFill>
+                        <a:latin typeface="+mn-ea"/>
+                        <a:ea typeface="+mn-ea"/>
+                      </a:endParaRPr>
+                    </a:p>
+                  </a:txBody>
+                  <a:tcPr marL="66261" marR="66261" marT="33130" marB="33130" anchor="ctr">
+                    <a:lnL w="3556" cap="flat" cmpd="sng" algn="ctr">
+                      <a:solidFill>
+                        <a:srgbClr val="000000"/>
+                      </a:solidFill>
+                      <a:prstDash val="solid"/>
+                      <a:round/>
+                      <a:headEnd type="none" w="med" len="med"/>
+                      <a:tailEnd type="none" w="med" len="med"/>
+                    </a:lnL>
+                    <a:lnR w="3556" cap="flat" cmpd="sng" algn="ctr">
+                      <a:solidFill>
+                        <a:srgbClr val="000000"/>
+                      </a:solidFill>
+                      <a:prstDash val="solid"/>
+                      <a:round/>
+                      <a:headEnd type="none" w="med" len="med"/>
+                      <a:tailEnd type="none" w="med" len="med"/>
+                    </a:lnR>
+                    <a:lnT w="3556" cap="flat" cmpd="sng" algn="ctr">
+                      <a:solidFill>
+                        <a:srgbClr val="000000"/>
+                      </a:solidFill>
+                      <a:prstDash val="solid"/>
+                      <a:round/>
+                      <a:headEnd type="none" w="med" len="med"/>
+                      <a:tailEnd type="none" w="med" len="med"/>
+                    </a:lnT>
+                    <a:lnB w="3556" cap="flat" cmpd="sng" algn="ctr">
+                      <a:solidFill>
+                        <a:srgbClr val="000000"/>
+                      </a:solidFill>
+                      <a:prstDash val="solid"/>
+                      <a:round/>
+                      <a:headEnd type="none" w="med" len="med"/>
+                      <a:tailEnd type="none" w="med" len="med"/>
+                    </a:lnB>
+                    <a:noFill/>
+                  </a:tcPr>
+                </a:tc>
+                <a:tc>
+                  <a:txBody>
+                    <a:bodyPr/>
+                    <a:lstStyle/>
+                    <a:p>
+                      <a:pPr marL="0" marR="0" algn="ctr">
+                        <a:lnSpc>
+                          <a:spcPct val="160000"/>
+                        </a:lnSpc>
+                        <a:spcBef>
+                          <a:spcPts val="0"/>
+                        </a:spcBef>
+                        <a:spcAft>
+                          <a:spcPts val="0"/>
+                        </a:spcAft>
+                      </a:pPr>
+                      <a:endParaRPr lang="ko-KR" altLang="en-US" sz="1200">
+                        <a:solidFill>
+                          <a:schemeClr val="tx1"/>
+                        </a:solidFill>
+                        <a:latin typeface="+mn-ea"/>
+                        <a:ea typeface="+mn-ea"/>
+                      </a:endParaRPr>
+                    </a:p>
+                  </a:txBody>
+                  <a:tcPr marL="66261" marR="66261" marT="33130" marB="33130" anchor="ctr">
+                    <a:lnL w="3556" cap="flat" cmpd="sng" algn="ctr">
+                      <a:solidFill>
+                        <a:srgbClr val="000000"/>
+                      </a:solidFill>
+                      <a:prstDash val="solid"/>
+                      <a:round/>
+                      <a:headEnd type="none" w="med" len="med"/>
+                      <a:tailEnd type="none" w="med" len="med"/>
+                    </a:lnL>
+                    <a:lnR w="3556" cap="flat" cmpd="sng" algn="ctr">
+                      <a:solidFill>
+                        <a:srgbClr val="000000"/>
+                      </a:solidFill>
+                      <a:prstDash val="solid"/>
+                      <a:round/>
+                      <a:headEnd type="none" w="med" len="med"/>
+                      <a:tailEnd type="none" w="med" len="med"/>
+                    </a:lnR>
+                    <a:lnT w="3556" cap="flat" cmpd="sng" algn="ctr">
+                      <a:solidFill>
+                        <a:srgbClr val="000000"/>
+                      </a:solidFill>
+                      <a:prstDash val="solid"/>
+                      <a:round/>
+                      <a:headEnd type="none" w="med" len="med"/>
+                      <a:tailEnd type="none" w="med" len="med"/>
+                    </a:lnT>
+                    <a:lnB w="3556" cap="flat" cmpd="sng" algn="ctr">
+                      <a:solidFill>
+                        <a:srgbClr val="000000"/>
+                      </a:solidFill>
+                      <a:prstDash val="solid"/>
+                      <a:round/>
+                      <a:headEnd type="none" w="med" len="med"/>
+                      <a:tailEnd type="none" w="med" len="med"/>
+                    </a:lnB>
+                    <a:solidFill>
+                      <a:srgbClr val="CCCCCC"/>
+                    </a:solidFill>
+                  </a:tcPr>
+                </a:tc>
+                <a:tc>
+                  <a:txBody>
+                    <a:bodyPr/>
+                    <a:lstStyle/>
+                    <a:p>
+                      <a:pPr marL="0" marR="0" algn="ctr">
+                        <a:lnSpc>
+                          <a:spcPct val="160000"/>
+                        </a:lnSpc>
+                        <a:spcBef>
+                          <a:spcPts val="0"/>
+                        </a:spcBef>
+                        <a:spcAft>
+                          <a:spcPts val="0"/>
+                        </a:spcAft>
+                      </a:pPr>
+                      <a:endParaRPr lang="ko-KR" altLang="en-US" sz="1200">
+                        <a:solidFill>
+                          <a:schemeClr val="tx1"/>
+                        </a:solidFill>
+                        <a:latin typeface="+mn-ea"/>
+                        <a:ea typeface="+mn-ea"/>
+                      </a:endParaRPr>
+                    </a:p>
+                  </a:txBody>
+                  <a:tcPr marL="66261" marR="66261" marT="33130" marB="33130" anchor="ctr">
+                    <a:lnL w="3556" cap="flat" cmpd="sng" algn="ctr">
+                      <a:solidFill>
+                        <a:srgbClr val="000000"/>
+                      </a:solidFill>
+                      <a:prstDash val="solid"/>
+                      <a:round/>
+                      <a:headEnd type="none" w="med" len="med"/>
+                      <a:tailEnd type="none" w="med" len="med"/>
+                    </a:lnL>
+                    <a:lnR w="3556" cap="flat" cmpd="sng" algn="ctr">
+                      <a:solidFill>
+                        <a:srgbClr val="000000"/>
+                      </a:solidFill>
+                      <a:prstDash val="solid"/>
+                      <a:round/>
+                      <a:headEnd type="none" w="med" len="med"/>
+                      <a:tailEnd type="none" w="med" len="med"/>
+                    </a:lnR>
+                    <a:lnT w="3556" cap="flat" cmpd="sng" algn="ctr">
+                      <a:solidFill>
+                        <a:srgbClr val="000000"/>
+                      </a:solidFill>
+                      <a:prstDash val="solid"/>
+                      <a:round/>
+                      <a:headEnd type="none" w="med" len="med"/>
+                      <a:tailEnd type="none" w="med" len="med"/>
+                    </a:lnT>
+                    <a:lnB w="3556" cap="flat" cmpd="sng" algn="ctr">
+                      <a:solidFill>
+                        <a:srgbClr val="000000"/>
+                      </a:solidFill>
+                      <a:prstDash val="solid"/>
+                      <a:round/>
+                      <a:headEnd type="none" w="med" len="med"/>
+                      <a:tailEnd type="none" w="med" len="med"/>
+                    </a:lnB>
+                    <a:solidFill>
+                      <a:srgbClr val="CCCCCC"/>
+                    </a:solidFill>
+                  </a:tcPr>
+                </a:tc>
+                <a:tc>
+                  <a:txBody>
+                    <a:bodyPr/>
+                    <a:lstStyle/>
+                    <a:p>
+                      <a:pPr marL="0" marR="0" algn="ctr">
+                        <a:lnSpc>
+                          <a:spcPct val="160000"/>
+                        </a:lnSpc>
+                        <a:spcBef>
+                          <a:spcPts val="0"/>
+                        </a:spcBef>
+                        <a:spcAft>
+                          <a:spcPts val="0"/>
+                        </a:spcAft>
+                      </a:pPr>
+                      <a:endParaRPr lang="ko-KR" altLang="en-US" sz="1200">
+                        <a:solidFill>
+                          <a:schemeClr val="tx1"/>
+                        </a:solidFill>
+                        <a:latin typeface="+mn-ea"/>
+                        <a:ea typeface="+mn-ea"/>
+                      </a:endParaRPr>
+                    </a:p>
+                  </a:txBody>
+                  <a:tcPr marL="66261" marR="66261" marT="33130" marB="33130" anchor="ctr">
+                    <a:lnL w="3556" cap="flat" cmpd="sng" algn="ctr">
+                      <a:solidFill>
+                        <a:srgbClr val="000000"/>
+                      </a:solidFill>
+                      <a:prstDash val="solid"/>
+                      <a:round/>
+                      <a:headEnd type="none" w="med" len="med"/>
+                      <a:tailEnd type="none" w="med" len="med"/>
+                    </a:lnL>
+                    <a:lnR w="3556" cap="flat" cmpd="sng" algn="ctr">
+                      <a:solidFill>
+                        <a:srgbClr val="000000"/>
+                      </a:solidFill>
+                      <a:prstDash val="solid"/>
+                      <a:round/>
+                      <a:headEnd type="none" w="med" len="med"/>
+                      <a:tailEnd type="none" w="med" len="med"/>
+                    </a:lnR>
+                    <a:lnT w="3556" cap="flat" cmpd="sng" algn="ctr">
+                      <a:solidFill>
+                        <a:srgbClr val="000000"/>
+                      </a:solidFill>
+                      <a:prstDash val="solid"/>
+                      <a:round/>
+                      <a:headEnd type="none" w="med" len="med"/>
+                      <a:tailEnd type="none" w="med" len="med"/>
+                    </a:lnT>
+                    <a:lnB w="3556" cap="flat" cmpd="sng" algn="ctr">
+                      <a:solidFill>
+                        <a:srgbClr val="000000"/>
+                      </a:solidFill>
+                      <a:prstDash val="solid"/>
+                      <a:round/>
+                      <a:headEnd type="none" w="med" len="med"/>
+                      <a:tailEnd type="none" w="med" len="med"/>
+                    </a:lnB>
+                    <a:solidFill>
+                      <a:srgbClr val="CCCCCC"/>
+                    </a:solidFill>
+                  </a:tcPr>
+                </a:tc>
+                <a:tc>
+                  <a:txBody>
+                    <a:bodyPr/>
+                    <a:lstStyle/>
+                    <a:p>
+                      <a:pPr marL="0" marR="0" algn="ctr">
+                        <a:lnSpc>
+                          <a:spcPct val="160000"/>
+                        </a:lnSpc>
+                        <a:spcBef>
+                          <a:spcPts val="0"/>
+                        </a:spcBef>
+                        <a:spcAft>
+                          <a:spcPts val="0"/>
+                        </a:spcAft>
+                      </a:pPr>
+                      <a:endParaRPr lang="ko-KR" altLang="en-US" sz="1200">
+                        <a:solidFill>
+                          <a:schemeClr val="tx1"/>
+                        </a:solidFill>
+                        <a:latin typeface="+mn-ea"/>
+                        <a:ea typeface="+mn-ea"/>
+                      </a:endParaRPr>
+                    </a:p>
+                  </a:txBody>
+                  <a:tcPr marL="66261" marR="66261" marT="33130" marB="33130" anchor="ctr">
+                    <a:lnL w="3556" cap="flat" cmpd="sng" algn="ctr">
+                      <a:solidFill>
+                        <a:srgbClr val="000000"/>
+                      </a:solidFill>
+                      <a:prstDash val="solid"/>
+                      <a:round/>
+                      <a:headEnd type="none" w="med" len="med"/>
+                      <a:tailEnd type="none" w="med" len="med"/>
+                    </a:lnL>
+                    <a:lnR w="3556" cap="flat" cmpd="sng" algn="ctr">
+                      <a:solidFill>
+                        <a:srgbClr val="000000"/>
+                      </a:solidFill>
+                      <a:prstDash val="solid"/>
+                      <a:round/>
+                      <a:headEnd type="none" w="med" len="med"/>
+                      <a:tailEnd type="none" w="med" len="med"/>
+                    </a:lnR>
+                    <a:lnT w="3556" cap="flat" cmpd="sng" algn="ctr">
+                      <a:solidFill>
+                        <a:srgbClr val="000000"/>
+                      </a:solidFill>
+                      <a:prstDash val="solid"/>
+                      <a:round/>
+                      <a:headEnd type="none" w="med" len="med"/>
+                      <a:tailEnd type="none" w="med" len="med"/>
+                    </a:lnT>
+                    <a:lnB w="3556" cap="flat" cmpd="sng" algn="ctr">
+                      <a:solidFill>
+                        <a:srgbClr val="000000"/>
+                      </a:solidFill>
+                      <a:prstDash val="solid"/>
+                      <a:round/>
+                      <a:headEnd type="none" w="med" len="med"/>
+                      <a:tailEnd type="none" w="med" len="med"/>
+                    </a:lnB>
+                  </a:tcPr>
+                </a:tc>
+                <a:tc>
+                  <a:txBody>
+                    <a:bodyPr/>
+                    <a:lstStyle/>
+                    <a:p>
+                      <a:pPr marL="0" marR="0" algn="ctr">
+                        <a:lnSpc>
+                          <a:spcPct val="160000"/>
+                        </a:lnSpc>
+                        <a:spcBef>
+                          <a:spcPts val="0"/>
+                        </a:spcBef>
+                        <a:spcAft>
+                          <a:spcPts val="0"/>
+                        </a:spcAft>
+                      </a:pPr>
+                      <a:endParaRPr lang="ko-KR" altLang="en-US" sz="1200">
+                        <a:solidFill>
+                          <a:schemeClr val="tx1"/>
+                        </a:solidFill>
+                        <a:latin typeface="+mn-ea"/>
+                        <a:ea typeface="+mn-ea"/>
+                      </a:endParaRPr>
+                    </a:p>
+                  </a:txBody>
+                  <a:tcPr marL="66261" marR="66261" marT="33130" marB="33130" anchor="ctr">
+                    <a:lnL w="3556" cap="flat" cmpd="sng" algn="ctr">
+                      <a:solidFill>
+                        <a:srgbClr val="000000"/>
+                      </a:solidFill>
+                      <a:prstDash val="solid"/>
+                      <a:round/>
+                      <a:headEnd type="none" w="med" len="med"/>
+                      <a:tailEnd type="none" w="med" len="med"/>
+                    </a:lnL>
+                    <a:lnR w="3556" cap="flat" cmpd="sng" algn="ctr">
+                      <a:solidFill>
+                        <a:srgbClr val="000000"/>
+                      </a:solidFill>
+                      <a:prstDash val="solid"/>
+                      <a:round/>
+                      <a:headEnd type="none" w="med" len="med"/>
+                      <a:tailEnd type="none" w="med" len="med"/>
+                    </a:lnR>
+                    <a:lnT w="3556" cap="flat" cmpd="sng" algn="ctr">
+                      <a:solidFill>
+                        <a:srgbClr val="000000"/>
+                      </a:solidFill>
+                      <a:prstDash val="solid"/>
+                      <a:round/>
+                      <a:headEnd type="none" w="med" len="med"/>
+                      <a:tailEnd type="none" w="med" len="med"/>
+                    </a:lnT>
+                    <a:lnB w="3556" cap="flat" cmpd="sng" algn="ctr">
+                      <a:solidFill>
+                        <a:srgbClr val="000000"/>
+                      </a:solidFill>
+                      <a:prstDash val="solid"/>
+                      <a:round/>
+                      <a:headEnd type="none" w="med" len="med"/>
+                      <a:tailEnd type="none" w="med" len="med"/>
+                    </a:lnB>
+                  </a:tcPr>
+                </a:tc>
+                <a:tc>
+                  <a:txBody>
+                    <a:bodyPr/>
+                    <a:lstStyle/>
+                    <a:p>
+                      <a:pPr marL="0" marR="0" algn="just">
+                        <a:lnSpc>
+                          <a:spcPct val="160000"/>
+                        </a:lnSpc>
+                        <a:spcBef>
+                          <a:spcPts val="0"/>
+                        </a:spcBef>
+                        <a:spcAft>
+                          <a:spcPts val="0"/>
+                        </a:spcAft>
+                      </a:pPr>
+                      <a:endParaRPr lang="ko-KR" altLang="en-US" sz="1200" dirty="0">
+                        <a:solidFill>
+                          <a:schemeClr val="tx1"/>
+                        </a:solidFill>
+                        <a:latin typeface="+mn-ea"/>
+                        <a:ea typeface="+mn-ea"/>
+                      </a:endParaRPr>
+                    </a:p>
+                  </a:txBody>
+                  <a:tcPr marL="66261" marR="66261" marT="33130" marB="33130" anchor="ctr">
+                    <a:lnL w="3556" cap="flat" cmpd="sng" algn="ctr">
+                      <a:solidFill>
+                        <a:srgbClr val="000000"/>
+                      </a:solidFill>
+                      <a:prstDash val="solid"/>
+                      <a:round/>
+                      <a:headEnd type="none" w="med" len="med"/>
+                      <a:tailEnd type="none" w="med" len="med"/>
+                    </a:lnL>
+                    <a:lnR w="21590" cap="flat" cmpd="sng" algn="ctr">
+                      <a:solidFill>
+                        <a:srgbClr val="000000"/>
+                      </a:solidFill>
+                      <a:prstDash val="solid"/>
+                      <a:round/>
+                      <a:headEnd type="none" w="med" len="med"/>
+                      <a:tailEnd type="none" w="med" len="med"/>
+                    </a:lnR>
+                    <a:lnT w="3556" cap="flat" cmpd="sng" algn="ctr">
+                      <a:solidFill>
+                        <a:srgbClr val="000000"/>
+                      </a:solidFill>
+                      <a:prstDash val="solid"/>
+                      <a:round/>
+                      <a:headEnd type="none" w="med" len="med"/>
+                      <a:tailEnd type="none" w="med" len="med"/>
+                    </a:lnT>
+                    <a:lnB w="3556" cap="flat" cmpd="sng" algn="ctr">
+                      <a:solidFill>
+                        <a:srgbClr val="000000"/>
+                      </a:solidFill>
+                      <a:prstDash val="solid"/>
+                      <a:round/>
+                      <a:headEnd type="none" w="med" len="med"/>
+                      <a:tailEnd type="none" w="med" len="med"/>
+                    </a:lnB>
+                  </a:tcPr>
+                </a:tc>
+              </a:tr>
+              <a:tr h="589622">
+                <a:tc>
+                  <a:txBody>
+                    <a:bodyPr/>
+                    <a:lstStyle/>
+                    <a:p>
+                      <a:pPr marL="0" marR="0" algn="ctr">
+                        <a:lnSpc>
+                          <a:spcPct val="160000"/>
+                        </a:lnSpc>
+                        <a:spcBef>
+                          <a:spcPts val="0"/>
+                        </a:spcBef>
+                        <a:spcAft>
+                          <a:spcPts val="0"/>
+                        </a:spcAft>
+                      </a:pPr>
+                      <a:r>
+                        <a:rPr lang="en-US" sz="1200" b="1" dirty="0">
+                          <a:solidFill>
+                            <a:schemeClr val="tx1"/>
+                          </a:solidFill>
+                          <a:latin typeface="+mn-ea"/>
+                          <a:ea typeface="+mn-ea"/>
+                        </a:rPr>
+                        <a:t>7</a:t>
+                      </a:r>
+                      <a:endParaRPr lang="en-US" sz="1200" dirty="0">
+                        <a:solidFill>
+                          <a:schemeClr val="tx1"/>
+                        </a:solidFill>
+                        <a:latin typeface="+mn-ea"/>
+                        <a:ea typeface="+mn-ea"/>
+                      </a:endParaRPr>
+                    </a:p>
+                  </a:txBody>
+                  <a:tcPr marL="66261" marR="66261" marT="33130" marB="33130" anchor="ctr">
+                    <a:lnL w="21590" cap="flat" cmpd="sng" algn="ctr">
+                      <a:solidFill>
+                        <a:srgbClr val="000000"/>
+                      </a:solidFill>
+                      <a:prstDash val="solid"/>
+                      <a:round/>
+                      <a:headEnd type="none" w="med" len="med"/>
+                      <a:tailEnd type="none" w="med" len="med"/>
+                    </a:lnL>
+                    <a:lnR w="3556" cap="flat" cmpd="sng" algn="ctr">
+                      <a:solidFill>
+                        <a:srgbClr val="000000"/>
+                      </a:solidFill>
+                      <a:prstDash val="solid"/>
+                      <a:round/>
+                      <a:headEnd type="none" w="med" len="med"/>
+                      <a:tailEnd type="none" w="med" len="med"/>
+                    </a:lnR>
+                    <a:lnT w="3556" cap="flat" cmpd="sng" algn="ctr">
+                      <a:solidFill>
+                        <a:srgbClr val="000000"/>
+                      </a:solidFill>
+                      <a:prstDash val="solid"/>
+                      <a:round/>
+                      <a:headEnd type="none" w="med" len="med"/>
+                      <a:tailEnd type="none" w="med" len="med"/>
+                    </a:lnT>
+                    <a:lnB w="21590" cap="flat" cmpd="sng" algn="ctr">
+                      <a:solidFill>
+                        <a:srgbClr val="000000"/>
+                      </a:solidFill>
+                      <a:prstDash val="solid"/>
+                      <a:round/>
+                      <a:headEnd type="none" w="med" len="med"/>
+                      <a:tailEnd type="none" w="med" len="med"/>
+                    </a:lnB>
+                  </a:tcPr>
+                </a:tc>
+                <a:tc>
+                  <a:txBody>
+                    <a:bodyPr/>
+                    <a:lstStyle/>
+                    <a:p>
+                      <a:pPr marL="0" marR="0" algn="ctr">
+                        <a:lnSpc>
+                          <a:spcPct val="160000"/>
+                        </a:lnSpc>
+                        <a:spcBef>
+                          <a:spcPts val="0"/>
+                        </a:spcBef>
+                        <a:spcAft>
+                          <a:spcPts val="0"/>
+                        </a:spcAft>
+                      </a:pPr>
+                      <a:r>
+                        <a:rPr lang="en-US" sz="1200" b="1" dirty="0">
+                          <a:solidFill>
+                            <a:schemeClr val="tx1"/>
+                          </a:solidFill>
+                          <a:latin typeface="+mn-ea"/>
+                          <a:ea typeface="+mn-ea"/>
+                        </a:rPr>
+                        <a:t>Debugging &amp;</a:t>
+                      </a:r>
+                      <a:endParaRPr lang="en-US" sz="1200" dirty="0">
+                        <a:solidFill>
+                          <a:schemeClr val="tx1"/>
+                        </a:solidFill>
+                        <a:latin typeface="+mn-ea"/>
+                        <a:ea typeface="+mn-ea"/>
+                      </a:endParaRPr>
+                    </a:p>
+                    <a:p>
+                      <a:pPr marL="0" marR="0" algn="ctr">
+                        <a:lnSpc>
+                          <a:spcPct val="160000"/>
+                        </a:lnSpc>
+                        <a:spcBef>
+                          <a:spcPts val="0"/>
+                        </a:spcBef>
+                        <a:spcAft>
+                          <a:spcPts val="0"/>
+                        </a:spcAft>
+                      </a:pPr>
+                      <a:r>
+                        <a:rPr lang="en-US" sz="1200" b="1" dirty="0">
+                          <a:solidFill>
+                            <a:schemeClr val="tx1"/>
+                          </a:solidFill>
+                          <a:latin typeface="+mn-ea"/>
+                          <a:ea typeface="+mn-ea"/>
+                        </a:rPr>
+                        <a:t>Test</a:t>
+                      </a:r>
+                      <a:endParaRPr lang="en-US" sz="1200" dirty="0">
+                        <a:solidFill>
+                          <a:schemeClr val="tx1"/>
+                        </a:solidFill>
+                        <a:latin typeface="+mn-ea"/>
+                        <a:ea typeface="+mn-ea"/>
+                      </a:endParaRPr>
+                    </a:p>
+                  </a:txBody>
+                  <a:tcPr marL="66261" marR="66261" marT="33130" marB="33130" anchor="ctr">
+                    <a:lnL w="3556" cap="flat" cmpd="sng" algn="ctr">
+                      <a:solidFill>
+                        <a:srgbClr val="000000"/>
+                      </a:solidFill>
+                      <a:prstDash val="solid"/>
+                      <a:round/>
+                      <a:headEnd type="none" w="med" len="med"/>
+                      <a:tailEnd type="none" w="med" len="med"/>
+                    </a:lnL>
+                    <a:lnR w="3556" cap="flat" cmpd="sng" algn="ctr">
+                      <a:solidFill>
+                        <a:srgbClr val="000000"/>
+                      </a:solidFill>
+                      <a:prstDash val="solid"/>
+                      <a:round/>
+                      <a:headEnd type="none" w="med" len="med"/>
+                      <a:tailEnd type="none" w="med" len="med"/>
+                    </a:lnR>
+                    <a:lnT w="3556" cap="flat" cmpd="sng" algn="ctr">
+                      <a:solidFill>
+                        <a:srgbClr val="000000"/>
+                      </a:solidFill>
+                      <a:prstDash val="solid"/>
+                      <a:round/>
+                      <a:headEnd type="none" w="med" len="med"/>
+                      <a:tailEnd type="none" w="med" len="med"/>
+                    </a:lnT>
+                    <a:lnB w="21590" cap="flat" cmpd="sng" algn="ctr">
+                      <a:solidFill>
+                        <a:srgbClr val="000000"/>
+                      </a:solidFill>
+                      <a:prstDash val="solid"/>
+                      <a:round/>
+                      <a:headEnd type="none" w="med" len="med"/>
+                      <a:tailEnd type="none" w="med" len="med"/>
+                    </a:lnB>
+                  </a:tcPr>
+                </a:tc>
+                <a:tc>
+                  <a:txBody>
+                    <a:bodyPr/>
+                    <a:lstStyle/>
+                    <a:p>
+                      <a:pPr marL="0" marR="0" algn="ctr">
+                        <a:lnSpc>
+                          <a:spcPct val="160000"/>
+                        </a:lnSpc>
+                        <a:spcBef>
+                          <a:spcPts val="0"/>
+                        </a:spcBef>
+                        <a:spcAft>
+                          <a:spcPts val="0"/>
+                        </a:spcAft>
+                      </a:pPr>
+                      <a:endParaRPr lang="ko-KR" altLang="en-US" sz="1200" dirty="0">
+                        <a:solidFill>
+                          <a:schemeClr val="tx1"/>
+                        </a:solidFill>
+                        <a:latin typeface="+mn-ea"/>
+                        <a:ea typeface="+mn-ea"/>
+                      </a:endParaRPr>
+                    </a:p>
+                  </a:txBody>
+                  <a:tcPr marL="66261" marR="66261" marT="33130" marB="33130" anchor="ctr">
+                    <a:lnL w="3556" cap="flat" cmpd="sng" algn="ctr">
+                      <a:solidFill>
+                        <a:srgbClr val="000000"/>
+                      </a:solidFill>
+                      <a:prstDash val="solid"/>
+                      <a:round/>
+                      <a:headEnd type="none" w="med" len="med"/>
+                      <a:tailEnd type="none" w="med" len="med"/>
+                    </a:lnL>
+                    <a:lnR w="3556" cap="flat" cmpd="sng" algn="ctr">
+                      <a:solidFill>
+                        <a:srgbClr val="000000"/>
+                      </a:solidFill>
+                      <a:prstDash val="solid"/>
+                      <a:round/>
+                      <a:headEnd type="none" w="med" len="med"/>
+                      <a:tailEnd type="none" w="med" len="med"/>
+                    </a:lnR>
+                    <a:lnT w="3556" cap="flat" cmpd="sng" algn="ctr">
+                      <a:solidFill>
+                        <a:srgbClr val="000000"/>
+                      </a:solidFill>
+                      <a:prstDash val="solid"/>
+                      <a:round/>
+                      <a:headEnd type="none" w="med" len="med"/>
+                      <a:tailEnd type="none" w="med" len="med"/>
+                    </a:lnT>
+                    <a:lnB w="21590" cap="flat" cmpd="sng" algn="ctr">
+                      <a:solidFill>
+                        <a:srgbClr val="000000"/>
+                      </a:solidFill>
+                      <a:prstDash val="solid"/>
+                      <a:round/>
+                      <a:headEnd type="none" w="med" len="med"/>
+                      <a:tailEnd type="none" w="med" len="med"/>
+                    </a:lnB>
+                    <a:noFill/>
+                  </a:tcPr>
+                </a:tc>
+                <a:tc>
+                  <a:txBody>
+                    <a:bodyPr/>
+                    <a:lstStyle/>
+                    <a:p>
+                      <a:pPr marL="0" marR="0" algn="ctr">
+                        <a:lnSpc>
+                          <a:spcPct val="160000"/>
+                        </a:lnSpc>
+                        <a:spcBef>
+                          <a:spcPts val="0"/>
+                        </a:spcBef>
+                        <a:spcAft>
+                          <a:spcPts val="0"/>
+                        </a:spcAft>
+                      </a:pPr>
+                      <a:endParaRPr lang="ko-KR" altLang="en-US" sz="1200" dirty="0">
+                        <a:solidFill>
+                          <a:schemeClr val="tx1"/>
+                        </a:solidFill>
+                        <a:latin typeface="+mn-ea"/>
+                        <a:ea typeface="+mn-ea"/>
+                      </a:endParaRPr>
+                    </a:p>
+                  </a:txBody>
+                  <a:tcPr marL="66261" marR="66261" marT="33130" marB="33130" anchor="ctr">
+                    <a:lnL w="3556" cap="flat" cmpd="sng" algn="ctr">
+                      <a:solidFill>
+                        <a:srgbClr val="000000"/>
+                      </a:solidFill>
+                      <a:prstDash val="solid"/>
+                      <a:round/>
+                      <a:headEnd type="none" w="med" len="med"/>
+                      <a:tailEnd type="none" w="med" len="med"/>
+                    </a:lnL>
+                    <a:lnR w="3556" cap="flat" cmpd="sng" algn="ctr">
+                      <a:solidFill>
+                        <a:srgbClr val="000000"/>
+                      </a:solidFill>
+                      <a:prstDash val="solid"/>
+                      <a:round/>
+                      <a:headEnd type="none" w="med" len="med"/>
+                      <a:tailEnd type="none" w="med" len="med"/>
+                    </a:lnR>
+                    <a:lnT w="3556" cap="flat" cmpd="sng" algn="ctr">
+                      <a:solidFill>
+                        <a:srgbClr val="000000"/>
+                      </a:solidFill>
+                      <a:prstDash val="solid"/>
+                      <a:round/>
+                      <a:headEnd type="none" w="med" len="med"/>
+                      <a:tailEnd type="none" w="med" len="med"/>
+                    </a:lnT>
+                    <a:lnB w="21590" cap="flat" cmpd="sng" algn="ctr">
+                      <a:solidFill>
+                        <a:srgbClr val="000000"/>
+                      </a:solidFill>
+                      <a:prstDash val="solid"/>
+                      <a:round/>
+                      <a:headEnd type="none" w="med" len="med"/>
+                      <a:tailEnd type="none" w="med" len="med"/>
+                    </a:lnB>
+                    <a:solidFill>
+                      <a:srgbClr val="C0C0C0"/>
+                    </a:solidFill>
+                  </a:tcPr>
+                </a:tc>
+                <a:tc>
+                  <a:txBody>
+                    <a:bodyPr/>
+                    <a:lstStyle/>
+                    <a:p>
+                      <a:pPr marL="0" marR="0" algn="ctr">
+                        <a:lnSpc>
+                          <a:spcPct val="160000"/>
+                        </a:lnSpc>
+                        <a:spcBef>
+                          <a:spcPts val="0"/>
+                        </a:spcBef>
+                        <a:spcAft>
+                          <a:spcPts val="0"/>
+                        </a:spcAft>
+                      </a:pPr>
+                      <a:endParaRPr lang="ko-KR" altLang="en-US" sz="1200" dirty="0">
+                        <a:solidFill>
+                          <a:schemeClr val="tx1"/>
+                        </a:solidFill>
+                        <a:latin typeface="+mn-ea"/>
+                        <a:ea typeface="+mn-ea"/>
+                      </a:endParaRPr>
+                    </a:p>
+                  </a:txBody>
+                  <a:tcPr marL="66261" marR="66261" marT="33130" marB="33130" anchor="ctr">
+                    <a:lnL w="3556" cap="flat" cmpd="sng" algn="ctr">
+                      <a:solidFill>
+                        <a:srgbClr val="000000"/>
+                      </a:solidFill>
+                      <a:prstDash val="solid"/>
+                      <a:round/>
+                      <a:headEnd type="none" w="med" len="med"/>
+                      <a:tailEnd type="none" w="med" len="med"/>
+                    </a:lnL>
+                    <a:lnR w="3556" cap="flat" cmpd="sng" algn="ctr">
+                      <a:solidFill>
+                        <a:srgbClr val="000000"/>
+                      </a:solidFill>
+                      <a:prstDash val="solid"/>
+                      <a:round/>
+                      <a:headEnd type="none" w="med" len="med"/>
+                      <a:tailEnd type="none" w="med" len="med"/>
+                    </a:lnR>
+                    <a:lnT w="3556" cap="flat" cmpd="sng" algn="ctr">
+                      <a:solidFill>
+                        <a:srgbClr val="000000"/>
+                      </a:solidFill>
+                      <a:prstDash val="solid"/>
+                      <a:round/>
+                      <a:headEnd type="none" w="med" len="med"/>
+                      <a:tailEnd type="none" w="med" len="med"/>
+                    </a:lnT>
+                    <a:lnB w="21590" cap="flat" cmpd="sng" algn="ctr">
+                      <a:solidFill>
+                        <a:srgbClr val="000000"/>
+                      </a:solidFill>
+                      <a:prstDash val="solid"/>
+                      <a:round/>
+                      <a:headEnd type="none" w="med" len="med"/>
+                      <a:tailEnd type="none" w="med" len="med"/>
+                    </a:lnB>
+                    <a:solidFill>
+                      <a:srgbClr val="C0C0C0"/>
+                    </a:solidFill>
+                  </a:tcPr>
+                </a:tc>
+                <a:tc>
+                  <a:txBody>
+                    <a:bodyPr/>
+                    <a:lstStyle/>
+                    <a:p>
+                      <a:pPr marL="0" marR="0" algn="ctr">
+                        <a:lnSpc>
+                          <a:spcPct val="160000"/>
+                        </a:lnSpc>
+                        <a:spcBef>
+                          <a:spcPts val="0"/>
+                        </a:spcBef>
+                        <a:spcAft>
+                          <a:spcPts val="0"/>
+                        </a:spcAft>
+                      </a:pPr>
+                      <a:endParaRPr lang="ko-KR" altLang="en-US" sz="1200" dirty="0">
+                        <a:solidFill>
+                          <a:schemeClr val="tx1"/>
+                        </a:solidFill>
+                        <a:latin typeface="+mn-ea"/>
+                        <a:ea typeface="+mn-ea"/>
+                      </a:endParaRPr>
+                    </a:p>
+                  </a:txBody>
+                  <a:tcPr marL="66261" marR="66261" marT="33130" marB="33130" anchor="ctr">
+                    <a:lnL w="3556" cap="flat" cmpd="sng" algn="ctr">
+                      <a:solidFill>
+                        <a:srgbClr val="000000"/>
+                      </a:solidFill>
+                      <a:prstDash val="solid"/>
+                      <a:round/>
+                      <a:headEnd type="none" w="med" len="med"/>
+                      <a:tailEnd type="none" w="med" len="med"/>
+                    </a:lnL>
+                    <a:lnR w="3556" cap="flat" cmpd="sng" algn="ctr">
+                      <a:solidFill>
+                        <a:srgbClr val="000000"/>
+                      </a:solidFill>
+                      <a:prstDash val="solid"/>
+                      <a:round/>
+                      <a:headEnd type="none" w="med" len="med"/>
+                      <a:tailEnd type="none" w="med" len="med"/>
+                    </a:lnR>
+                    <a:lnT w="3556" cap="flat" cmpd="sng" algn="ctr">
+                      <a:solidFill>
+                        <a:srgbClr val="000000"/>
+                      </a:solidFill>
+                      <a:prstDash val="solid"/>
+                      <a:round/>
+                      <a:headEnd type="none" w="med" len="med"/>
+                      <a:tailEnd type="none" w="med" len="med"/>
+                    </a:lnT>
+                    <a:lnB w="21590" cap="flat" cmpd="sng" algn="ctr">
+                      <a:solidFill>
+                        <a:srgbClr val="000000"/>
+                      </a:solidFill>
+                      <a:prstDash val="solid"/>
+                      <a:round/>
+                      <a:headEnd type="none" w="med" len="med"/>
+                      <a:tailEnd type="none" w="med" len="med"/>
+                    </a:lnB>
+                    <a:solidFill>
+                      <a:srgbClr val="C0C0C0"/>
+                    </a:solidFill>
+                  </a:tcPr>
+                </a:tc>
+                <a:tc>
+                  <a:txBody>
+                    <a:bodyPr/>
+                    <a:lstStyle/>
+                    <a:p>
+                      <a:pPr marL="0" marR="0" algn="ctr">
+                        <a:lnSpc>
+                          <a:spcPct val="160000"/>
+                        </a:lnSpc>
+                        <a:spcBef>
+                          <a:spcPts val="0"/>
+                        </a:spcBef>
+                        <a:spcAft>
+                          <a:spcPts val="0"/>
+                        </a:spcAft>
+                      </a:pPr>
+                      <a:endParaRPr lang="ko-KR" altLang="en-US" sz="1200" dirty="0">
+                        <a:solidFill>
+                          <a:schemeClr val="tx1"/>
+                        </a:solidFill>
+                        <a:latin typeface="+mn-ea"/>
+                        <a:ea typeface="+mn-ea"/>
+                      </a:endParaRPr>
+                    </a:p>
+                  </a:txBody>
+                  <a:tcPr marL="66261" marR="66261" marT="33130" marB="33130" anchor="ctr">
+                    <a:lnL w="3556" cap="flat" cmpd="sng" algn="ctr">
+                      <a:solidFill>
+                        <a:srgbClr val="000000"/>
+                      </a:solidFill>
+                      <a:prstDash val="solid"/>
+                      <a:round/>
+                      <a:headEnd type="none" w="med" len="med"/>
+                      <a:tailEnd type="none" w="med" len="med"/>
+                    </a:lnL>
+                    <a:lnR w="3556" cap="flat" cmpd="sng" algn="ctr">
+                      <a:solidFill>
+                        <a:srgbClr val="000000"/>
+                      </a:solidFill>
+                      <a:prstDash val="solid"/>
+                      <a:round/>
+                      <a:headEnd type="none" w="med" len="med"/>
+                      <a:tailEnd type="none" w="med" len="med"/>
+                    </a:lnR>
+                    <a:lnT w="3556" cap="flat" cmpd="sng" algn="ctr">
+                      <a:solidFill>
+                        <a:srgbClr val="000000"/>
+                      </a:solidFill>
+                      <a:prstDash val="solid"/>
+                      <a:round/>
+                      <a:headEnd type="none" w="med" len="med"/>
+                      <a:tailEnd type="none" w="med" len="med"/>
+                    </a:lnT>
+                    <a:lnB w="21590" cap="flat" cmpd="sng" algn="ctr">
+                      <a:solidFill>
+                        <a:srgbClr val="000000"/>
+                      </a:solidFill>
+                      <a:prstDash val="solid"/>
+                      <a:round/>
+                      <a:headEnd type="none" w="med" len="med"/>
+                      <a:tailEnd type="none" w="med" len="med"/>
+                    </a:lnB>
+                    <a:solidFill>
+                      <a:srgbClr val="C0C0C0"/>
+                    </a:solidFill>
+                  </a:tcPr>
+                </a:tc>
+                <a:tc>
+                  <a:txBody>
+                    <a:bodyPr/>
+                    <a:lstStyle/>
+                    <a:p>
+                      <a:pPr marL="0" marR="0" algn="ctr">
+                        <a:lnSpc>
+                          <a:spcPct val="160000"/>
+                        </a:lnSpc>
+                        <a:spcBef>
+                          <a:spcPts val="0"/>
+                        </a:spcBef>
+                        <a:spcAft>
+                          <a:spcPts val="0"/>
+                        </a:spcAft>
+                      </a:pPr>
+                      <a:endParaRPr lang="ko-KR" altLang="en-US" sz="1200" dirty="0">
+                        <a:solidFill>
+                          <a:schemeClr val="tx1"/>
+                        </a:solidFill>
+                        <a:latin typeface="+mn-ea"/>
+                        <a:ea typeface="+mn-ea"/>
+                      </a:endParaRPr>
+                    </a:p>
+                  </a:txBody>
+                  <a:tcPr marL="66261" marR="66261" marT="33130" marB="33130" anchor="ctr">
+                    <a:lnL w="3556" cap="flat" cmpd="sng" algn="ctr">
+                      <a:solidFill>
+                        <a:srgbClr val="000000"/>
+                      </a:solidFill>
+                      <a:prstDash val="solid"/>
+                      <a:round/>
+                      <a:headEnd type="none" w="med" len="med"/>
+                      <a:tailEnd type="none" w="med" len="med"/>
+                    </a:lnL>
+                    <a:lnR w="3556" cap="flat" cmpd="sng" algn="ctr">
+                      <a:solidFill>
+                        <a:srgbClr val="000000"/>
+                      </a:solidFill>
+                      <a:prstDash val="solid"/>
+                      <a:round/>
+                      <a:headEnd type="none" w="med" len="med"/>
+                      <a:tailEnd type="none" w="med" len="med"/>
+                    </a:lnR>
+                    <a:lnT w="3556" cap="flat" cmpd="sng" algn="ctr">
+                      <a:solidFill>
+                        <a:srgbClr val="000000"/>
+                      </a:solidFill>
+                      <a:prstDash val="solid"/>
+                      <a:round/>
+                      <a:headEnd type="none" w="med" len="med"/>
+                      <a:tailEnd type="none" w="med" len="med"/>
+                    </a:lnT>
+                    <a:lnB w="21590" cap="flat" cmpd="sng" algn="ctr">
+                      <a:solidFill>
+                        <a:srgbClr val="000000"/>
+                      </a:solidFill>
+                      <a:prstDash val="solid"/>
+                      <a:round/>
+                      <a:headEnd type="none" w="med" len="med"/>
+                      <a:tailEnd type="none" w="med" len="med"/>
+                    </a:lnB>
+                    <a:solidFill>
+                      <a:srgbClr val="C0C0C0"/>
+                    </a:solidFill>
+                  </a:tcPr>
+                </a:tc>
+                <a:tc>
+                  <a:txBody>
+                    <a:bodyPr/>
+                    <a:lstStyle/>
+                    <a:p>
+                      <a:pPr marL="0" marR="0" algn="ctr">
+                        <a:lnSpc>
+                          <a:spcPct val="160000"/>
+                        </a:lnSpc>
+                        <a:spcBef>
+                          <a:spcPts val="0"/>
+                        </a:spcBef>
+                        <a:spcAft>
+                          <a:spcPts val="0"/>
+                        </a:spcAft>
+                      </a:pPr>
+                      <a:endParaRPr lang="ko-KR" altLang="en-US" sz="1200" dirty="0">
+                        <a:solidFill>
+                          <a:schemeClr val="tx1"/>
+                        </a:solidFill>
+                        <a:latin typeface="+mn-ea"/>
+                        <a:ea typeface="+mn-ea"/>
+                      </a:endParaRPr>
+                    </a:p>
+                  </a:txBody>
+                  <a:tcPr marL="66261" marR="66261" marT="33130" marB="33130" anchor="ctr">
+                    <a:lnL w="3556" cap="flat" cmpd="sng" algn="ctr">
+                      <a:solidFill>
+                        <a:srgbClr val="000000"/>
+                      </a:solidFill>
+                      <a:prstDash val="solid"/>
+                      <a:round/>
+                      <a:headEnd type="none" w="med" len="med"/>
+                      <a:tailEnd type="none" w="med" len="med"/>
+                    </a:lnL>
+                    <a:lnR w="3556" cap="flat" cmpd="sng" algn="ctr">
+                      <a:solidFill>
+                        <a:srgbClr val="000000"/>
+                      </a:solidFill>
+                      <a:prstDash val="solid"/>
+                      <a:round/>
+                      <a:headEnd type="none" w="med" len="med"/>
+                      <a:tailEnd type="none" w="med" len="med"/>
+                    </a:lnR>
+                    <a:lnT w="3556" cap="flat" cmpd="sng" algn="ctr">
+                      <a:solidFill>
+                        <a:srgbClr val="000000"/>
+                      </a:solidFill>
+                      <a:prstDash val="solid"/>
+                      <a:round/>
+                      <a:headEnd type="none" w="med" len="med"/>
+                      <a:tailEnd type="none" w="med" len="med"/>
+                    </a:lnT>
+                    <a:lnB w="21590" cap="flat" cmpd="sng" algn="ctr">
+                      <a:solidFill>
+                        <a:srgbClr val="000000"/>
+                      </a:solidFill>
+                      <a:prstDash val="solid"/>
+                      <a:round/>
+                      <a:headEnd type="none" w="med" len="med"/>
+                      <a:tailEnd type="none" w="med" len="med"/>
+                    </a:lnB>
+                    <a:solidFill>
+                      <a:srgbClr val="C0C0C0"/>
+                    </a:solidFill>
+                  </a:tcPr>
+                </a:tc>
+                <a:tc>
+                  <a:txBody>
+                    <a:bodyPr/>
+                    <a:lstStyle/>
+                    <a:p>
+                      <a:pPr marL="0" marR="0" algn="ctr">
+                        <a:lnSpc>
+                          <a:spcPct val="160000"/>
+                        </a:lnSpc>
+                        <a:spcBef>
+                          <a:spcPts val="0"/>
+                        </a:spcBef>
+                        <a:spcAft>
+                          <a:spcPts val="0"/>
+                        </a:spcAft>
+                      </a:pPr>
+                      <a:endParaRPr lang="ko-KR" altLang="en-US" sz="1200" dirty="0">
+                        <a:solidFill>
+                          <a:schemeClr val="tx1"/>
+                        </a:solidFill>
+                        <a:latin typeface="+mn-ea"/>
+                        <a:ea typeface="+mn-ea"/>
+                      </a:endParaRPr>
+                    </a:p>
+                  </a:txBody>
+                  <a:tcPr marL="66261" marR="66261" marT="33130" marB="33130" anchor="ctr">
+                    <a:lnL w="3556" cap="flat" cmpd="sng" algn="ctr">
+                      <a:solidFill>
+                        <a:srgbClr val="000000"/>
+                      </a:solidFill>
+                      <a:prstDash val="solid"/>
+                      <a:round/>
+                      <a:headEnd type="none" w="med" len="med"/>
+                      <a:tailEnd type="none" w="med" len="med"/>
+                    </a:lnL>
+                    <a:lnR w="3556" cap="flat" cmpd="sng" algn="ctr">
+                      <a:solidFill>
+                        <a:srgbClr val="000000"/>
+                      </a:solidFill>
+                      <a:prstDash val="solid"/>
+                      <a:round/>
+                      <a:headEnd type="none" w="med" len="med"/>
+                      <a:tailEnd type="none" w="med" len="med"/>
+                    </a:lnR>
+                    <a:lnT w="3556" cap="flat" cmpd="sng" algn="ctr">
+                      <a:solidFill>
+                        <a:srgbClr val="000000"/>
+                      </a:solidFill>
+                      <a:prstDash val="solid"/>
+                      <a:round/>
+                      <a:headEnd type="none" w="med" len="med"/>
+                      <a:tailEnd type="none" w="med" len="med"/>
+                    </a:lnT>
+                    <a:lnB w="21590" cap="flat" cmpd="sng" algn="ctr">
+                      <a:solidFill>
+                        <a:srgbClr val="000000"/>
+                      </a:solidFill>
+                      <a:prstDash val="solid"/>
+                      <a:round/>
+                      <a:headEnd type="none" w="med" len="med"/>
+                      <a:tailEnd type="none" w="med" len="med"/>
+                    </a:lnB>
+                    <a:solidFill>
+                      <a:srgbClr val="CCCCCC"/>
+                    </a:solidFill>
+                  </a:tcPr>
+                </a:tc>
+                <a:tc>
+                  <a:txBody>
+                    <a:bodyPr/>
+                    <a:lstStyle/>
+                    <a:p>
+                      <a:pPr marL="0" marR="0" algn="ctr">
+                        <a:lnSpc>
+                          <a:spcPct val="160000"/>
+                        </a:lnSpc>
+                        <a:spcBef>
+                          <a:spcPts val="0"/>
+                        </a:spcBef>
+                        <a:spcAft>
+                          <a:spcPts val="0"/>
+                        </a:spcAft>
+                      </a:pPr>
+                      <a:endParaRPr lang="ko-KR" altLang="en-US" sz="1200" dirty="0">
+                        <a:solidFill>
+                          <a:schemeClr val="tx1"/>
+                        </a:solidFill>
+                        <a:latin typeface="+mn-ea"/>
+                        <a:ea typeface="+mn-ea"/>
+                      </a:endParaRPr>
+                    </a:p>
+                  </a:txBody>
+                  <a:tcPr marL="66261" marR="66261" marT="33130" marB="33130" anchor="ctr">
+                    <a:lnL w="3556" cap="flat" cmpd="sng" algn="ctr">
+                      <a:solidFill>
+                        <a:srgbClr val="000000"/>
+                      </a:solidFill>
+                      <a:prstDash val="solid"/>
+                      <a:round/>
+                      <a:headEnd type="none" w="med" len="med"/>
+                      <a:tailEnd type="none" w="med" len="med"/>
+                    </a:lnL>
+                    <a:lnR w="3556" cap="flat" cmpd="sng" algn="ctr">
+                      <a:solidFill>
+                        <a:srgbClr val="000000"/>
+                      </a:solidFill>
+                      <a:prstDash val="solid"/>
+                      <a:round/>
+                      <a:headEnd type="none" w="med" len="med"/>
+                      <a:tailEnd type="none" w="med" len="med"/>
+                    </a:lnR>
+                    <a:lnT w="3556" cap="flat" cmpd="sng" algn="ctr">
+                      <a:solidFill>
+                        <a:srgbClr val="000000"/>
+                      </a:solidFill>
+                      <a:prstDash val="solid"/>
+                      <a:round/>
+                      <a:headEnd type="none" w="med" len="med"/>
+                      <a:tailEnd type="none" w="med" len="med"/>
+                    </a:lnT>
+                    <a:lnB w="21590" cap="flat" cmpd="sng" algn="ctr">
+                      <a:solidFill>
+                        <a:srgbClr val="000000"/>
+                      </a:solidFill>
+                      <a:prstDash val="solid"/>
+                      <a:round/>
+                      <a:headEnd type="none" w="med" len="med"/>
+                      <a:tailEnd type="none" w="med" len="med"/>
+                    </a:lnB>
+                    <a:solidFill>
+                      <a:srgbClr val="CCCCCC"/>
+                    </a:solidFill>
+                  </a:tcPr>
+                </a:tc>
+                <a:tc>
+                  <a:txBody>
+                    <a:bodyPr/>
+                    <a:lstStyle/>
+                    <a:p>
+                      <a:pPr marL="0" marR="0" algn="ctr">
+                        <a:lnSpc>
+                          <a:spcPct val="160000"/>
+                        </a:lnSpc>
+                        <a:spcBef>
+                          <a:spcPts val="0"/>
+                        </a:spcBef>
+                        <a:spcAft>
+                          <a:spcPts val="0"/>
+                        </a:spcAft>
+                      </a:pPr>
+                      <a:endParaRPr lang="ko-KR" altLang="en-US" sz="1200">
+                        <a:solidFill>
+                          <a:schemeClr val="tx1"/>
+                        </a:solidFill>
+                        <a:latin typeface="+mn-ea"/>
+                        <a:ea typeface="+mn-ea"/>
+                      </a:endParaRPr>
+                    </a:p>
+                  </a:txBody>
+                  <a:tcPr marL="66261" marR="66261" marT="33130" marB="33130" anchor="ctr">
+                    <a:lnL w="3556" cap="flat" cmpd="sng" algn="ctr">
+                      <a:solidFill>
+                        <a:srgbClr val="000000"/>
+                      </a:solidFill>
+                      <a:prstDash val="solid"/>
+                      <a:round/>
+                      <a:headEnd type="none" w="med" len="med"/>
+                      <a:tailEnd type="none" w="med" len="med"/>
+                    </a:lnL>
+                    <a:lnR w="3556" cap="flat" cmpd="sng" algn="ctr">
+                      <a:solidFill>
+                        <a:srgbClr val="000000"/>
+                      </a:solidFill>
+                      <a:prstDash val="solid"/>
+                      <a:round/>
+                      <a:headEnd type="none" w="med" len="med"/>
+                      <a:tailEnd type="none" w="med" len="med"/>
+                    </a:lnR>
+                    <a:lnT w="3556" cap="flat" cmpd="sng" algn="ctr">
+                      <a:solidFill>
+                        <a:srgbClr val="000000"/>
+                      </a:solidFill>
+                      <a:prstDash val="solid"/>
+                      <a:round/>
+                      <a:headEnd type="none" w="med" len="med"/>
+                      <a:tailEnd type="none" w="med" len="med"/>
+                    </a:lnT>
+                    <a:lnB w="21590" cap="flat" cmpd="sng" algn="ctr">
+                      <a:solidFill>
+                        <a:srgbClr val="000000"/>
+                      </a:solidFill>
+                      <a:prstDash val="solid"/>
+                      <a:round/>
+                      <a:headEnd type="none" w="med" len="med"/>
+                      <a:tailEnd type="none" w="med" len="med"/>
+                    </a:lnB>
+                    <a:solidFill>
+                      <a:srgbClr val="CCCCCC"/>
+                    </a:solidFill>
+                  </a:tcPr>
+                </a:tc>
+                <a:tc>
+                  <a:txBody>
+                    <a:bodyPr/>
+                    <a:lstStyle/>
+                    <a:p>
+                      <a:pPr marL="0" marR="0" algn="ctr">
+                        <a:lnSpc>
+                          <a:spcPct val="160000"/>
+                        </a:lnSpc>
+                        <a:spcBef>
+                          <a:spcPts val="0"/>
+                        </a:spcBef>
+                        <a:spcAft>
+                          <a:spcPts val="0"/>
+                        </a:spcAft>
+                      </a:pPr>
+                      <a:endParaRPr lang="ko-KR" altLang="en-US" sz="1200" dirty="0">
+                        <a:solidFill>
+                          <a:schemeClr val="tx1"/>
+                        </a:solidFill>
+                        <a:latin typeface="+mn-ea"/>
+                        <a:ea typeface="+mn-ea"/>
+                      </a:endParaRPr>
+                    </a:p>
+                  </a:txBody>
+                  <a:tcPr marL="66261" marR="66261" marT="33130" marB="33130" anchor="ctr">
+                    <a:lnL w="3556" cap="flat" cmpd="sng" algn="ctr">
+                      <a:solidFill>
+                        <a:srgbClr val="000000"/>
+                      </a:solidFill>
+                      <a:prstDash val="solid"/>
+                      <a:round/>
+                      <a:headEnd type="none" w="med" len="med"/>
+                      <a:tailEnd type="none" w="med" len="med"/>
+                    </a:lnL>
+                    <a:lnR w="3556" cap="flat" cmpd="sng" algn="ctr">
+                      <a:solidFill>
+                        <a:srgbClr val="000000"/>
+                      </a:solidFill>
+                      <a:prstDash val="solid"/>
+                      <a:round/>
+                      <a:headEnd type="none" w="med" len="med"/>
+                      <a:tailEnd type="none" w="med" len="med"/>
+                    </a:lnR>
+                    <a:lnT w="3556" cap="flat" cmpd="sng" algn="ctr">
+                      <a:solidFill>
+                        <a:srgbClr val="000000"/>
+                      </a:solidFill>
+                      <a:prstDash val="solid"/>
+                      <a:round/>
+                      <a:headEnd type="none" w="med" len="med"/>
+                      <a:tailEnd type="none" w="med" len="med"/>
+                    </a:lnT>
+                    <a:lnB w="21590" cap="flat" cmpd="sng" algn="ctr">
+                      <a:solidFill>
+                        <a:srgbClr val="000000"/>
+                      </a:solidFill>
+                      <a:prstDash val="solid"/>
+                      <a:round/>
+                      <a:headEnd type="none" w="med" len="med"/>
+                      <a:tailEnd type="none" w="med" len="med"/>
+                    </a:lnB>
+                    <a:solidFill>
+                      <a:srgbClr val="CCCCCC"/>
+                    </a:solidFill>
+                  </a:tcPr>
+                </a:tc>
+                <a:tc>
+                  <a:txBody>
+                    <a:bodyPr/>
+                    <a:lstStyle/>
+                    <a:p>
+                      <a:pPr marL="0" marR="0" algn="ctr">
+                        <a:lnSpc>
+                          <a:spcPct val="160000"/>
+                        </a:lnSpc>
+                        <a:spcBef>
+                          <a:spcPts val="0"/>
+                        </a:spcBef>
+                        <a:spcAft>
+                          <a:spcPts val="0"/>
+                        </a:spcAft>
+                      </a:pPr>
+                      <a:endParaRPr lang="ko-KR" altLang="en-US" sz="1200" dirty="0">
+                        <a:solidFill>
+                          <a:schemeClr val="tx1"/>
+                        </a:solidFill>
+                        <a:latin typeface="+mn-ea"/>
+                        <a:ea typeface="+mn-ea"/>
+                      </a:endParaRPr>
+                    </a:p>
+                  </a:txBody>
+                  <a:tcPr marL="66261" marR="66261" marT="33130" marB="33130" anchor="ctr">
+                    <a:lnL w="3556" cap="flat" cmpd="sng" algn="ctr">
+                      <a:solidFill>
+                        <a:srgbClr val="000000"/>
+                      </a:solidFill>
+                      <a:prstDash val="solid"/>
+                      <a:round/>
+                      <a:headEnd type="none" w="med" len="med"/>
+                      <a:tailEnd type="none" w="med" len="med"/>
+                    </a:lnL>
+                    <a:lnR w="3556" cap="flat" cmpd="sng" algn="ctr">
+                      <a:solidFill>
+                        <a:srgbClr val="000000"/>
+                      </a:solidFill>
+                      <a:prstDash val="solid"/>
+                      <a:round/>
+                      <a:headEnd type="none" w="med" len="med"/>
+                      <a:tailEnd type="none" w="med" len="med"/>
+                    </a:lnR>
+                    <a:lnT w="3556" cap="flat" cmpd="sng" algn="ctr">
+                      <a:solidFill>
+                        <a:srgbClr val="000000"/>
+                      </a:solidFill>
+                      <a:prstDash val="solid"/>
+                      <a:round/>
+                      <a:headEnd type="none" w="med" len="med"/>
+                      <a:tailEnd type="none" w="med" len="med"/>
+                    </a:lnT>
+                    <a:lnB w="21590" cap="flat" cmpd="sng" algn="ctr">
+                      <a:solidFill>
+                        <a:srgbClr val="000000"/>
+                      </a:solidFill>
+                      <a:prstDash val="solid"/>
+                      <a:round/>
+                      <a:headEnd type="none" w="med" len="med"/>
+                      <a:tailEnd type="none" w="med" len="med"/>
+                    </a:lnB>
+                    <a:solidFill>
+                      <a:srgbClr val="CCCCCC"/>
+                    </a:solidFill>
+                  </a:tcPr>
+                </a:tc>
+                <a:tc>
+                  <a:txBody>
+                    <a:bodyPr/>
+                    <a:lstStyle/>
+                    <a:p>
+                      <a:pPr marL="0" marR="0" algn="just">
+                        <a:lnSpc>
+                          <a:spcPct val="160000"/>
+                        </a:lnSpc>
+                        <a:spcBef>
+                          <a:spcPts val="0"/>
+                        </a:spcBef>
+                        <a:spcAft>
+                          <a:spcPts val="0"/>
+                        </a:spcAft>
+                      </a:pPr>
+                      <a:endParaRPr lang="ko-KR" altLang="en-US" sz="1200" dirty="0">
+                        <a:solidFill>
+                          <a:schemeClr val="tx1"/>
+                        </a:solidFill>
+                        <a:latin typeface="+mn-ea"/>
+                        <a:ea typeface="+mn-ea"/>
+                      </a:endParaRPr>
+                    </a:p>
+                  </a:txBody>
+                  <a:tcPr marL="66261" marR="66261" marT="33130" marB="33130" anchor="ctr">
+                    <a:lnL w="3556" cap="flat" cmpd="sng" algn="ctr">
+                      <a:solidFill>
+                        <a:srgbClr val="000000"/>
+                      </a:solidFill>
+                      <a:prstDash val="solid"/>
+                      <a:round/>
+                      <a:headEnd type="none" w="med" len="med"/>
+                      <a:tailEnd type="none" w="med" len="med"/>
+                    </a:lnL>
+                    <a:lnR w="21590" cap="flat" cmpd="sng" algn="ctr">
+                      <a:solidFill>
+                        <a:srgbClr val="000000"/>
+                      </a:solidFill>
+                      <a:prstDash val="solid"/>
+                      <a:round/>
+                      <a:headEnd type="none" w="med" len="med"/>
+                      <a:tailEnd type="none" w="med" len="med"/>
+                    </a:lnR>
+                    <a:lnT w="3556" cap="flat" cmpd="sng" algn="ctr">
+                      <a:solidFill>
+                        <a:srgbClr val="000000"/>
+                      </a:solidFill>
+                      <a:prstDash val="solid"/>
+                      <a:round/>
+                      <a:headEnd type="none" w="med" len="med"/>
+                      <a:tailEnd type="none" w="med" len="med"/>
+                    </a:lnT>
+                    <a:lnB w="21590" cap="flat" cmpd="sng" algn="ctr">
+                      <a:solidFill>
+                        <a:srgbClr val="000000"/>
+                      </a:solidFill>
+                      <a:prstDash val="solid"/>
+                      <a:round/>
+                      <a:headEnd type="none" w="med" len="med"/>
+                      <a:tailEnd type="none" w="med" len="med"/>
+                    </a:lnB>
+                  </a:tcPr>
+                </a:tc>
+              </a:tr>
+            </a:tbl>
+          </a:graphicData>
+        </a:graphic>
+      </p:graphicFrame>
+      <p:sp>
+        <p:nvSpPr>
+          <p:cNvPr id="1026" name="Rectangle 2"/>
+          <p:cNvSpPr>
+            <a:spLocks noChangeArrowheads="1"/>
+          </p:cNvSpPr>
+          <p:nvPr/>
+        </p:nvSpPr>
+        <p:spPr bwMode="auto">
+          <a:xfrm>
+            <a:off x="0" y="0"/>
+            <a:ext cx="9144000" cy="457200"/>
+          </a:xfrm>
+          <a:prstGeom prst="rect">
+            <a:avLst/>
+          </a:prstGeom>
+          <a:noFill/>
+          <a:ln w="9525">
+            <a:noFill/>
+            <a:miter lim="800000"/>
+            <a:headEnd/>
+            <a:tailEnd/>
+          </a:ln>
+          <a:effectLst/>
+        </p:spPr>
+        <p:txBody>
+          <a:bodyPr vert="horz" wrap="none" lIns="91440" tIns="45720" rIns="91440" bIns="45720" numCol="1" anchor="ctr" anchorCtr="0" compatLnSpc="1">
+            <a:prstTxWarp prst="textNoShape">
+              <a:avLst/>
+            </a:prstTxWarp>
+            <a:spAutoFit/>
+          </a:bodyPr>
+          <a:lstStyle/>
+          <a:p>
+            <a:endParaRPr lang="ko-KR" altLang="en-US"/>
+          </a:p>
+        </p:txBody>
+      </p:sp>
+    </p:spTree>
+    <p:extLst>
+      <p:ext uri="{BB962C8B-B14F-4D97-AF65-F5344CB8AC3E}">
+        <p14:creationId xmlns:p14="http://schemas.microsoft.com/office/powerpoint/2010/main" xmlns="" val="3226908284"/>
+      </p:ext>
+    </p:extLst>
+  </p:cSld>
+  <p:clrMapOvr>
+    <a:masterClrMapping/>
+  </p:clrMapOvr>
+  <p:timing>
+    <p:tnLst>
+      <p:par>
+        <p:cTn id="1" dur="indefinite" restart="never" nodeType="tmRoot"/>
+      </p:par>
+    </p:tnLst>
+  </p:timing>
+</p:sld>
+</file>
+
+<file path=ppt/slides/slide4.xml><?xml version="1.0" encoding="utf-8"?>
+<p:sld xmlns:a="http://schemas.openxmlformats.org/drawingml/2006/main" xmlns:r="http://schemas.openxmlformats.org/officeDocument/2006/relationships" xmlns:p="http://schemas.openxmlformats.org/presentationml/2006/main">
+  <p:cSld>
+    <p:spTree>
+      <p:nvGrpSpPr>
+        <p:cNvPr id="1" name=""/>
+        <p:cNvGrpSpPr/>
+        <p:nvPr/>
+      </p:nvGrpSpPr>
+      <p:grpSpPr>
+        <a:xfrm>
+          <a:off x="0" y="0"/>
+          <a:ext cx="0" cy="0"/>
+          <a:chOff x="0" y="0"/>
+          <a:chExt cx="0" cy="0"/>
+        </a:xfrm>
+      </p:grpSpPr>
+      <p:sp>
+        <p:nvSpPr>
+          <p:cNvPr id="2" name="제목 1"/>
+          <p:cNvSpPr>
+            <a:spLocks noGrp="1"/>
+          </p:cNvSpPr>
+          <p:nvPr>
+            <p:ph type="title"/>
+          </p:nvPr>
+        </p:nvSpPr>
         <p:spPr/>
         <p:txBody>
           <a:bodyPr>
@@ -7026,14 +15433,14 @@
           <a:effectLst/>
           <a:extLst>
             <a:ext uri="{909E8E84-426E-40DD-AFC4-6F175D3DCCD1}">
-              <a14:hiddenFill xmlns:a14="http://schemas.microsoft.com/office/drawing/2010/main" xmlns="">
+              <a14:hiddenFill xmlns="" xmlns:a14="http://schemas.microsoft.com/office/drawing/2010/main">
                 <a:solidFill>
                   <a:schemeClr val="accent1"/>
                 </a:solidFill>
               </a14:hiddenFill>
             </a:ext>
             <a:ext uri="{91240B29-F687-4F45-9708-019B960494DF}">
-              <a14:hiddenLine xmlns:a14="http://schemas.microsoft.com/office/drawing/2010/main" xmlns="" w="9525">
+              <a14:hiddenLine xmlns="" xmlns:a14="http://schemas.microsoft.com/office/drawing/2010/main" w="9525">
                 <a:solidFill>
                   <a:schemeClr val="tx1"/>
                 </a:solidFill>
@@ -7043,7 +15450,7 @@
               </a14:hiddenLine>
             </a:ext>
             <a:ext uri="{AF507438-7753-43E0-B8FC-AC1667EBCBE1}">
-              <a14:hiddenEffects xmlns:a14="http://schemas.microsoft.com/office/drawing/2010/main" xmlns="">
+              <a14:hiddenEffects xmlns="" xmlns:a14="http://schemas.microsoft.com/office/drawing/2010/main">
                 <a:effectLst>
                   <a:outerShdw dist="35921" dir="2700000" algn="ctr" rotWithShape="0">
                     <a:schemeClr val="bg2"/>
@@ -7476,11 +15883,7 @@
               <a:pPr algn="ctr"/>
               <a:r>
                 <a:rPr lang="ko-KR" altLang="en-US" dirty="0" smtClean="0"/>
-                <a:t>번역하</a:t>
-              </a:r>
-              <a:r>
-                <a:rPr lang="ko-KR" altLang="en-US" dirty="0" smtClean="0"/>
-                <a:t>기</a:t>
+                <a:t>번역하기</a:t>
               </a:r>
               <a:endParaRPr lang="ko-KR" altLang="en-US" dirty="0"/>
             </a:p>
@@ -7743,7 +16146,7 @@
         </p:nvSpPr>
         <p:spPr>
           <a:xfrm>
-            <a:off x="6572264" y="4857760"/>
+            <a:off x="6500826" y="4857760"/>
             <a:ext cx="1485910" cy="714380"/>
           </a:xfrm>
           <a:prstGeom prst="rect">
@@ -7780,11 +16183,7 @@
             <a:pPr algn="ctr"/>
             <a:r>
               <a:rPr lang="ko-KR" altLang="en-US" dirty="0" smtClean="0"/>
-              <a:t>자모음 및 단어 번</a:t>
-            </a:r>
-            <a:r>
-              <a:rPr lang="ko-KR" altLang="en-US" dirty="0" smtClean="0"/>
-              <a:t>역</a:t>
+              <a:t>자모음 및 단어 번역</a:t>
             </a:r>
             <a:endParaRPr lang="ko-KR" altLang="en-US" dirty="0"/>
           </a:p>
@@ -7793,7 +16192,7 @@
     </p:spTree>
     <p:extLst>
       <p:ext uri="{BB962C8B-B14F-4D97-AF65-F5344CB8AC3E}">
-        <p14:creationId xmlns:p14="http://schemas.microsoft.com/office/powerpoint/2010/main" xmlns="" val="4267675200"/>
+        <p14:creationId xmlns="" xmlns:p14="http://schemas.microsoft.com/office/powerpoint/2010/main" val="4267675200"/>
       </p:ext>
     </p:extLst>
   </p:cSld>
@@ -7810,7 +16209,7 @@
 </p:sld>
 </file>
 
-<file path=ppt/slides/slide4.xml><?xml version="1.0" encoding="utf-8"?>
+<file path=ppt/slides/slide5.xml><?xml version="1.0" encoding="utf-8"?>
 <p:sld xmlns:a="http://schemas.openxmlformats.org/drawingml/2006/main" xmlns:r="http://schemas.openxmlformats.org/officeDocument/2006/relationships" xmlns:p="http://schemas.openxmlformats.org/presentationml/2006/main">
   <p:cSld>
     <p:spTree>
@@ -7907,14 +16306,14 @@
           <a:effectLst/>
           <a:extLst>
             <a:ext uri="{909E8E84-426E-40DD-AFC4-6F175D3DCCD1}">
-              <a14:hiddenFill xmlns:a14="http://schemas.microsoft.com/office/drawing/2010/main" xmlns="">
+              <a14:hiddenFill xmlns="" xmlns:a14="http://schemas.microsoft.com/office/drawing/2010/main">
                 <a:solidFill>
                   <a:schemeClr val="accent1"/>
                 </a:solidFill>
               </a14:hiddenFill>
             </a:ext>
             <a:ext uri="{91240B29-F687-4F45-9708-019B960494DF}">
-              <a14:hiddenLine xmlns:a14="http://schemas.microsoft.com/office/drawing/2010/main" xmlns="" w="9525">
+              <a14:hiddenLine xmlns="" xmlns:a14="http://schemas.microsoft.com/office/drawing/2010/main" w="9525">
                 <a:solidFill>
                   <a:schemeClr val="tx1"/>
                 </a:solidFill>
@@ -7924,7 +16323,7 @@
               </a14:hiddenLine>
             </a:ext>
             <a:ext uri="{AF507438-7753-43E0-B8FC-AC1667EBCBE1}">
-              <a14:hiddenEffects xmlns:a14="http://schemas.microsoft.com/office/drawing/2010/main" xmlns="">
+              <a14:hiddenEffects xmlns="" xmlns:a14="http://schemas.microsoft.com/office/drawing/2010/main">
                 <a:effectLst>
                   <a:outerShdw dist="35921" dir="2700000" algn="ctr" rotWithShape="0">
                     <a:schemeClr val="bg2"/>
@@ -8204,7 +16603,7 @@
     </p:spTree>
     <p:extLst>
       <p:ext uri="{BB962C8B-B14F-4D97-AF65-F5344CB8AC3E}">
-        <p14:creationId xmlns:p14="http://schemas.microsoft.com/office/powerpoint/2010/main" xmlns="" val="4267675200"/>
+        <p14:creationId xmlns="" xmlns:p14="http://schemas.microsoft.com/office/powerpoint/2010/main" val="4267675200"/>
       </p:ext>
     </p:extLst>
   </p:cSld>
@@ -8221,7 +16620,7 @@
 </p:sld>
 </file>
 
-<file path=ppt/slides/slide5.xml><?xml version="1.0" encoding="utf-8"?>
+<file path=ppt/slides/slide6.xml><?xml version="1.0" encoding="utf-8"?>
 <p:sld xmlns:a="http://schemas.openxmlformats.org/drawingml/2006/main" xmlns:r="http://schemas.openxmlformats.org/officeDocument/2006/relationships" xmlns:p="http://schemas.openxmlformats.org/presentationml/2006/main">
   <p:cSld>
     <p:spTree>
@@ -8318,14 +16717,14 @@
           <a:effectLst/>
           <a:extLst>
             <a:ext uri="{909E8E84-426E-40DD-AFC4-6F175D3DCCD1}">
-              <a14:hiddenFill xmlns:a14="http://schemas.microsoft.com/office/drawing/2010/main" xmlns="">
+              <a14:hiddenFill xmlns="" xmlns:a14="http://schemas.microsoft.com/office/drawing/2010/main">
                 <a:solidFill>
                   <a:schemeClr val="accent1"/>
                 </a:solidFill>
               </a14:hiddenFill>
             </a:ext>
             <a:ext uri="{91240B29-F687-4F45-9708-019B960494DF}">
-              <a14:hiddenLine xmlns:a14="http://schemas.microsoft.com/office/drawing/2010/main" xmlns="" w="9525">
+              <a14:hiddenLine xmlns="" xmlns:a14="http://schemas.microsoft.com/office/drawing/2010/main" w="9525">
                 <a:solidFill>
                   <a:schemeClr val="tx1"/>
                 </a:solidFill>
@@ -8335,7 +16734,7 @@
               </a14:hiddenLine>
             </a:ext>
             <a:ext uri="{AF507438-7753-43E0-B8FC-AC1667EBCBE1}">
-              <a14:hiddenEffects xmlns:a14="http://schemas.microsoft.com/office/drawing/2010/main" xmlns="">
+              <a14:hiddenEffects xmlns="" xmlns:a14="http://schemas.microsoft.com/office/drawing/2010/main">
                 <a:effectLst>
                   <a:outerShdw dist="35921" dir="2700000" algn="ctr" rotWithShape="0">
                     <a:schemeClr val="bg2"/>
@@ -8475,7 +16874,7 @@
     </p:spTree>
     <p:extLst>
       <p:ext uri="{BB962C8B-B14F-4D97-AF65-F5344CB8AC3E}">
-        <p14:creationId xmlns:p14="http://schemas.microsoft.com/office/powerpoint/2010/main" xmlns="" val="4267675200"/>
+        <p14:creationId xmlns="" xmlns:p14="http://schemas.microsoft.com/office/powerpoint/2010/main" val="4267675200"/>
       </p:ext>
     </p:extLst>
   </p:cSld>
